--- a/Presentation 3/Ultralite Coding Presentation 3.pptx
+++ b/Presentation 3/Ultralite Coding Presentation 3.pptx
@@ -1,40 +1,40 @@
 
 <file path=ppt/presentation.xml><?xml version="1.0" encoding="utf-8"?>
-<p:presentation xmlns:a="http://schemas.openxmlformats.org/drawingml/2006/main" xmlns:r="http://schemas.openxmlformats.org/officeDocument/2006/relationships" xmlns:mc="http://schemas.openxmlformats.org/markup-compatibility/2006" xmlns:mv="urn:schemas-microsoft-com:mac:vml" xmlns:p="http://schemas.openxmlformats.org/presentationml/2006/main" xmlns:c="http://schemas.openxmlformats.org/drawingml/2006/chart" xmlns:dgm="http://schemas.openxmlformats.org/drawingml/2006/diagram" xmlns:o="urn:schemas-microsoft-com:office:office" xmlns:v="urn:schemas-microsoft-com:vml" xmlns:pvml="urn:schemas-microsoft-com:office:powerpoint" xmlns:com="http://schemas.openxmlformats.org/drawingml/2006/compatibility" xmlns:p14="http://schemas.microsoft.com/office/powerpoint/2010/main" xmlns:p15="http://schemas.microsoft.com/office/powerpoint/2012/main" autoCompressPictures="0" embedTrueTypeFonts="1" strictFirstAndLastChars="0" saveSubsetFonts="1">
+<p:presentation xmlns:a="http://schemas.openxmlformats.org/drawingml/2006/main" xmlns:r="http://schemas.openxmlformats.org/officeDocument/2006/relationships" xmlns:p="http://schemas.openxmlformats.org/presentationml/2006/main" strictFirstAndLastChars="0" embedTrueTypeFonts="1" saveSubsetFonts="1" autoCompressPictures="0">
   <p:sldMasterIdLst>
-    <p:sldMasterId id="2147483659" r:id="rId3"/>
+    <p:sldMasterId id="2147483659" r:id="rId1"/>
   </p:sldMasterIdLst>
   <p:notesMasterIdLst>
-    <p:notesMasterId r:id="rId4"/>
+    <p:notesMasterId r:id="rId13"/>
   </p:notesMasterIdLst>
   <p:sldIdLst>
-    <p:sldId id="256" r:id="rId5"/>
-    <p:sldId id="257" r:id="rId6"/>
-    <p:sldId id="258" r:id="rId7"/>
-    <p:sldId id="259" r:id="rId8"/>
-    <p:sldId id="260" r:id="rId9"/>
-    <p:sldId id="261" r:id="rId10"/>
-    <p:sldId id="262" r:id="rId11"/>
-    <p:sldId id="263" r:id="rId12"/>
-    <p:sldId id="264" r:id="rId13"/>
-    <p:sldId id="265" r:id="rId14"/>
-    <p:sldId id="266" r:id="rId15"/>
+    <p:sldId id="256" r:id="rId2"/>
+    <p:sldId id="257" r:id="rId3"/>
+    <p:sldId id="258" r:id="rId4"/>
+    <p:sldId id="259" r:id="rId5"/>
+    <p:sldId id="260" r:id="rId6"/>
+    <p:sldId id="261" r:id="rId7"/>
+    <p:sldId id="262" r:id="rId8"/>
+    <p:sldId id="263" r:id="rId9"/>
+    <p:sldId id="264" r:id="rId10"/>
+    <p:sldId id="265" r:id="rId11"/>
+    <p:sldId id="266" r:id="rId12"/>
   </p:sldIdLst>
-  <p:sldSz cy="5143500" cx="9144000"/>
+  <p:sldSz cx="9144000" cy="5143500" type="screen16x9"/>
   <p:notesSz cx="6858000" cy="9144000"/>
   <p:embeddedFontLst>
     <p:embeddedFont>
-      <p:font typeface="Average"/>
-      <p:regular r:id="rId16"/>
+      <p:font typeface="Oswald"/>
+      <p:regular r:id="rId14"/>
+      <p:bold r:id="rId15"/>
     </p:embeddedFont>
     <p:embeddedFont>
-      <p:font typeface="Oswald"/>
-      <p:regular r:id="rId17"/>
-      <p:bold r:id="rId18"/>
+      <p:font typeface="Average" panose="020B0604020202020204" charset="0"/>
+      <p:regular r:id="rId16"/>
     </p:embeddedFont>
   </p:embeddedFontLst>
   <p:defaultTextStyle>
-    <a:defPPr lvl="0" marR="0" rtl="0" algn="l">
+    <a:defPPr marR="0" lvl="0" algn="l" rtl="0">
       <a:lnSpc>
         <a:spcPct val="100000"/>
       </a:lnSpc>
@@ -45,7 +45,7 @@
         <a:spcPts val="0"/>
       </a:spcAft>
     </a:defPPr>
-    <a:lvl1pPr lvl="0" marR="0" rtl="0" algn="l">
+    <a:lvl1pPr marR="0" lvl="0" algn="l" rtl="0">
       <a:lnSpc>
         <a:spcPct val="100000"/>
       </a:lnSpc>
@@ -56,7 +56,7 @@
         <a:spcPts val="0"/>
       </a:spcAft>
       <a:buNone/>
-      <a:defRPr b="0" i="0" sz="1400" u="none" cap="none" strike="noStrike">
+      <a:defRPr sz="1400" b="0" i="0" u="none" strike="noStrike" cap="none">
         <a:solidFill>
           <a:srgbClr val="000000"/>
         </a:solidFill>
@@ -66,7 +66,7 @@
         <a:sym typeface="Arial"/>
       </a:defRPr>
     </a:lvl1pPr>
-    <a:lvl2pPr lvl="1" marR="0" rtl="0" algn="l">
+    <a:lvl2pPr marR="0" lvl="1" algn="l" rtl="0">
       <a:lnSpc>
         <a:spcPct val="100000"/>
       </a:lnSpc>
@@ -77,7 +77,7 @@
         <a:spcPts val="0"/>
       </a:spcAft>
       <a:buNone/>
-      <a:defRPr b="0" i="0" sz="1400" u="none" cap="none" strike="noStrike">
+      <a:defRPr sz="1400" b="0" i="0" u="none" strike="noStrike" cap="none">
         <a:solidFill>
           <a:srgbClr val="000000"/>
         </a:solidFill>
@@ -87,7 +87,7 @@
         <a:sym typeface="Arial"/>
       </a:defRPr>
     </a:lvl2pPr>
-    <a:lvl3pPr lvl="2" marR="0" rtl="0" algn="l">
+    <a:lvl3pPr marR="0" lvl="2" algn="l" rtl="0">
       <a:lnSpc>
         <a:spcPct val="100000"/>
       </a:lnSpc>
@@ -98,7 +98,7 @@
         <a:spcPts val="0"/>
       </a:spcAft>
       <a:buNone/>
-      <a:defRPr b="0" i="0" sz="1400" u="none" cap="none" strike="noStrike">
+      <a:defRPr sz="1400" b="0" i="0" u="none" strike="noStrike" cap="none">
         <a:solidFill>
           <a:srgbClr val="000000"/>
         </a:solidFill>
@@ -108,7 +108,7 @@
         <a:sym typeface="Arial"/>
       </a:defRPr>
     </a:lvl3pPr>
-    <a:lvl4pPr lvl="3" marR="0" rtl="0" algn="l">
+    <a:lvl4pPr marR="0" lvl="3" algn="l" rtl="0">
       <a:lnSpc>
         <a:spcPct val="100000"/>
       </a:lnSpc>
@@ -119,7 +119,7 @@
         <a:spcPts val="0"/>
       </a:spcAft>
       <a:buNone/>
-      <a:defRPr b="0" i="0" sz="1400" u="none" cap="none" strike="noStrike">
+      <a:defRPr sz="1400" b="0" i="0" u="none" strike="noStrike" cap="none">
         <a:solidFill>
           <a:srgbClr val="000000"/>
         </a:solidFill>
@@ -129,7 +129,7 @@
         <a:sym typeface="Arial"/>
       </a:defRPr>
     </a:lvl4pPr>
-    <a:lvl5pPr lvl="4" marR="0" rtl="0" algn="l">
+    <a:lvl5pPr marR="0" lvl="4" algn="l" rtl="0">
       <a:lnSpc>
         <a:spcPct val="100000"/>
       </a:lnSpc>
@@ -140,7 +140,7 @@
         <a:spcPts val="0"/>
       </a:spcAft>
       <a:buNone/>
-      <a:defRPr b="0" i="0" sz="1400" u="none" cap="none" strike="noStrike">
+      <a:defRPr sz="1400" b="0" i="0" u="none" strike="noStrike" cap="none">
         <a:solidFill>
           <a:srgbClr val="000000"/>
         </a:solidFill>
@@ -150,7 +150,7 @@
         <a:sym typeface="Arial"/>
       </a:defRPr>
     </a:lvl5pPr>
-    <a:lvl6pPr lvl="5" marR="0" rtl="0" algn="l">
+    <a:lvl6pPr marR="0" lvl="5" algn="l" rtl="0">
       <a:lnSpc>
         <a:spcPct val="100000"/>
       </a:lnSpc>
@@ -161,7 +161,7 @@
         <a:spcPts val="0"/>
       </a:spcAft>
       <a:buNone/>
-      <a:defRPr b="0" i="0" sz="1400" u="none" cap="none" strike="noStrike">
+      <a:defRPr sz="1400" b="0" i="0" u="none" strike="noStrike" cap="none">
         <a:solidFill>
           <a:srgbClr val="000000"/>
         </a:solidFill>
@@ -171,7 +171,7 @@
         <a:sym typeface="Arial"/>
       </a:defRPr>
     </a:lvl6pPr>
-    <a:lvl7pPr lvl="6" marR="0" rtl="0" algn="l">
+    <a:lvl7pPr marR="0" lvl="6" algn="l" rtl="0">
       <a:lnSpc>
         <a:spcPct val="100000"/>
       </a:lnSpc>
@@ -182,7 +182,7 @@
         <a:spcPts val="0"/>
       </a:spcAft>
       <a:buNone/>
-      <a:defRPr b="0" i="0" sz="1400" u="none" cap="none" strike="noStrike">
+      <a:defRPr sz="1400" b="0" i="0" u="none" strike="noStrike" cap="none">
         <a:solidFill>
           <a:srgbClr val="000000"/>
         </a:solidFill>
@@ -192,7 +192,7 @@
         <a:sym typeface="Arial"/>
       </a:defRPr>
     </a:lvl7pPr>
-    <a:lvl8pPr lvl="7" marR="0" rtl="0" algn="l">
+    <a:lvl8pPr marR="0" lvl="7" algn="l" rtl="0">
       <a:lnSpc>
         <a:spcPct val="100000"/>
       </a:lnSpc>
@@ -203,7 +203,7 @@
         <a:spcPts val="0"/>
       </a:spcAft>
       <a:buNone/>
-      <a:defRPr b="0" i="0" sz="1400" u="none" cap="none" strike="noStrike">
+      <a:defRPr sz="1400" b="0" i="0" u="none" strike="noStrike" cap="none">
         <a:solidFill>
           <a:srgbClr val="000000"/>
         </a:solidFill>
@@ -213,7 +213,7 @@
         <a:sym typeface="Arial"/>
       </a:defRPr>
     </a:lvl8pPr>
-    <a:lvl9pPr lvl="8" marR="0" rtl="0" algn="l">
+    <a:lvl9pPr marR="0" lvl="8" algn="l" rtl="0">
       <a:lnSpc>
         <a:spcPct val="100000"/>
       </a:lnSpc>
@@ -224,7 +224,7 @@
         <a:spcPts val="0"/>
       </a:spcAft>
       <a:buNone/>
-      <a:defRPr b="0" i="0" sz="1400" u="none" cap="none" strike="noStrike">
+      <a:defRPr sz="1400" b="0" i="0" u="none" strike="noStrike" cap="none">
         <a:solidFill>
           <a:srgbClr val="000000"/>
         </a:solidFill>
@@ -238,12 +238,21 @@
 </p:presentation>
 </file>
 
+<file path=ppt/revisionInfo.xml><?xml version="1.0" encoding="utf-8"?>
+<p1510:revInfo xmlns:a="http://schemas.openxmlformats.org/drawingml/2006/main" xmlns:r="http://schemas.openxmlformats.org/officeDocument/2006/relationships" xmlns:p1510="http://schemas.microsoft.com/office/powerpoint/2015/10/main"/>
+</file>
+
 <file path=ppt/notesMasters/notesMaster1.xml><?xml version="1.0" encoding="utf-8"?>
-<p:notesMaster xmlns:a="http://schemas.openxmlformats.org/drawingml/2006/main" xmlns:r="http://schemas.openxmlformats.org/officeDocument/2006/relationships" xmlns:mc="http://schemas.openxmlformats.org/markup-compatibility/2006" xmlns:mv="urn:schemas-microsoft-com:mac:vml" xmlns:p="http://schemas.openxmlformats.org/presentationml/2006/main" xmlns:c="http://schemas.openxmlformats.org/drawingml/2006/chart" xmlns:dgm="http://schemas.openxmlformats.org/drawingml/2006/diagram" xmlns:o="urn:schemas-microsoft-com:office:office" xmlns:v="urn:schemas-microsoft-com:vml" xmlns:pvml="urn:schemas-microsoft-com:office:powerpoint" xmlns:com="http://schemas.openxmlformats.org/drawingml/2006/compatibility" xmlns:p14="http://schemas.microsoft.com/office/powerpoint/2010/main" xmlns:p15="http://schemas.microsoft.com/office/powerpoint/2012/main">
+<p:notesMaster xmlns:a="http://schemas.openxmlformats.org/drawingml/2006/main" xmlns:r="http://schemas.openxmlformats.org/officeDocument/2006/relationships" xmlns:p="http://schemas.openxmlformats.org/presentationml/2006/main">
   <p:cSld>
+    <p:bg>
+      <p:bgRef idx="1001">
+        <a:schemeClr val="bg1"/>
+      </p:bgRef>
+    </p:bg>
     <p:spTree>
       <p:nvGrpSpPr>
-        <p:cNvPr id="2" name="Shape 2"/>
+        <p:cNvPr id="1" name="Shape 2"/>
         <p:cNvGrpSpPr/>
         <p:nvPr/>
       </p:nvGrpSpPr>
@@ -258,9 +267,11 @@
       <p:sp>
         <p:nvSpPr>
           <p:cNvPr id="3" name="Shape 3"/>
-          <p:cNvSpPr/>
+          <p:cNvSpPr>
+            <a:spLocks noGrp="1" noRot="1" noChangeAspect="1"/>
+          </p:cNvSpPr>
           <p:nvPr>
-            <p:ph idx="2" type="sldImg"/>
+            <p:ph type="sldImg" idx="2"/>
           </p:nvPr>
         </p:nvSpPr>
         <p:spPr>
@@ -269,8 +280,13 @@
             <a:ext cx="6096075" cy="3429000"/>
           </a:xfrm>
           <a:custGeom>
+            <a:avLst/>
+            <a:gdLst/>
+            <a:ahLst/>
+            <a:cxnLst/>
+            <a:rect l="0" t="0" r="0" b="0"/>
             <a:pathLst>
-              <a:path extrusionOk="0" h="120000" w="120000">
+              <a:path w="120000" h="120000" extrusionOk="0">
                 <a:moveTo>
                   <a:pt x="0" y="0"/>
                 </a:moveTo>
@@ -288,23 +304,25 @@
             </a:pathLst>
           </a:custGeom>
           <a:noFill/>
-          <a:ln cap="flat" cmpd="sng" w="9525">
+          <a:ln w="9525" cap="flat" cmpd="sng">
             <a:solidFill>
               <a:srgbClr val="000000"/>
             </a:solidFill>
             <a:prstDash val="solid"/>
             <a:round/>
-            <a:headEnd len="med" w="med" type="none"/>
-            <a:tailEnd len="med" w="med" type="none"/>
+            <a:headEnd type="none" w="med" len="med"/>
+            <a:tailEnd type="none" w="med" len="med"/>
           </a:ln>
         </p:spPr>
       </p:sp>
       <p:sp>
         <p:nvSpPr>
           <p:cNvPr id="4" name="Shape 4"/>
-          <p:cNvSpPr txBox="1"/>
+          <p:cNvSpPr txBox="1">
+            <a:spLocks noGrp="1"/>
+          </p:cNvSpPr>
           <p:nvPr>
-            <p:ph idx="1" type="body"/>
+            <p:ph type="body" idx="1"/>
           </p:nvPr>
         </p:nvSpPr>
         <p:spPr>
@@ -321,7 +339,7 @@
           </a:ln>
         </p:spPr>
         <p:txBody>
-          <a:bodyPr anchorCtr="0" anchor="t" bIns="91425" lIns="91425" rIns="91425" wrap="square" tIns="91425"/>
+          <a:bodyPr wrap="square" lIns="91425" tIns="91425" rIns="91425" bIns="91425" anchor="t" anchorCtr="0"/>
           <a:lstStyle>
             <a:lvl1pPr lvl="0">
               <a:spcBef>
@@ -387,21 +405,115 @@
               <a:defRPr sz="1100"/>
             </a:lvl9pPr>
           </a:lstStyle>
-          <a:p/>
+          <a:p>
+            <a:endParaRPr/>
+          </a:p>
         </p:txBody>
       </p:sp>
     </p:spTree>
   </p:cSld>
-  <p:clrMap accent1="accent1" accent2="accent2" accent3="accent3" accent4="accent4" accent5="accent5" accent6="accent6" bg1="lt1" bg2="dk2" tx1="dk1" tx2="lt2" folHlink="folHlink" hlink="hlink"/>
+  <p:clrMap bg1="lt1" tx1="dk1" bg2="dk2" tx2="lt2" accent1="accent1" accent2="accent2" accent3="accent3" accent4="accent4" accent5="accent5" accent6="accent6" hlink="hlink" folHlink="folHlink"/>
+  <p:notesStyle>
+    <a:lvl1pPr marL="0" algn="l" defTabSz="914400" rtl="0" eaLnBrk="1" latinLnBrk="0" hangingPunct="1">
+      <a:defRPr sz="1200" kern="1200">
+        <a:solidFill>
+          <a:schemeClr val="tx1"/>
+        </a:solidFill>
+        <a:latin typeface="+mn-lt"/>
+        <a:ea typeface="+mn-ea"/>
+        <a:cs typeface="+mn-cs"/>
+      </a:defRPr>
+    </a:lvl1pPr>
+    <a:lvl2pPr marL="457200" algn="l" defTabSz="914400" rtl="0" eaLnBrk="1" latinLnBrk="0" hangingPunct="1">
+      <a:defRPr sz="1200" kern="1200">
+        <a:solidFill>
+          <a:schemeClr val="tx1"/>
+        </a:solidFill>
+        <a:latin typeface="+mn-lt"/>
+        <a:ea typeface="+mn-ea"/>
+        <a:cs typeface="+mn-cs"/>
+      </a:defRPr>
+    </a:lvl2pPr>
+    <a:lvl3pPr marL="914400" algn="l" defTabSz="914400" rtl="0" eaLnBrk="1" latinLnBrk="0" hangingPunct="1">
+      <a:defRPr sz="1200" kern="1200">
+        <a:solidFill>
+          <a:schemeClr val="tx1"/>
+        </a:solidFill>
+        <a:latin typeface="+mn-lt"/>
+        <a:ea typeface="+mn-ea"/>
+        <a:cs typeface="+mn-cs"/>
+      </a:defRPr>
+    </a:lvl3pPr>
+    <a:lvl4pPr marL="1371600" algn="l" defTabSz="914400" rtl="0" eaLnBrk="1" latinLnBrk="0" hangingPunct="1">
+      <a:defRPr sz="1200" kern="1200">
+        <a:solidFill>
+          <a:schemeClr val="tx1"/>
+        </a:solidFill>
+        <a:latin typeface="+mn-lt"/>
+        <a:ea typeface="+mn-ea"/>
+        <a:cs typeface="+mn-cs"/>
+      </a:defRPr>
+    </a:lvl4pPr>
+    <a:lvl5pPr marL="1828800" algn="l" defTabSz="914400" rtl="0" eaLnBrk="1" latinLnBrk="0" hangingPunct="1">
+      <a:defRPr sz="1200" kern="1200">
+        <a:solidFill>
+          <a:schemeClr val="tx1"/>
+        </a:solidFill>
+        <a:latin typeface="+mn-lt"/>
+        <a:ea typeface="+mn-ea"/>
+        <a:cs typeface="+mn-cs"/>
+      </a:defRPr>
+    </a:lvl5pPr>
+    <a:lvl6pPr marL="2286000" algn="l" defTabSz="914400" rtl="0" eaLnBrk="1" latinLnBrk="0" hangingPunct="1">
+      <a:defRPr sz="1200" kern="1200">
+        <a:solidFill>
+          <a:schemeClr val="tx1"/>
+        </a:solidFill>
+        <a:latin typeface="+mn-lt"/>
+        <a:ea typeface="+mn-ea"/>
+        <a:cs typeface="+mn-cs"/>
+      </a:defRPr>
+    </a:lvl6pPr>
+    <a:lvl7pPr marL="2743200" algn="l" defTabSz="914400" rtl="0" eaLnBrk="1" latinLnBrk="0" hangingPunct="1">
+      <a:defRPr sz="1200" kern="1200">
+        <a:solidFill>
+          <a:schemeClr val="tx1"/>
+        </a:solidFill>
+        <a:latin typeface="+mn-lt"/>
+        <a:ea typeface="+mn-ea"/>
+        <a:cs typeface="+mn-cs"/>
+      </a:defRPr>
+    </a:lvl7pPr>
+    <a:lvl8pPr marL="3200400" algn="l" defTabSz="914400" rtl="0" eaLnBrk="1" latinLnBrk="0" hangingPunct="1">
+      <a:defRPr sz="1200" kern="1200">
+        <a:solidFill>
+          <a:schemeClr val="tx1"/>
+        </a:solidFill>
+        <a:latin typeface="+mn-lt"/>
+        <a:ea typeface="+mn-ea"/>
+        <a:cs typeface="+mn-cs"/>
+      </a:defRPr>
+    </a:lvl8pPr>
+    <a:lvl9pPr marL="3657600" algn="l" defTabSz="914400" rtl="0" eaLnBrk="1" latinLnBrk="0" hangingPunct="1">
+      <a:defRPr sz="1200" kern="1200">
+        <a:solidFill>
+          <a:schemeClr val="tx1"/>
+        </a:solidFill>
+        <a:latin typeface="+mn-lt"/>
+        <a:ea typeface="+mn-ea"/>
+        <a:cs typeface="+mn-cs"/>
+      </a:defRPr>
+    </a:lvl9pPr>
+  </p:notesStyle>
 </p:notesMaster>
 </file>
 
 <file path=ppt/notesSlides/notesSlide1.xml><?xml version="1.0" encoding="utf-8"?>
-<p:notes xmlns:a="http://schemas.openxmlformats.org/drawingml/2006/main" xmlns:r="http://schemas.openxmlformats.org/officeDocument/2006/relationships" xmlns:mc="http://schemas.openxmlformats.org/markup-compatibility/2006" xmlns:mv="urn:schemas-microsoft-com:mac:vml" xmlns:p="http://schemas.openxmlformats.org/presentationml/2006/main" xmlns:c="http://schemas.openxmlformats.org/drawingml/2006/chart" xmlns:dgm="http://schemas.openxmlformats.org/drawingml/2006/diagram" xmlns:o="urn:schemas-microsoft-com:office:office" xmlns:v="urn:schemas-microsoft-com:vml" xmlns:pvml="urn:schemas-microsoft-com:office:powerpoint" xmlns:com="http://schemas.openxmlformats.org/drawingml/2006/compatibility" xmlns:p14="http://schemas.microsoft.com/office/powerpoint/2010/main" xmlns:p15="http://schemas.microsoft.com/office/powerpoint/2012/main" showMasterPhAnim="0" showMasterSp="0">
+<p:notes xmlns:a="http://schemas.openxmlformats.org/drawingml/2006/main" xmlns:r="http://schemas.openxmlformats.org/officeDocument/2006/relationships" xmlns:p="http://schemas.openxmlformats.org/presentationml/2006/main" showMasterSp="0" showMasterPhAnim="0">
   <p:cSld>
     <p:spTree>
       <p:nvGrpSpPr>
-        <p:cNvPr id="55" name="Shape 55"/>
+        <p:cNvPr id="1" name="Shape 55"/>
         <p:cNvGrpSpPr/>
         <p:nvPr/>
       </p:nvGrpSpPr>
@@ -416,9 +528,11 @@
       <p:sp>
         <p:nvSpPr>
           <p:cNvPr id="56" name="Shape 56"/>
-          <p:cNvSpPr/>
+          <p:cNvSpPr>
+            <a:spLocks noGrp="1" noRot="1" noChangeAspect="1"/>
+          </p:cNvSpPr>
           <p:nvPr>
-            <p:ph idx="2" type="sldImg"/>
+            <p:ph type="sldImg" idx="2"/>
           </p:nvPr>
         </p:nvSpPr>
         <p:spPr>
@@ -427,8 +541,13 @@
             <a:ext cx="6096300" cy="3429000"/>
           </a:xfrm>
           <a:custGeom>
+            <a:avLst/>
+            <a:gdLst/>
+            <a:ahLst/>
+            <a:cxnLst/>
+            <a:rect l="0" t="0" r="0" b="0"/>
             <a:pathLst>
-              <a:path extrusionOk="0" h="120000" w="120000">
+              <a:path w="120000" h="120000" extrusionOk="0">
                 <a:moveTo>
                   <a:pt x="0" y="0"/>
                 </a:moveTo>
@@ -450,9 +569,11 @@
       <p:sp>
         <p:nvSpPr>
           <p:cNvPr id="57" name="Shape 57"/>
-          <p:cNvSpPr txBox="1"/>
+          <p:cNvSpPr txBox="1">
+            <a:spLocks noGrp="1"/>
+          </p:cNvSpPr>
           <p:nvPr>
-            <p:ph idx="1" type="body"/>
+            <p:ph type="body" idx="1"/>
           </p:nvPr>
         </p:nvSpPr>
         <p:spPr>
@@ -465,7 +586,7 @@
           </a:prstGeom>
         </p:spPr>
         <p:txBody>
-          <a:bodyPr anchorCtr="0" anchor="t" bIns="91425" lIns="91425" rIns="91425" wrap="square" tIns="91425">
+          <a:bodyPr wrap="square" lIns="91425" tIns="91425" rIns="91425" bIns="91425" anchor="t" anchorCtr="0">
             <a:noAutofit/>
           </a:bodyPr>
           <a:lstStyle/>
@@ -476,9 +597,6 @@
               </a:spcBef>
               <a:buNone/>
             </a:pPr>
-            <a:r>
-              <a:t/>
-            </a:r>
             <a:endParaRPr/>
           </a:p>
         </p:txBody>
@@ -492,11 +610,11 @@
 </file>
 
 <file path=ppt/notesSlides/notesSlide10.xml><?xml version="1.0" encoding="utf-8"?>
-<p:notes xmlns:a="http://schemas.openxmlformats.org/drawingml/2006/main" xmlns:r="http://schemas.openxmlformats.org/officeDocument/2006/relationships" xmlns:mc="http://schemas.openxmlformats.org/markup-compatibility/2006" xmlns:mv="urn:schemas-microsoft-com:mac:vml" xmlns:p="http://schemas.openxmlformats.org/presentationml/2006/main" xmlns:c="http://schemas.openxmlformats.org/drawingml/2006/chart" xmlns:dgm="http://schemas.openxmlformats.org/drawingml/2006/diagram" xmlns:o="urn:schemas-microsoft-com:office:office" xmlns:v="urn:schemas-microsoft-com:vml" xmlns:pvml="urn:schemas-microsoft-com:office:powerpoint" xmlns:com="http://schemas.openxmlformats.org/drawingml/2006/compatibility" xmlns:p14="http://schemas.microsoft.com/office/powerpoint/2010/main" xmlns:p15="http://schemas.microsoft.com/office/powerpoint/2012/main" showMasterPhAnim="0" showMasterSp="0">
+<p:notes xmlns:a="http://schemas.openxmlformats.org/drawingml/2006/main" xmlns:r="http://schemas.openxmlformats.org/officeDocument/2006/relationships" xmlns:p="http://schemas.openxmlformats.org/presentationml/2006/main" showMasterSp="0" showMasterPhAnim="0">
   <p:cSld>
     <p:spTree>
       <p:nvGrpSpPr>
-        <p:cNvPr id="106" name="Shape 106"/>
+        <p:cNvPr id="1" name="Shape 106"/>
         <p:cNvGrpSpPr/>
         <p:nvPr/>
       </p:nvGrpSpPr>
@@ -511,9 +629,11 @@
       <p:sp>
         <p:nvSpPr>
           <p:cNvPr id="107" name="Shape 107"/>
-          <p:cNvSpPr/>
+          <p:cNvSpPr>
+            <a:spLocks noGrp="1" noRot="1" noChangeAspect="1"/>
+          </p:cNvSpPr>
           <p:nvPr>
-            <p:ph idx="2" type="sldImg"/>
+            <p:ph type="sldImg" idx="2"/>
           </p:nvPr>
         </p:nvSpPr>
         <p:spPr>
@@ -522,8 +642,13 @@
             <a:ext cx="6096000" cy="3429000"/>
           </a:xfrm>
           <a:custGeom>
+            <a:avLst/>
+            <a:gdLst/>
+            <a:ahLst/>
+            <a:cxnLst/>
+            <a:rect l="0" t="0" r="0" b="0"/>
             <a:pathLst>
-              <a:path extrusionOk="0" h="120000" w="120000">
+              <a:path w="120000" h="120000" extrusionOk="0">
                 <a:moveTo>
                   <a:pt x="0" y="0"/>
                 </a:moveTo>
@@ -545,9 +670,11 @@
       <p:sp>
         <p:nvSpPr>
           <p:cNvPr id="108" name="Shape 108"/>
-          <p:cNvSpPr txBox="1"/>
+          <p:cNvSpPr txBox="1">
+            <a:spLocks noGrp="1"/>
+          </p:cNvSpPr>
           <p:nvPr>
-            <p:ph idx="1" type="body"/>
+            <p:ph type="body" idx="1"/>
           </p:nvPr>
         </p:nvSpPr>
         <p:spPr>
@@ -560,7 +687,7 @@
           </a:prstGeom>
         </p:spPr>
         <p:txBody>
-          <a:bodyPr anchorCtr="0" anchor="t" bIns="91425" lIns="91425" rIns="91425" wrap="square" tIns="91425">
+          <a:bodyPr wrap="square" lIns="91425" tIns="91425" rIns="91425" bIns="91425" anchor="t" anchorCtr="0">
             <a:noAutofit/>
           </a:bodyPr>
           <a:lstStyle/>
@@ -571,9 +698,6 @@
               </a:spcBef>
               <a:buNone/>
             </a:pPr>
-            <a:r>
-              <a:t/>
-            </a:r>
             <a:endParaRPr/>
           </a:p>
         </p:txBody>
@@ -587,11 +711,11 @@
 </file>
 
 <file path=ppt/notesSlides/notesSlide11.xml><?xml version="1.0" encoding="utf-8"?>
-<p:notes xmlns:a="http://schemas.openxmlformats.org/drawingml/2006/main" xmlns:r="http://schemas.openxmlformats.org/officeDocument/2006/relationships" xmlns:mc="http://schemas.openxmlformats.org/markup-compatibility/2006" xmlns:mv="urn:schemas-microsoft-com:mac:vml" xmlns:p="http://schemas.openxmlformats.org/presentationml/2006/main" xmlns:c="http://schemas.openxmlformats.org/drawingml/2006/chart" xmlns:dgm="http://schemas.openxmlformats.org/drawingml/2006/diagram" xmlns:o="urn:schemas-microsoft-com:office:office" xmlns:v="urn:schemas-microsoft-com:vml" xmlns:pvml="urn:schemas-microsoft-com:office:powerpoint" xmlns:com="http://schemas.openxmlformats.org/drawingml/2006/compatibility" xmlns:p14="http://schemas.microsoft.com/office/powerpoint/2010/main" xmlns:p15="http://schemas.microsoft.com/office/powerpoint/2012/main" showMasterPhAnim="0" showMasterSp="0">
+<p:notes xmlns:a="http://schemas.openxmlformats.org/drawingml/2006/main" xmlns:r="http://schemas.openxmlformats.org/officeDocument/2006/relationships" xmlns:p="http://schemas.openxmlformats.org/presentationml/2006/main" showMasterSp="0" showMasterPhAnim="0">
   <p:cSld>
     <p:spTree>
       <p:nvGrpSpPr>
-        <p:cNvPr id="111" name="Shape 111"/>
+        <p:cNvPr id="1" name="Shape 111"/>
         <p:cNvGrpSpPr/>
         <p:nvPr/>
       </p:nvGrpSpPr>
@@ -606,9 +730,11 @@
       <p:sp>
         <p:nvSpPr>
           <p:cNvPr id="112" name="Shape 112"/>
-          <p:cNvSpPr/>
+          <p:cNvSpPr>
+            <a:spLocks noGrp="1" noRot="1" noChangeAspect="1"/>
+          </p:cNvSpPr>
           <p:nvPr>
-            <p:ph idx="2" type="sldImg"/>
+            <p:ph type="sldImg" idx="2"/>
           </p:nvPr>
         </p:nvSpPr>
         <p:spPr>
@@ -617,8 +743,13 @@
             <a:ext cx="6096000" cy="3429000"/>
           </a:xfrm>
           <a:custGeom>
+            <a:avLst/>
+            <a:gdLst/>
+            <a:ahLst/>
+            <a:cxnLst/>
+            <a:rect l="0" t="0" r="0" b="0"/>
             <a:pathLst>
-              <a:path extrusionOk="0" h="120000" w="120000">
+              <a:path w="120000" h="120000" extrusionOk="0">
                 <a:moveTo>
                   <a:pt x="0" y="0"/>
                 </a:moveTo>
@@ -640,9 +771,11 @@
       <p:sp>
         <p:nvSpPr>
           <p:cNvPr id="113" name="Shape 113"/>
-          <p:cNvSpPr txBox="1"/>
+          <p:cNvSpPr txBox="1">
+            <a:spLocks noGrp="1"/>
+          </p:cNvSpPr>
           <p:nvPr>
-            <p:ph idx="1" type="body"/>
+            <p:ph type="body" idx="1"/>
           </p:nvPr>
         </p:nvSpPr>
         <p:spPr>
@@ -655,7 +788,7 @@
           </a:prstGeom>
         </p:spPr>
         <p:txBody>
-          <a:bodyPr anchorCtr="0" anchor="t" bIns="91425" lIns="91425" rIns="91425" wrap="square" tIns="91425">
+          <a:bodyPr wrap="square" lIns="91425" tIns="91425" rIns="91425" bIns="91425" anchor="t" anchorCtr="0">
             <a:noAutofit/>
           </a:bodyPr>
           <a:lstStyle/>
@@ -666,9 +799,6 @@
               </a:spcBef>
               <a:buNone/>
             </a:pPr>
-            <a:r>
-              <a:t/>
-            </a:r>
             <a:endParaRPr/>
           </a:p>
         </p:txBody>
@@ -682,11 +812,11 @@
 </file>
 
 <file path=ppt/notesSlides/notesSlide2.xml><?xml version="1.0" encoding="utf-8"?>
-<p:notes xmlns:a="http://schemas.openxmlformats.org/drawingml/2006/main" xmlns:r="http://schemas.openxmlformats.org/officeDocument/2006/relationships" xmlns:mc="http://schemas.openxmlformats.org/markup-compatibility/2006" xmlns:mv="urn:schemas-microsoft-com:mac:vml" xmlns:p="http://schemas.openxmlformats.org/presentationml/2006/main" xmlns:c="http://schemas.openxmlformats.org/drawingml/2006/chart" xmlns:dgm="http://schemas.openxmlformats.org/drawingml/2006/diagram" xmlns:o="urn:schemas-microsoft-com:office:office" xmlns:v="urn:schemas-microsoft-com:vml" xmlns:pvml="urn:schemas-microsoft-com:office:powerpoint" xmlns:com="http://schemas.openxmlformats.org/drawingml/2006/compatibility" xmlns:p14="http://schemas.microsoft.com/office/powerpoint/2010/main" xmlns:p15="http://schemas.microsoft.com/office/powerpoint/2012/main" showMasterPhAnim="0" showMasterSp="0">
+<p:notes xmlns:a="http://schemas.openxmlformats.org/drawingml/2006/main" xmlns:r="http://schemas.openxmlformats.org/officeDocument/2006/relationships" xmlns:p="http://schemas.openxmlformats.org/presentationml/2006/main" showMasterSp="0" showMasterPhAnim="0">
   <p:cSld>
     <p:spTree>
       <p:nvGrpSpPr>
-        <p:cNvPr id="61" name="Shape 61"/>
+        <p:cNvPr id="1" name="Shape 61"/>
         <p:cNvGrpSpPr/>
         <p:nvPr/>
       </p:nvGrpSpPr>
@@ -701,9 +831,11 @@
       <p:sp>
         <p:nvSpPr>
           <p:cNvPr id="62" name="Shape 62"/>
-          <p:cNvSpPr/>
+          <p:cNvSpPr>
+            <a:spLocks noGrp="1" noRot="1" noChangeAspect="1"/>
+          </p:cNvSpPr>
           <p:nvPr>
-            <p:ph idx="2" type="sldImg"/>
+            <p:ph type="sldImg" idx="2"/>
           </p:nvPr>
         </p:nvSpPr>
         <p:spPr>
@@ -712,8 +844,13 @@
             <a:ext cx="6096300" cy="3429000"/>
           </a:xfrm>
           <a:custGeom>
+            <a:avLst/>
+            <a:gdLst/>
+            <a:ahLst/>
+            <a:cxnLst/>
+            <a:rect l="0" t="0" r="0" b="0"/>
             <a:pathLst>
-              <a:path extrusionOk="0" h="120000" w="120000">
+              <a:path w="120000" h="120000" extrusionOk="0">
                 <a:moveTo>
                   <a:pt x="0" y="0"/>
                 </a:moveTo>
@@ -735,9 +872,11 @@
       <p:sp>
         <p:nvSpPr>
           <p:cNvPr id="63" name="Shape 63"/>
-          <p:cNvSpPr txBox="1"/>
+          <p:cNvSpPr txBox="1">
+            <a:spLocks noGrp="1"/>
+          </p:cNvSpPr>
           <p:nvPr>
-            <p:ph idx="1" type="body"/>
+            <p:ph type="body" idx="1"/>
           </p:nvPr>
         </p:nvSpPr>
         <p:spPr>
@@ -750,7 +889,7 @@
           </a:prstGeom>
         </p:spPr>
         <p:txBody>
-          <a:bodyPr anchorCtr="0" anchor="t" bIns="91425" lIns="91425" rIns="91425" wrap="square" tIns="91425">
+          <a:bodyPr wrap="square" lIns="91425" tIns="91425" rIns="91425" bIns="91425" anchor="t" anchorCtr="0">
             <a:noAutofit/>
           </a:bodyPr>
           <a:lstStyle/>
@@ -761,9 +900,6 @@
               </a:spcBef>
               <a:buNone/>
             </a:pPr>
-            <a:r>
-              <a:t/>
-            </a:r>
             <a:endParaRPr/>
           </a:p>
         </p:txBody>
@@ -777,11 +913,11 @@
 </file>
 
 <file path=ppt/notesSlides/notesSlide3.xml><?xml version="1.0" encoding="utf-8"?>
-<p:notes xmlns:a="http://schemas.openxmlformats.org/drawingml/2006/main" xmlns:r="http://schemas.openxmlformats.org/officeDocument/2006/relationships" xmlns:mc="http://schemas.openxmlformats.org/markup-compatibility/2006" xmlns:mv="urn:schemas-microsoft-com:mac:vml" xmlns:p="http://schemas.openxmlformats.org/presentationml/2006/main" xmlns:c="http://schemas.openxmlformats.org/drawingml/2006/chart" xmlns:dgm="http://schemas.openxmlformats.org/drawingml/2006/diagram" xmlns:o="urn:schemas-microsoft-com:office:office" xmlns:v="urn:schemas-microsoft-com:vml" xmlns:pvml="urn:schemas-microsoft-com:office:powerpoint" xmlns:com="http://schemas.openxmlformats.org/drawingml/2006/compatibility" xmlns:p14="http://schemas.microsoft.com/office/powerpoint/2010/main" xmlns:p15="http://schemas.microsoft.com/office/powerpoint/2012/main" showMasterPhAnim="0" showMasterSp="0">
+<p:notes xmlns:a="http://schemas.openxmlformats.org/drawingml/2006/main" xmlns:r="http://schemas.openxmlformats.org/officeDocument/2006/relationships" xmlns:p="http://schemas.openxmlformats.org/presentationml/2006/main" showMasterSp="0" showMasterPhAnim="0">
   <p:cSld>
     <p:spTree>
       <p:nvGrpSpPr>
-        <p:cNvPr id="67" name="Shape 67"/>
+        <p:cNvPr id="1" name="Shape 67"/>
         <p:cNvGrpSpPr/>
         <p:nvPr/>
       </p:nvGrpSpPr>
@@ -796,9 +932,11 @@
       <p:sp>
         <p:nvSpPr>
           <p:cNvPr id="68" name="Shape 68"/>
-          <p:cNvSpPr/>
+          <p:cNvSpPr>
+            <a:spLocks noGrp="1" noRot="1" noChangeAspect="1"/>
+          </p:cNvSpPr>
           <p:nvPr>
-            <p:ph idx="2" type="sldImg"/>
+            <p:ph type="sldImg" idx="2"/>
           </p:nvPr>
         </p:nvSpPr>
         <p:spPr>
@@ -807,8 +945,13 @@
             <a:ext cx="6096300" cy="3429000"/>
           </a:xfrm>
           <a:custGeom>
+            <a:avLst/>
+            <a:gdLst/>
+            <a:ahLst/>
+            <a:cxnLst/>
+            <a:rect l="0" t="0" r="0" b="0"/>
             <a:pathLst>
-              <a:path extrusionOk="0" h="120000" w="120000">
+              <a:path w="120000" h="120000" extrusionOk="0">
                 <a:moveTo>
                   <a:pt x="0" y="0"/>
                 </a:moveTo>
@@ -830,9 +973,11 @@
       <p:sp>
         <p:nvSpPr>
           <p:cNvPr id="69" name="Shape 69"/>
-          <p:cNvSpPr txBox="1"/>
+          <p:cNvSpPr txBox="1">
+            <a:spLocks noGrp="1"/>
+          </p:cNvSpPr>
           <p:nvPr>
-            <p:ph idx="1" type="body"/>
+            <p:ph type="body" idx="1"/>
           </p:nvPr>
         </p:nvSpPr>
         <p:spPr>
@@ -845,7 +990,7 @@
           </a:prstGeom>
         </p:spPr>
         <p:txBody>
-          <a:bodyPr anchorCtr="0" anchor="t" bIns="91425" lIns="91425" rIns="91425" wrap="square" tIns="91425">
+          <a:bodyPr wrap="square" lIns="91425" tIns="91425" rIns="91425" bIns="91425" anchor="t" anchorCtr="0">
             <a:noAutofit/>
           </a:bodyPr>
           <a:lstStyle/>
@@ -856,9 +1001,6 @@
               </a:spcBef>
               <a:buNone/>
             </a:pPr>
-            <a:r>
-              <a:t/>
-            </a:r>
             <a:endParaRPr/>
           </a:p>
         </p:txBody>
@@ -872,11 +1014,11 @@
 </file>
 
 <file path=ppt/notesSlides/notesSlide4.xml><?xml version="1.0" encoding="utf-8"?>
-<p:notes xmlns:a="http://schemas.openxmlformats.org/drawingml/2006/main" xmlns:r="http://schemas.openxmlformats.org/officeDocument/2006/relationships" xmlns:mc="http://schemas.openxmlformats.org/markup-compatibility/2006" xmlns:mv="urn:schemas-microsoft-com:mac:vml" xmlns:p="http://schemas.openxmlformats.org/presentationml/2006/main" xmlns:c="http://schemas.openxmlformats.org/drawingml/2006/chart" xmlns:dgm="http://schemas.openxmlformats.org/drawingml/2006/diagram" xmlns:o="urn:schemas-microsoft-com:office:office" xmlns:v="urn:schemas-microsoft-com:vml" xmlns:pvml="urn:schemas-microsoft-com:office:powerpoint" xmlns:com="http://schemas.openxmlformats.org/drawingml/2006/compatibility" xmlns:p14="http://schemas.microsoft.com/office/powerpoint/2010/main" xmlns:p15="http://schemas.microsoft.com/office/powerpoint/2012/main" showMasterPhAnim="0" showMasterSp="0">
+<p:notes xmlns:a="http://schemas.openxmlformats.org/drawingml/2006/main" xmlns:r="http://schemas.openxmlformats.org/officeDocument/2006/relationships" xmlns:p="http://schemas.openxmlformats.org/presentationml/2006/main" showMasterSp="0" showMasterPhAnim="0">
   <p:cSld>
     <p:spTree>
       <p:nvGrpSpPr>
-        <p:cNvPr id="72" name="Shape 72"/>
+        <p:cNvPr id="1" name="Shape 72"/>
         <p:cNvGrpSpPr/>
         <p:nvPr/>
       </p:nvGrpSpPr>
@@ -891,9 +1033,11 @@
       <p:sp>
         <p:nvSpPr>
           <p:cNvPr id="73" name="Shape 73"/>
-          <p:cNvSpPr/>
+          <p:cNvSpPr>
+            <a:spLocks noGrp="1" noRot="1" noChangeAspect="1"/>
+          </p:cNvSpPr>
           <p:nvPr>
-            <p:ph idx="2" type="sldImg"/>
+            <p:ph type="sldImg" idx="2"/>
           </p:nvPr>
         </p:nvSpPr>
         <p:spPr>
@@ -902,8 +1046,13 @@
             <a:ext cx="6096000" cy="3429000"/>
           </a:xfrm>
           <a:custGeom>
+            <a:avLst/>
+            <a:gdLst/>
+            <a:ahLst/>
+            <a:cxnLst/>
+            <a:rect l="0" t="0" r="0" b="0"/>
             <a:pathLst>
-              <a:path extrusionOk="0" h="120000" w="120000">
+              <a:path w="120000" h="120000" extrusionOk="0">
                 <a:moveTo>
                   <a:pt x="0" y="0"/>
                 </a:moveTo>
@@ -925,9 +1074,11 @@
       <p:sp>
         <p:nvSpPr>
           <p:cNvPr id="74" name="Shape 74"/>
-          <p:cNvSpPr txBox="1"/>
+          <p:cNvSpPr txBox="1">
+            <a:spLocks noGrp="1"/>
+          </p:cNvSpPr>
           <p:nvPr>
-            <p:ph idx="1" type="body"/>
+            <p:ph type="body" idx="1"/>
           </p:nvPr>
         </p:nvSpPr>
         <p:spPr>
@@ -940,7 +1091,7 @@
           </a:prstGeom>
         </p:spPr>
         <p:txBody>
-          <a:bodyPr anchorCtr="0" anchor="t" bIns="91425" lIns="91425" rIns="91425" wrap="square" tIns="91425">
+          <a:bodyPr wrap="square" lIns="91425" tIns="91425" rIns="91425" bIns="91425" anchor="t" anchorCtr="0">
             <a:noAutofit/>
           </a:bodyPr>
           <a:lstStyle/>
@@ -951,9 +1102,6 @@
               </a:spcBef>
               <a:buNone/>
             </a:pPr>
-            <a:r>
-              <a:t/>
-            </a:r>
             <a:endParaRPr/>
           </a:p>
         </p:txBody>
@@ -967,11 +1115,11 @@
 </file>
 
 <file path=ppt/notesSlides/notesSlide5.xml><?xml version="1.0" encoding="utf-8"?>
-<p:notes xmlns:a="http://schemas.openxmlformats.org/drawingml/2006/main" xmlns:r="http://schemas.openxmlformats.org/officeDocument/2006/relationships" xmlns:mc="http://schemas.openxmlformats.org/markup-compatibility/2006" xmlns:mv="urn:schemas-microsoft-com:mac:vml" xmlns:p="http://schemas.openxmlformats.org/presentationml/2006/main" xmlns:c="http://schemas.openxmlformats.org/drawingml/2006/chart" xmlns:dgm="http://schemas.openxmlformats.org/drawingml/2006/diagram" xmlns:o="urn:schemas-microsoft-com:office:office" xmlns:v="urn:schemas-microsoft-com:vml" xmlns:pvml="urn:schemas-microsoft-com:office:powerpoint" xmlns:com="http://schemas.openxmlformats.org/drawingml/2006/compatibility" xmlns:p14="http://schemas.microsoft.com/office/powerpoint/2010/main" xmlns:p15="http://schemas.microsoft.com/office/powerpoint/2012/main" showMasterPhAnim="0" showMasterSp="0">
+<p:notes xmlns:a="http://schemas.openxmlformats.org/drawingml/2006/main" xmlns:r="http://schemas.openxmlformats.org/officeDocument/2006/relationships" xmlns:p="http://schemas.openxmlformats.org/presentationml/2006/main" showMasterSp="0" showMasterPhAnim="0">
   <p:cSld>
     <p:spTree>
       <p:nvGrpSpPr>
-        <p:cNvPr id="78" name="Shape 78"/>
+        <p:cNvPr id="1" name="Shape 78"/>
         <p:cNvGrpSpPr/>
         <p:nvPr/>
       </p:nvGrpSpPr>
@@ -986,9 +1134,11 @@
       <p:sp>
         <p:nvSpPr>
           <p:cNvPr id="79" name="Shape 79"/>
-          <p:cNvSpPr/>
+          <p:cNvSpPr>
+            <a:spLocks noGrp="1" noRot="1" noChangeAspect="1"/>
+          </p:cNvSpPr>
           <p:nvPr>
-            <p:ph idx="2" type="sldImg"/>
+            <p:ph type="sldImg" idx="2"/>
           </p:nvPr>
         </p:nvSpPr>
         <p:spPr>
@@ -997,8 +1147,13 @@
             <a:ext cx="6096000" cy="3429000"/>
           </a:xfrm>
           <a:custGeom>
+            <a:avLst/>
+            <a:gdLst/>
+            <a:ahLst/>
+            <a:cxnLst/>
+            <a:rect l="0" t="0" r="0" b="0"/>
             <a:pathLst>
-              <a:path extrusionOk="0" h="120000" w="120000">
+              <a:path w="120000" h="120000" extrusionOk="0">
                 <a:moveTo>
                   <a:pt x="0" y="0"/>
                 </a:moveTo>
@@ -1020,9 +1175,11 @@
       <p:sp>
         <p:nvSpPr>
           <p:cNvPr id="80" name="Shape 80"/>
-          <p:cNvSpPr txBox="1"/>
+          <p:cNvSpPr txBox="1">
+            <a:spLocks noGrp="1"/>
+          </p:cNvSpPr>
           <p:nvPr>
-            <p:ph idx="1" type="body"/>
+            <p:ph type="body" idx="1"/>
           </p:nvPr>
         </p:nvSpPr>
         <p:spPr>
@@ -1035,7 +1192,7 @@
           </a:prstGeom>
         </p:spPr>
         <p:txBody>
-          <a:bodyPr anchorCtr="0" anchor="t" bIns="91425" lIns="91425" rIns="91425" wrap="square" tIns="91425">
+          <a:bodyPr wrap="square" lIns="91425" tIns="91425" rIns="91425" bIns="91425" anchor="t" anchorCtr="0">
             <a:noAutofit/>
           </a:bodyPr>
           <a:lstStyle/>
@@ -1046,9 +1203,6 @@
               </a:spcBef>
               <a:buNone/>
             </a:pPr>
-            <a:r>
-              <a:t/>
-            </a:r>
             <a:endParaRPr/>
           </a:p>
         </p:txBody>
@@ -1062,11 +1216,11 @@
 </file>
 
 <file path=ppt/notesSlides/notesSlide6.xml><?xml version="1.0" encoding="utf-8"?>
-<p:notes xmlns:a="http://schemas.openxmlformats.org/drawingml/2006/main" xmlns:r="http://schemas.openxmlformats.org/officeDocument/2006/relationships" xmlns:mc="http://schemas.openxmlformats.org/markup-compatibility/2006" xmlns:mv="urn:schemas-microsoft-com:mac:vml" xmlns:p="http://schemas.openxmlformats.org/presentationml/2006/main" xmlns:c="http://schemas.openxmlformats.org/drawingml/2006/chart" xmlns:dgm="http://schemas.openxmlformats.org/drawingml/2006/diagram" xmlns:o="urn:schemas-microsoft-com:office:office" xmlns:v="urn:schemas-microsoft-com:vml" xmlns:pvml="urn:schemas-microsoft-com:office:powerpoint" xmlns:com="http://schemas.openxmlformats.org/drawingml/2006/compatibility" xmlns:p14="http://schemas.microsoft.com/office/powerpoint/2010/main" xmlns:p15="http://schemas.microsoft.com/office/powerpoint/2012/main" showMasterPhAnim="0" showMasterSp="0">
+<p:notes xmlns:a="http://schemas.openxmlformats.org/drawingml/2006/main" xmlns:r="http://schemas.openxmlformats.org/officeDocument/2006/relationships" xmlns:p="http://schemas.openxmlformats.org/presentationml/2006/main" showMasterSp="0" showMasterPhAnim="0">
   <p:cSld>
     <p:spTree>
       <p:nvGrpSpPr>
-        <p:cNvPr id="84" name="Shape 84"/>
+        <p:cNvPr id="1" name="Shape 84"/>
         <p:cNvGrpSpPr/>
         <p:nvPr/>
       </p:nvGrpSpPr>
@@ -1081,9 +1235,11 @@
       <p:sp>
         <p:nvSpPr>
           <p:cNvPr id="85" name="Shape 85"/>
-          <p:cNvSpPr/>
+          <p:cNvSpPr>
+            <a:spLocks noGrp="1" noRot="1" noChangeAspect="1"/>
+          </p:cNvSpPr>
           <p:nvPr>
-            <p:ph idx="2" type="sldImg"/>
+            <p:ph type="sldImg" idx="2"/>
           </p:nvPr>
         </p:nvSpPr>
         <p:spPr>
@@ -1092,8 +1248,13 @@
             <a:ext cx="6096000" cy="3429000"/>
           </a:xfrm>
           <a:custGeom>
+            <a:avLst/>
+            <a:gdLst/>
+            <a:ahLst/>
+            <a:cxnLst/>
+            <a:rect l="0" t="0" r="0" b="0"/>
             <a:pathLst>
-              <a:path extrusionOk="0" h="120000" w="120000">
+              <a:path w="120000" h="120000" extrusionOk="0">
                 <a:moveTo>
                   <a:pt x="0" y="0"/>
                 </a:moveTo>
@@ -1115,9 +1276,11 @@
       <p:sp>
         <p:nvSpPr>
           <p:cNvPr id="86" name="Shape 86"/>
-          <p:cNvSpPr txBox="1"/>
+          <p:cNvSpPr txBox="1">
+            <a:spLocks noGrp="1"/>
+          </p:cNvSpPr>
           <p:nvPr>
-            <p:ph idx="1" type="body"/>
+            <p:ph type="body" idx="1"/>
           </p:nvPr>
         </p:nvSpPr>
         <p:spPr>
@@ -1130,7 +1293,7 @@
           </a:prstGeom>
         </p:spPr>
         <p:txBody>
-          <a:bodyPr anchorCtr="0" anchor="t" bIns="91425" lIns="91425" rIns="91425" wrap="square" tIns="91425">
+          <a:bodyPr wrap="square" lIns="91425" tIns="91425" rIns="91425" bIns="91425" anchor="t" anchorCtr="0">
             <a:noAutofit/>
           </a:bodyPr>
           <a:lstStyle/>
@@ -1141,9 +1304,6 @@
               </a:spcBef>
               <a:buNone/>
             </a:pPr>
-            <a:r>
-              <a:t/>
-            </a:r>
             <a:endParaRPr/>
           </a:p>
         </p:txBody>
@@ -1157,11 +1317,11 @@
 </file>
 
 <file path=ppt/notesSlides/notesSlide7.xml><?xml version="1.0" encoding="utf-8"?>
-<p:notes xmlns:a="http://schemas.openxmlformats.org/drawingml/2006/main" xmlns:r="http://schemas.openxmlformats.org/officeDocument/2006/relationships" xmlns:mc="http://schemas.openxmlformats.org/markup-compatibility/2006" xmlns:mv="urn:schemas-microsoft-com:mac:vml" xmlns:p="http://schemas.openxmlformats.org/presentationml/2006/main" xmlns:c="http://schemas.openxmlformats.org/drawingml/2006/chart" xmlns:dgm="http://schemas.openxmlformats.org/drawingml/2006/diagram" xmlns:o="urn:schemas-microsoft-com:office:office" xmlns:v="urn:schemas-microsoft-com:vml" xmlns:pvml="urn:schemas-microsoft-com:office:powerpoint" xmlns:com="http://schemas.openxmlformats.org/drawingml/2006/compatibility" xmlns:p14="http://schemas.microsoft.com/office/powerpoint/2010/main" xmlns:p15="http://schemas.microsoft.com/office/powerpoint/2012/main" showMasterPhAnim="0" showMasterSp="0">
+<p:notes xmlns:a="http://schemas.openxmlformats.org/drawingml/2006/main" xmlns:r="http://schemas.openxmlformats.org/officeDocument/2006/relationships" xmlns:p="http://schemas.openxmlformats.org/presentationml/2006/main" showMasterSp="0" showMasterPhAnim="0">
   <p:cSld>
     <p:spTree>
       <p:nvGrpSpPr>
-        <p:cNvPr id="90" name="Shape 90"/>
+        <p:cNvPr id="1" name="Shape 90"/>
         <p:cNvGrpSpPr/>
         <p:nvPr/>
       </p:nvGrpSpPr>
@@ -1176,9 +1336,11 @@
       <p:sp>
         <p:nvSpPr>
           <p:cNvPr id="91" name="Shape 91"/>
-          <p:cNvSpPr/>
+          <p:cNvSpPr>
+            <a:spLocks noGrp="1" noRot="1" noChangeAspect="1"/>
+          </p:cNvSpPr>
           <p:nvPr>
-            <p:ph idx="2" type="sldImg"/>
+            <p:ph type="sldImg" idx="2"/>
           </p:nvPr>
         </p:nvSpPr>
         <p:spPr>
@@ -1187,8 +1349,13 @@
             <a:ext cx="6096000" cy="3429000"/>
           </a:xfrm>
           <a:custGeom>
+            <a:avLst/>
+            <a:gdLst/>
+            <a:ahLst/>
+            <a:cxnLst/>
+            <a:rect l="0" t="0" r="0" b="0"/>
             <a:pathLst>
-              <a:path extrusionOk="0" h="120000" w="120000">
+              <a:path w="120000" h="120000" extrusionOk="0">
                 <a:moveTo>
                   <a:pt x="0" y="0"/>
                 </a:moveTo>
@@ -1210,9 +1377,11 @@
       <p:sp>
         <p:nvSpPr>
           <p:cNvPr id="92" name="Shape 92"/>
-          <p:cNvSpPr txBox="1"/>
+          <p:cNvSpPr txBox="1">
+            <a:spLocks noGrp="1"/>
+          </p:cNvSpPr>
           <p:nvPr>
-            <p:ph idx="1" type="body"/>
+            <p:ph type="body" idx="1"/>
           </p:nvPr>
         </p:nvSpPr>
         <p:spPr>
@@ -1225,7 +1394,7 @@
           </a:prstGeom>
         </p:spPr>
         <p:txBody>
-          <a:bodyPr anchorCtr="0" anchor="t" bIns="91425" lIns="91425" rIns="91425" wrap="square" tIns="91425">
+          <a:bodyPr wrap="square" lIns="91425" tIns="91425" rIns="91425" bIns="91425" anchor="t" anchorCtr="0">
             <a:noAutofit/>
           </a:bodyPr>
           <a:lstStyle/>
@@ -1236,9 +1405,6 @@
               </a:spcBef>
               <a:buNone/>
             </a:pPr>
-            <a:r>
-              <a:t/>
-            </a:r>
             <a:endParaRPr/>
           </a:p>
         </p:txBody>
@@ -1252,11 +1418,11 @@
 </file>
 
 <file path=ppt/notesSlides/notesSlide8.xml><?xml version="1.0" encoding="utf-8"?>
-<p:notes xmlns:a="http://schemas.openxmlformats.org/drawingml/2006/main" xmlns:r="http://schemas.openxmlformats.org/officeDocument/2006/relationships" xmlns:mc="http://schemas.openxmlformats.org/markup-compatibility/2006" xmlns:mv="urn:schemas-microsoft-com:mac:vml" xmlns:p="http://schemas.openxmlformats.org/presentationml/2006/main" xmlns:c="http://schemas.openxmlformats.org/drawingml/2006/chart" xmlns:dgm="http://schemas.openxmlformats.org/drawingml/2006/diagram" xmlns:o="urn:schemas-microsoft-com:office:office" xmlns:v="urn:schemas-microsoft-com:vml" xmlns:pvml="urn:schemas-microsoft-com:office:powerpoint" xmlns:com="http://schemas.openxmlformats.org/drawingml/2006/compatibility" xmlns:p14="http://schemas.microsoft.com/office/powerpoint/2010/main" xmlns:p15="http://schemas.microsoft.com/office/powerpoint/2012/main" showMasterPhAnim="0" showMasterSp="0">
+<p:notes xmlns:a="http://schemas.openxmlformats.org/drawingml/2006/main" xmlns:r="http://schemas.openxmlformats.org/officeDocument/2006/relationships" xmlns:p="http://schemas.openxmlformats.org/presentationml/2006/main" showMasterSp="0" showMasterPhAnim="0">
   <p:cSld>
     <p:spTree>
       <p:nvGrpSpPr>
-        <p:cNvPr id="95" name="Shape 95"/>
+        <p:cNvPr id="1" name="Shape 95"/>
         <p:cNvGrpSpPr/>
         <p:nvPr/>
       </p:nvGrpSpPr>
@@ -1271,9 +1437,11 @@
       <p:sp>
         <p:nvSpPr>
           <p:cNvPr id="96" name="Shape 96"/>
-          <p:cNvSpPr/>
+          <p:cNvSpPr>
+            <a:spLocks noGrp="1" noRot="1" noChangeAspect="1"/>
+          </p:cNvSpPr>
           <p:nvPr>
-            <p:ph idx="2" type="sldImg"/>
+            <p:ph type="sldImg" idx="2"/>
           </p:nvPr>
         </p:nvSpPr>
         <p:spPr>
@@ -1282,8 +1450,13 @@
             <a:ext cx="6096000" cy="3429000"/>
           </a:xfrm>
           <a:custGeom>
+            <a:avLst/>
+            <a:gdLst/>
+            <a:ahLst/>
+            <a:cxnLst/>
+            <a:rect l="0" t="0" r="0" b="0"/>
             <a:pathLst>
-              <a:path extrusionOk="0" h="120000" w="120000">
+              <a:path w="120000" h="120000" extrusionOk="0">
                 <a:moveTo>
                   <a:pt x="0" y="0"/>
                 </a:moveTo>
@@ -1305,9 +1478,11 @@
       <p:sp>
         <p:nvSpPr>
           <p:cNvPr id="97" name="Shape 97"/>
-          <p:cNvSpPr txBox="1"/>
+          <p:cNvSpPr txBox="1">
+            <a:spLocks noGrp="1"/>
+          </p:cNvSpPr>
           <p:nvPr>
-            <p:ph idx="1" type="body"/>
+            <p:ph type="body" idx="1"/>
           </p:nvPr>
         </p:nvSpPr>
         <p:spPr>
@@ -1320,7 +1495,7 @@
           </a:prstGeom>
         </p:spPr>
         <p:txBody>
-          <a:bodyPr anchorCtr="0" anchor="t" bIns="91425" lIns="91425" rIns="91425" wrap="square" tIns="91425">
+          <a:bodyPr wrap="square" lIns="91425" tIns="91425" rIns="91425" bIns="91425" anchor="t" anchorCtr="0">
             <a:noAutofit/>
           </a:bodyPr>
           <a:lstStyle/>
@@ -1331,9 +1506,6 @@
               </a:spcBef>
               <a:buNone/>
             </a:pPr>
-            <a:r>
-              <a:t/>
-            </a:r>
             <a:endParaRPr/>
           </a:p>
         </p:txBody>
@@ -1347,11 +1519,11 @@
 </file>
 
 <file path=ppt/notesSlides/notesSlide9.xml><?xml version="1.0" encoding="utf-8"?>
-<p:notes xmlns:a="http://schemas.openxmlformats.org/drawingml/2006/main" xmlns:r="http://schemas.openxmlformats.org/officeDocument/2006/relationships" xmlns:mc="http://schemas.openxmlformats.org/markup-compatibility/2006" xmlns:mv="urn:schemas-microsoft-com:mac:vml" xmlns:p="http://schemas.openxmlformats.org/presentationml/2006/main" xmlns:c="http://schemas.openxmlformats.org/drawingml/2006/chart" xmlns:dgm="http://schemas.openxmlformats.org/drawingml/2006/diagram" xmlns:o="urn:schemas-microsoft-com:office:office" xmlns:v="urn:schemas-microsoft-com:vml" xmlns:pvml="urn:schemas-microsoft-com:office:powerpoint" xmlns:com="http://schemas.openxmlformats.org/drawingml/2006/compatibility" xmlns:p14="http://schemas.microsoft.com/office/powerpoint/2010/main" xmlns:p15="http://schemas.microsoft.com/office/powerpoint/2012/main" showMasterPhAnim="0" showMasterSp="0">
+<p:notes xmlns:a="http://schemas.openxmlformats.org/drawingml/2006/main" xmlns:r="http://schemas.openxmlformats.org/officeDocument/2006/relationships" xmlns:p="http://schemas.openxmlformats.org/presentationml/2006/main" showMasterSp="0" showMasterPhAnim="0">
   <p:cSld>
     <p:spTree>
       <p:nvGrpSpPr>
-        <p:cNvPr id="101" name="Shape 101"/>
+        <p:cNvPr id="1" name="Shape 101"/>
         <p:cNvGrpSpPr/>
         <p:nvPr/>
       </p:nvGrpSpPr>
@@ -1366,19 +1538,26 @@
       <p:sp>
         <p:nvSpPr>
           <p:cNvPr id="102" name="Shape 102"/>
-          <p:cNvSpPr/>
+          <p:cNvSpPr>
+            <a:spLocks noGrp="1" noRot="1" noChangeAspect="1"/>
+          </p:cNvSpPr>
           <p:nvPr>
-            <p:ph idx="2" type="sldImg"/>
+            <p:ph type="sldImg" idx="2"/>
           </p:nvPr>
         </p:nvSpPr>
         <p:spPr>
           <a:xfrm>
-            <a:off x="381300" y="685800"/>
+            <a:off x="381000" y="685800"/>
             <a:ext cx="6096000" cy="3429000"/>
           </a:xfrm>
           <a:custGeom>
+            <a:avLst/>
+            <a:gdLst/>
+            <a:ahLst/>
+            <a:cxnLst/>
+            <a:rect l="0" t="0" r="0" b="0"/>
             <a:pathLst>
-              <a:path extrusionOk="0" h="120000" w="120000">
+              <a:path w="120000" h="120000" extrusionOk="0">
                 <a:moveTo>
                   <a:pt x="0" y="0"/>
                 </a:moveTo>
@@ -1400,9 +1579,11 @@
       <p:sp>
         <p:nvSpPr>
           <p:cNvPr id="103" name="Shape 103"/>
-          <p:cNvSpPr txBox="1"/>
+          <p:cNvSpPr txBox="1">
+            <a:spLocks noGrp="1"/>
+          </p:cNvSpPr>
           <p:nvPr>
-            <p:ph idx="1" type="body"/>
+            <p:ph type="body" idx="1"/>
           </p:nvPr>
         </p:nvSpPr>
         <p:spPr>
@@ -1415,7 +1596,7 @@
           </a:prstGeom>
         </p:spPr>
         <p:txBody>
-          <a:bodyPr anchorCtr="0" anchor="t" bIns="91425" lIns="91425" rIns="91425" wrap="square" tIns="91425">
+          <a:bodyPr wrap="square" lIns="91425" tIns="91425" rIns="91425" bIns="91425" anchor="t" anchorCtr="0">
             <a:noAutofit/>
           </a:bodyPr>
           <a:lstStyle/>
@@ -1426,9 +1607,6 @@
               </a:spcBef>
               <a:buNone/>
             </a:pPr>
-            <a:r>
-              <a:t/>
-            </a:r>
             <a:endParaRPr/>
           </a:p>
         </p:txBody>
@@ -1442,11 +1620,11 @@
 </file>
 
 <file path=ppt/slideLayouts/slideLayout1.xml><?xml version="1.0" encoding="utf-8"?>
-<p:sldLayout xmlns:a="http://schemas.openxmlformats.org/drawingml/2006/main" xmlns:r="http://schemas.openxmlformats.org/officeDocument/2006/relationships" xmlns:mc="http://schemas.openxmlformats.org/markup-compatibility/2006" xmlns:mv="urn:schemas-microsoft-com:mac:vml" xmlns:p="http://schemas.openxmlformats.org/presentationml/2006/main" xmlns:c="http://schemas.openxmlformats.org/drawingml/2006/chart" xmlns:dgm="http://schemas.openxmlformats.org/drawingml/2006/diagram" xmlns:o="urn:schemas-microsoft-com:office:office" xmlns:v="urn:schemas-microsoft-com:vml" xmlns:pvml="urn:schemas-microsoft-com:office:powerpoint" xmlns:com="http://schemas.openxmlformats.org/drawingml/2006/compatibility" xmlns:p14="http://schemas.microsoft.com/office/powerpoint/2010/main" xmlns:p15="http://schemas.microsoft.com/office/powerpoint/2012/main" type="title">
+<p:sldLayout xmlns:a="http://schemas.openxmlformats.org/drawingml/2006/main" xmlns:r="http://schemas.openxmlformats.org/officeDocument/2006/relationships" xmlns:p="http://schemas.openxmlformats.org/presentationml/2006/main" type="title">
   <p:cSld name="Title slide">
     <p:spTree>
       <p:nvGrpSpPr>
-        <p:cNvPr id="9" name="Shape 9"/>
+        <p:cNvPr id="1" name="Shape 9"/>
         <p:cNvGrpSpPr/>
         <p:nvPr/>
       </p:nvGrpSpPr>
@@ -1494,7 +1672,7 @@
             </a:ln>
           </p:spPr>
           <p:txBody>
-            <a:bodyPr anchorCtr="0" anchor="ctr" bIns="91425" lIns="91425" rIns="91425" wrap="square" tIns="91425">
+            <a:bodyPr wrap="square" lIns="91425" tIns="91425" rIns="91425" bIns="91425" anchor="ctr" anchorCtr="0">
               <a:noAutofit/>
             </a:bodyPr>
             <a:lstStyle/>
@@ -1505,9 +1683,6 @@
                 </a:spcBef>
                 <a:buNone/>
               </a:pPr>
-              <a:r>
-                <a:t/>
-              </a:r>
               <a:endParaRPr/>
             </a:p>
           </p:txBody>
@@ -1534,7 +1709,7 @@
             </a:ln>
           </p:spPr>
           <p:txBody>
-            <a:bodyPr anchorCtr="0" anchor="ctr" bIns="91425" lIns="91425" rIns="91425" wrap="square" tIns="91425">
+            <a:bodyPr wrap="square" lIns="91425" tIns="91425" rIns="91425" bIns="91425" anchor="ctr" anchorCtr="0">
               <a:noAutofit/>
             </a:bodyPr>
             <a:lstStyle/>
@@ -1545,9 +1720,6 @@
                 </a:spcBef>
                 <a:buNone/>
               </a:pPr>
-              <a:r>
-                <a:t/>
-              </a:r>
               <a:endParaRPr/>
             </a:p>
           </p:txBody>
@@ -1574,7 +1746,7 @@
             </a:ln>
           </p:spPr>
           <p:txBody>
-            <a:bodyPr anchorCtr="0" anchor="ctr" bIns="91425" lIns="91425" rIns="91425" wrap="square" tIns="91425">
+            <a:bodyPr wrap="square" lIns="91425" tIns="91425" rIns="91425" bIns="91425" anchor="ctr" anchorCtr="0">
               <a:noAutofit/>
             </a:bodyPr>
             <a:lstStyle/>
@@ -1585,9 +1757,6 @@
                 </a:spcBef>
                 <a:buNone/>
               </a:pPr>
-              <a:r>
-                <a:t/>
-              </a:r>
               <a:endParaRPr/>
             </a:p>
           </p:txBody>
@@ -1596,7 +1765,9 @@
       <p:sp>
         <p:nvSpPr>
           <p:cNvPr id="14" name="Shape 14"/>
-          <p:cNvSpPr txBox="1"/>
+          <p:cNvSpPr txBox="1">
+            <a:spLocks noGrp="1"/>
+          </p:cNvSpPr>
           <p:nvPr>
             <p:ph type="ctrTitle"/>
           </p:nvPr>
@@ -1611,7 +1782,7 @@
           </a:prstGeom>
         </p:spPr>
         <p:txBody>
-          <a:bodyPr anchorCtr="0" anchor="b" bIns="91425" lIns="91425" rIns="91425" wrap="square" tIns="91425"/>
+          <a:bodyPr wrap="square" lIns="91425" tIns="91425" rIns="91425" bIns="91425" anchor="b" anchorCtr="0"/>
           <a:lstStyle>
             <a:lvl1pPr lvl="0" algn="ctr">
               <a:spcBef>
@@ -1677,15 +1848,19 @@
               <a:defRPr sz="4800"/>
             </a:lvl9pPr>
           </a:lstStyle>
-          <a:p/>
+          <a:p>
+            <a:endParaRPr/>
+          </a:p>
         </p:txBody>
       </p:sp>
       <p:sp>
         <p:nvSpPr>
           <p:cNvPr id="15" name="Shape 15"/>
-          <p:cNvSpPr txBox="1"/>
+          <p:cNvSpPr txBox="1">
+            <a:spLocks noGrp="1"/>
+          </p:cNvSpPr>
           <p:nvPr>
-            <p:ph idx="1" type="subTitle"/>
+            <p:ph type="subTitle" idx="1"/>
           </p:nvPr>
         </p:nvSpPr>
         <p:spPr>
@@ -1698,7 +1873,7 @@
           </a:prstGeom>
         </p:spPr>
         <p:txBody>
-          <a:bodyPr anchorCtr="0" anchor="t" bIns="91425" lIns="91425" rIns="91425" wrap="square" tIns="91425"/>
+          <a:bodyPr wrap="square" lIns="91425" tIns="91425" rIns="91425" bIns="91425" anchor="t" anchorCtr="0"/>
           <a:lstStyle>
             <a:lvl1pPr lvl="0" algn="ctr">
               <a:lnSpc>
@@ -1827,15 +2002,19 @@
               <a:defRPr sz="2100"/>
             </a:lvl9pPr>
           </a:lstStyle>
-          <a:p/>
+          <a:p>
+            <a:endParaRPr/>
+          </a:p>
         </p:txBody>
       </p:sp>
       <p:sp>
         <p:nvSpPr>
           <p:cNvPr id="16" name="Shape 16"/>
-          <p:cNvSpPr txBox="1"/>
+          <p:cNvSpPr txBox="1">
+            <a:spLocks noGrp="1"/>
+          </p:cNvSpPr>
           <p:nvPr>
-            <p:ph idx="12" type="sldNum"/>
+            <p:ph type="sldNum" idx="12"/>
           </p:nvPr>
         </p:nvSpPr>
         <p:spPr>
@@ -1848,7 +2027,7 @@
           </a:prstGeom>
         </p:spPr>
         <p:txBody>
-          <a:bodyPr anchorCtr="0" anchor="ctr" bIns="91425" lIns="91425" rIns="91425" wrap="square" tIns="91425">
+          <a:bodyPr wrap="square" lIns="91425" tIns="91425" rIns="91425" bIns="91425" anchor="ctr" anchorCtr="0">
             <a:noAutofit/>
           </a:bodyPr>
           <a:lstStyle/>
@@ -1863,6 +2042,7 @@
               <a:rPr lang="en"/>
               <a:t>‹#›</a:t>
             </a:fld>
+            <a:endParaRPr lang="en"/>
           </a:p>
         </p:txBody>
       </p:sp>
@@ -1875,11 +2055,11 @@
 </file>
 
 <file path=ppt/slideLayouts/slideLayout10.xml><?xml version="1.0" encoding="utf-8"?>
-<p:sldLayout xmlns:a="http://schemas.openxmlformats.org/drawingml/2006/main" xmlns:r="http://schemas.openxmlformats.org/officeDocument/2006/relationships" xmlns:mc="http://schemas.openxmlformats.org/markup-compatibility/2006" xmlns:mv="urn:schemas-microsoft-com:mac:vml" xmlns:p="http://schemas.openxmlformats.org/presentationml/2006/main" xmlns:c="http://schemas.openxmlformats.org/drawingml/2006/chart" xmlns:dgm="http://schemas.openxmlformats.org/drawingml/2006/diagram" xmlns:o="urn:schemas-microsoft-com:office:office" xmlns:v="urn:schemas-microsoft-com:vml" xmlns:pvml="urn:schemas-microsoft-com:office:powerpoint" xmlns:com="http://schemas.openxmlformats.org/drawingml/2006/compatibility" xmlns:p14="http://schemas.microsoft.com/office/powerpoint/2010/main" xmlns:p15="http://schemas.microsoft.com/office/powerpoint/2012/main">
+<p:sldLayout xmlns:a="http://schemas.openxmlformats.org/drawingml/2006/main" xmlns:r="http://schemas.openxmlformats.org/officeDocument/2006/relationships" xmlns:p="http://schemas.openxmlformats.org/presentationml/2006/main">
   <p:cSld name="Big number">
     <p:spTree>
       <p:nvGrpSpPr>
-        <p:cNvPr id="49" name="Shape 49"/>
+        <p:cNvPr id="1" name="Shape 49"/>
         <p:cNvGrpSpPr/>
         <p:nvPr/>
       </p:nvGrpSpPr>
@@ -1894,7 +2074,9 @@
       <p:sp>
         <p:nvSpPr>
           <p:cNvPr id="50" name="Shape 50"/>
-          <p:cNvSpPr txBox="1"/>
+          <p:cNvSpPr txBox="1">
+            <a:spLocks noGrp="1"/>
+          </p:cNvSpPr>
           <p:nvPr>
             <p:ph type="title"/>
           </p:nvPr>
@@ -1909,7 +2091,7 @@
           </a:prstGeom>
         </p:spPr>
         <p:txBody>
-          <a:bodyPr anchorCtr="0" anchor="b" bIns="91425" lIns="91425" rIns="91425" wrap="square" tIns="91425"/>
+          <a:bodyPr wrap="square" lIns="91425" tIns="91425" rIns="91425" bIns="91425" anchor="b" anchorCtr="0"/>
           <a:lstStyle>
             <a:lvl1pPr lvl="0" algn="ctr">
               <a:spcBef>
@@ -1975,15 +2157,19 @@
               <a:defRPr sz="12000"/>
             </a:lvl9pPr>
           </a:lstStyle>
-          <a:p/>
+          <a:p>
+            <a:endParaRPr/>
+          </a:p>
         </p:txBody>
       </p:sp>
       <p:sp>
         <p:nvSpPr>
           <p:cNvPr id="51" name="Shape 51"/>
-          <p:cNvSpPr txBox="1"/>
+          <p:cNvSpPr txBox="1">
+            <a:spLocks noGrp="1"/>
+          </p:cNvSpPr>
           <p:nvPr>
-            <p:ph idx="1" type="body"/>
+            <p:ph type="body" idx="1"/>
           </p:nvPr>
         </p:nvSpPr>
         <p:spPr>
@@ -1996,7 +2182,7 @@
           </a:prstGeom>
         </p:spPr>
         <p:txBody>
-          <a:bodyPr anchorCtr="0" anchor="t" bIns="91425" lIns="91425" rIns="91425" wrap="square" tIns="91425"/>
+          <a:bodyPr wrap="square" lIns="91425" tIns="91425" rIns="91425" bIns="91425" anchor="t" anchorCtr="0"/>
           <a:lstStyle>
             <a:lvl1pPr lvl="0" algn="ctr">
               <a:spcBef>
@@ -2053,15 +2239,19 @@
               <a:defRPr/>
             </a:lvl9pPr>
           </a:lstStyle>
-          <a:p/>
+          <a:p>
+            <a:endParaRPr/>
+          </a:p>
         </p:txBody>
       </p:sp>
       <p:sp>
         <p:nvSpPr>
           <p:cNvPr id="52" name="Shape 52"/>
-          <p:cNvSpPr txBox="1"/>
+          <p:cNvSpPr txBox="1">
+            <a:spLocks noGrp="1"/>
+          </p:cNvSpPr>
           <p:nvPr>
-            <p:ph idx="12" type="sldNum"/>
+            <p:ph type="sldNum" idx="12"/>
           </p:nvPr>
         </p:nvSpPr>
         <p:spPr>
@@ -2074,7 +2264,7 @@
           </a:prstGeom>
         </p:spPr>
         <p:txBody>
-          <a:bodyPr anchorCtr="0" anchor="ctr" bIns="91425" lIns="91425" rIns="91425" wrap="square" tIns="91425">
+          <a:bodyPr wrap="square" lIns="91425" tIns="91425" rIns="91425" bIns="91425" anchor="ctr" anchorCtr="0">
             <a:noAutofit/>
           </a:bodyPr>
           <a:lstStyle/>
@@ -2089,6 +2279,7 @@
               <a:rPr lang="en"/>
               <a:t>‹#›</a:t>
             </a:fld>
+            <a:endParaRPr lang="en"/>
           </a:p>
         </p:txBody>
       </p:sp>
@@ -2101,11 +2292,11 @@
 </file>
 
 <file path=ppt/slideLayouts/slideLayout11.xml><?xml version="1.0" encoding="utf-8"?>
-<p:sldLayout xmlns:a="http://schemas.openxmlformats.org/drawingml/2006/main" xmlns:r="http://schemas.openxmlformats.org/officeDocument/2006/relationships" xmlns:mc="http://schemas.openxmlformats.org/markup-compatibility/2006" xmlns:mv="urn:schemas-microsoft-com:mac:vml" xmlns:p="http://schemas.openxmlformats.org/presentationml/2006/main" xmlns:c="http://schemas.openxmlformats.org/drawingml/2006/chart" xmlns:dgm="http://schemas.openxmlformats.org/drawingml/2006/diagram" xmlns:o="urn:schemas-microsoft-com:office:office" xmlns:v="urn:schemas-microsoft-com:vml" xmlns:pvml="urn:schemas-microsoft-com:office:powerpoint" xmlns:com="http://schemas.openxmlformats.org/drawingml/2006/compatibility" xmlns:p14="http://schemas.microsoft.com/office/powerpoint/2010/main" xmlns:p15="http://schemas.microsoft.com/office/powerpoint/2012/main" type="blank">
+<p:sldLayout xmlns:a="http://schemas.openxmlformats.org/drawingml/2006/main" xmlns:r="http://schemas.openxmlformats.org/officeDocument/2006/relationships" xmlns:p="http://schemas.openxmlformats.org/presentationml/2006/main" type="blank">
   <p:cSld name="Blank">
     <p:spTree>
       <p:nvGrpSpPr>
-        <p:cNvPr id="53" name="Shape 53"/>
+        <p:cNvPr id="1" name="Shape 53"/>
         <p:cNvGrpSpPr/>
         <p:nvPr/>
       </p:nvGrpSpPr>
@@ -2120,9 +2311,11 @@
       <p:sp>
         <p:nvSpPr>
           <p:cNvPr id="54" name="Shape 54"/>
-          <p:cNvSpPr txBox="1"/>
+          <p:cNvSpPr txBox="1">
+            <a:spLocks noGrp="1"/>
+          </p:cNvSpPr>
           <p:nvPr>
-            <p:ph idx="12" type="sldNum"/>
+            <p:ph type="sldNum" idx="12"/>
           </p:nvPr>
         </p:nvSpPr>
         <p:spPr>
@@ -2135,7 +2328,7 @@
           </a:prstGeom>
         </p:spPr>
         <p:txBody>
-          <a:bodyPr anchorCtr="0" anchor="ctr" bIns="91425" lIns="91425" rIns="91425" wrap="square" tIns="91425">
+          <a:bodyPr wrap="square" lIns="91425" tIns="91425" rIns="91425" bIns="91425" anchor="ctr" anchorCtr="0">
             <a:noAutofit/>
           </a:bodyPr>
           <a:lstStyle/>
@@ -2150,6 +2343,7 @@
               <a:rPr lang="en"/>
               <a:t>‹#›</a:t>
             </a:fld>
+            <a:endParaRPr lang="en"/>
           </a:p>
         </p:txBody>
       </p:sp>
@@ -2162,11 +2356,11 @@
 </file>
 
 <file path=ppt/slideLayouts/slideLayout2.xml><?xml version="1.0" encoding="utf-8"?>
-<p:sldLayout xmlns:a="http://schemas.openxmlformats.org/drawingml/2006/main" xmlns:r="http://schemas.openxmlformats.org/officeDocument/2006/relationships" xmlns:mc="http://schemas.openxmlformats.org/markup-compatibility/2006" xmlns:mv="urn:schemas-microsoft-com:mac:vml" xmlns:p="http://schemas.openxmlformats.org/presentationml/2006/main" xmlns:c="http://schemas.openxmlformats.org/drawingml/2006/chart" xmlns:dgm="http://schemas.openxmlformats.org/drawingml/2006/diagram" xmlns:o="urn:schemas-microsoft-com:office:office" xmlns:v="urn:schemas-microsoft-com:vml" xmlns:pvml="urn:schemas-microsoft-com:office:powerpoint" xmlns:com="http://schemas.openxmlformats.org/drawingml/2006/compatibility" xmlns:p14="http://schemas.microsoft.com/office/powerpoint/2010/main" xmlns:p15="http://schemas.microsoft.com/office/powerpoint/2012/main" type="secHead">
+<p:sldLayout xmlns:a="http://schemas.openxmlformats.org/drawingml/2006/main" xmlns:r="http://schemas.openxmlformats.org/officeDocument/2006/relationships" xmlns:p="http://schemas.openxmlformats.org/presentationml/2006/main" type="secHead">
   <p:cSld name="Section header">
     <p:spTree>
       <p:nvGrpSpPr>
-        <p:cNvPr id="17" name="Shape 17"/>
+        <p:cNvPr id="1" name="Shape 17"/>
         <p:cNvGrpSpPr/>
         <p:nvPr/>
       </p:nvGrpSpPr>
@@ -2181,7 +2375,9 @@
       <p:sp>
         <p:nvSpPr>
           <p:cNvPr id="18" name="Shape 18"/>
-          <p:cNvSpPr txBox="1"/>
+          <p:cNvSpPr txBox="1">
+            <a:spLocks noGrp="1"/>
+          </p:cNvSpPr>
           <p:nvPr>
             <p:ph type="title"/>
           </p:nvPr>
@@ -2196,7 +2392,7 @@
           </a:prstGeom>
         </p:spPr>
         <p:txBody>
-          <a:bodyPr anchorCtr="0" anchor="ctr" bIns="91425" lIns="91425" rIns="91425" wrap="square" tIns="91425"/>
+          <a:bodyPr wrap="square" lIns="91425" tIns="91425" rIns="91425" bIns="91425" anchor="ctr" anchorCtr="0"/>
           <a:lstStyle>
             <a:lvl1pPr lvl="0" algn="ctr">
               <a:spcBef>
@@ -2262,15 +2458,19 @@
               <a:defRPr sz="3600"/>
             </a:lvl9pPr>
           </a:lstStyle>
-          <a:p/>
+          <a:p>
+            <a:endParaRPr/>
+          </a:p>
         </p:txBody>
       </p:sp>
       <p:sp>
         <p:nvSpPr>
           <p:cNvPr id="19" name="Shape 19"/>
-          <p:cNvSpPr txBox="1"/>
+          <p:cNvSpPr txBox="1">
+            <a:spLocks noGrp="1"/>
+          </p:cNvSpPr>
           <p:nvPr>
-            <p:ph idx="12" type="sldNum"/>
+            <p:ph type="sldNum" idx="12"/>
           </p:nvPr>
         </p:nvSpPr>
         <p:spPr>
@@ -2283,7 +2483,7 @@
           </a:prstGeom>
         </p:spPr>
         <p:txBody>
-          <a:bodyPr anchorCtr="0" anchor="ctr" bIns="91425" lIns="91425" rIns="91425" wrap="square" tIns="91425">
+          <a:bodyPr wrap="square" lIns="91425" tIns="91425" rIns="91425" bIns="91425" anchor="ctr" anchorCtr="0">
             <a:noAutofit/>
           </a:bodyPr>
           <a:lstStyle/>
@@ -2298,6 +2498,7 @@
               <a:rPr lang="en"/>
               <a:t>‹#›</a:t>
             </a:fld>
+            <a:endParaRPr lang="en"/>
           </a:p>
         </p:txBody>
       </p:sp>
@@ -2310,11 +2511,11 @@
 </file>
 
 <file path=ppt/slideLayouts/slideLayout3.xml><?xml version="1.0" encoding="utf-8"?>
-<p:sldLayout xmlns:a="http://schemas.openxmlformats.org/drawingml/2006/main" xmlns:r="http://schemas.openxmlformats.org/officeDocument/2006/relationships" xmlns:mc="http://schemas.openxmlformats.org/markup-compatibility/2006" xmlns:mv="urn:schemas-microsoft-com:mac:vml" xmlns:p="http://schemas.openxmlformats.org/presentationml/2006/main" xmlns:c="http://schemas.openxmlformats.org/drawingml/2006/chart" xmlns:dgm="http://schemas.openxmlformats.org/drawingml/2006/diagram" xmlns:o="urn:schemas-microsoft-com:office:office" xmlns:v="urn:schemas-microsoft-com:vml" xmlns:pvml="urn:schemas-microsoft-com:office:powerpoint" xmlns:com="http://schemas.openxmlformats.org/drawingml/2006/compatibility" xmlns:p14="http://schemas.microsoft.com/office/powerpoint/2010/main" xmlns:p15="http://schemas.microsoft.com/office/powerpoint/2012/main" type="tx">
+<p:sldLayout xmlns:a="http://schemas.openxmlformats.org/drawingml/2006/main" xmlns:r="http://schemas.openxmlformats.org/officeDocument/2006/relationships" xmlns:p="http://schemas.openxmlformats.org/presentationml/2006/main" type="tx">
   <p:cSld name="Title and body">
     <p:spTree>
       <p:nvGrpSpPr>
-        <p:cNvPr id="20" name="Shape 20"/>
+        <p:cNvPr id="1" name="Shape 20"/>
         <p:cNvGrpSpPr/>
         <p:nvPr/>
       </p:nvGrpSpPr>
@@ -2329,7 +2530,9 @@
       <p:sp>
         <p:nvSpPr>
           <p:cNvPr id="21" name="Shape 21"/>
-          <p:cNvSpPr txBox="1"/>
+          <p:cNvSpPr txBox="1">
+            <a:spLocks noGrp="1"/>
+          </p:cNvSpPr>
           <p:nvPr>
             <p:ph type="title"/>
           </p:nvPr>
@@ -2344,7 +2547,7 @@
           </a:prstGeom>
         </p:spPr>
         <p:txBody>
-          <a:bodyPr anchorCtr="0" anchor="t" bIns="91425" lIns="91425" rIns="91425" wrap="square" tIns="91425"/>
+          <a:bodyPr wrap="square" lIns="91425" tIns="91425" rIns="91425" bIns="91425" anchor="t" anchorCtr="0"/>
           <a:lstStyle>
             <a:lvl1pPr lvl="0">
               <a:spcBef>
@@ -2401,15 +2604,19 @@
               <a:defRPr/>
             </a:lvl9pPr>
           </a:lstStyle>
-          <a:p/>
+          <a:p>
+            <a:endParaRPr/>
+          </a:p>
         </p:txBody>
       </p:sp>
       <p:sp>
         <p:nvSpPr>
           <p:cNvPr id="22" name="Shape 22"/>
-          <p:cNvSpPr txBox="1"/>
+          <p:cNvSpPr txBox="1">
+            <a:spLocks noGrp="1"/>
+          </p:cNvSpPr>
           <p:nvPr>
-            <p:ph idx="1" type="body"/>
+            <p:ph type="body" idx="1"/>
           </p:nvPr>
         </p:nvSpPr>
         <p:spPr>
@@ -2422,7 +2629,7 @@
           </a:prstGeom>
         </p:spPr>
         <p:txBody>
-          <a:bodyPr anchorCtr="0" anchor="t" bIns="91425" lIns="91425" rIns="91425" wrap="square" tIns="91425"/>
+          <a:bodyPr wrap="square" lIns="91425" tIns="91425" rIns="91425" bIns="91425" anchor="t" anchorCtr="0"/>
           <a:lstStyle>
             <a:lvl1pPr lvl="0">
               <a:spcBef>
@@ -2479,15 +2686,19 @@
               <a:defRPr/>
             </a:lvl9pPr>
           </a:lstStyle>
-          <a:p/>
+          <a:p>
+            <a:endParaRPr/>
+          </a:p>
         </p:txBody>
       </p:sp>
       <p:sp>
         <p:nvSpPr>
           <p:cNvPr id="23" name="Shape 23"/>
-          <p:cNvSpPr txBox="1"/>
+          <p:cNvSpPr txBox="1">
+            <a:spLocks noGrp="1"/>
+          </p:cNvSpPr>
           <p:nvPr>
-            <p:ph idx="12" type="sldNum"/>
+            <p:ph type="sldNum" idx="12"/>
           </p:nvPr>
         </p:nvSpPr>
         <p:spPr>
@@ -2500,7 +2711,7 @@
           </a:prstGeom>
         </p:spPr>
         <p:txBody>
-          <a:bodyPr anchorCtr="0" anchor="ctr" bIns="91425" lIns="91425" rIns="91425" wrap="square" tIns="91425">
+          <a:bodyPr wrap="square" lIns="91425" tIns="91425" rIns="91425" bIns="91425" anchor="ctr" anchorCtr="0">
             <a:noAutofit/>
           </a:bodyPr>
           <a:lstStyle/>
@@ -2515,6 +2726,7 @@
               <a:rPr lang="en"/>
               <a:t>‹#›</a:t>
             </a:fld>
+            <a:endParaRPr lang="en"/>
           </a:p>
         </p:txBody>
       </p:sp>
@@ -2527,11 +2739,11 @@
 </file>
 
 <file path=ppt/slideLayouts/slideLayout4.xml><?xml version="1.0" encoding="utf-8"?>
-<p:sldLayout xmlns:a="http://schemas.openxmlformats.org/drawingml/2006/main" xmlns:r="http://schemas.openxmlformats.org/officeDocument/2006/relationships" xmlns:mc="http://schemas.openxmlformats.org/markup-compatibility/2006" xmlns:mv="urn:schemas-microsoft-com:mac:vml" xmlns:p="http://schemas.openxmlformats.org/presentationml/2006/main" xmlns:c="http://schemas.openxmlformats.org/drawingml/2006/chart" xmlns:dgm="http://schemas.openxmlformats.org/drawingml/2006/diagram" xmlns:o="urn:schemas-microsoft-com:office:office" xmlns:v="urn:schemas-microsoft-com:vml" xmlns:pvml="urn:schemas-microsoft-com:office:powerpoint" xmlns:com="http://schemas.openxmlformats.org/drawingml/2006/compatibility" xmlns:p14="http://schemas.microsoft.com/office/powerpoint/2010/main" xmlns:p15="http://schemas.microsoft.com/office/powerpoint/2012/main" type="twoColTx">
+<p:sldLayout xmlns:a="http://schemas.openxmlformats.org/drawingml/2006/main" xmlns:r="http://schemas.openxmlformats.org/officeDocument/2006/relationships" xmlns:p="http://schemas.openxmlformats.org/presentationml/2006/main" type="twoColTx">
   <p:cSld name="Title and two columns">
     <p:spTree>
       <p:nvGrpSpPr>
-        <p:cNvPr id="24" name="Shape 24"/>
+        <p:cNvPr id="1" name="Shape 24"/>
         <p:cNvGrpSpPr/>
         <p:nvPr/>
       </p:nvGrpSpPr>
@@ -2546,7 +2758,9 @@
       <p:sp>
         <p:nvSpPr>
           <p:cNvPr id="25" name="Shape 25"/>
-          <p:cNvSpPr txBox="1"/>
+          <p:cNvSpPr txBox="1">
+            <a:spLocks noGrp="1"/>
+          </p:cNvSpPr>
           <p:nvPr>
             <p:ph type="title"/>
           </p:nvPr>
@@ -2561,7 +2775,7 @@
           </a:prstGeom>
         </p:spPr>
         <p:txBody>
-          <a:bodyPr anchorCtr="0" anchor="t" bIns="91425" lIns="91425" rIns="91425" wrap="square" tIns="91425"/>
+          <a:bodyPr wrap="square" lIns="91425" tIns="91425" rIns="91425" bIns="91425" anchor="t" anchorCtr="0"/>
           <a:lstStyle>
             <a:lvl1pPr lvl="0">
               <a:spcBef>
@@ -2618,15 +2832,19 @@
               <a:defRPr/>
             </a:lvl9pPr>
           </a:lstStyle>
-          <a:p/>
+          <a:p>
+            <a:endParaRPr/>
+          </a:p>
         </p:txBody>
       </p:sp>
       <p:sp>
         <p:nvSpPr>
           <p:cNvPr id="26" name="Shape 26"/>
-          <p:cNvSpPr txBox="1"/>
+          <p:cNvSpPr txBox="1">
+            <a:spLocks noGrp="1"/>
+          </p:cNvSpPr>
           <p:nvPr>
-            <p:ph idx="1" type="body"/>
+            <p:ph type="body" idx="1"/>
           </p:nvPr>
         </p:nvSpPr>
         <p:spPr>
@@ -2639,7 +2857,7 @@
           </a:prstGeom>
         </p:spPr>
         <p:txBody>
-          <a:bodyPr anchorCtr="0" anchor="t" bIns="91425" lIns="91425" rIns="91425" wrap="square" tIns="91425"/>
+          <a:bodyPr wrap="square" lIns="91425" tIns="91425" rIns="91425" bIns="91425" anchor="t" anchorCtr="0"/>
           <a:lstStyle>
             <a:lvl1pPr lvl="0">
               <a:spcBef>
@@ -2705,15 +2923,19 @@
               <a:defRPr sz="1200"/>
             </a:lvl9pPr>
           </a:lstStyle>
-          <a:p/>
+          <a:p>
+            <a:endParaRPr/>
+          </a:p>
         </p:txBody>
       </p:sp>
       <p:sp>
         <p:nvSpPr>
           <p:cNvPr id="27" name="Shape 27"/>
-          <p:cNvSpPr txBox="1"/>
+          <p:cNvSpPr txBox="1">
+            <a:spLocks noGrp="1"/>
+          </p:cNvSpPr>
           <p:nvPr>
-            <p:ph idx="2" type="body"/>
+            <p:ph type="body" idx="2"/>
           </p:nvPr>
         </p:nvSpPr>
         <p:spPr>
@@ -2726,7 +2948,7 @@
           </a:prstGeom>
         </p:spPr>
         <p:txBody>
-          <a:bodyPr anchorCtr="0" anchor="t" bIns="91425" lIns="91425" rIns="91425" wrap="square" tIns="91425"/>
+          <a:bodyPr wrap="square" lIns="91425" tIns="91425" rIns="91425" bIns="91425" anchor="t" anchorCtr="0"/>
           <a:lstStyle>
             <a:lvl1pPr lvl="0">
               <a:spcBef>
@@ -2792,15 +3014,19 @@
               <a:defRPr sz="1200"/>
             </a:lvl9pPr>
           </a:lstStyle>
-          <a:p/>
+          <a:p>
+            <a:endParaRPr/>
+          </a:p>
         </p:txBody>
       </p:sp>
       <p:sp>
         <p:nvSpPr>
           <p:cNvPr id="28" name="Shape 28"/>
-          <p:cNvSpPr txBox="1"/>
+          <p:cNvSpPr txBox="1">
+            <a:spLocks noGrp="1"/>
+          </p:cNvSpPr>
           <p:nvPr>
-            <p:ph idx="12" type="sldNum"/>
+            <p:ph type="sldNum" idx="12"/>
           </p:nvPr>
         </p:nvSpPr>
         <p:spPr>
@@ -2813,7 +3039,7 @@
           </a:prstGeom>
         </p:spPr>
         <p:txBody>
-          <a:bodyPr anchorCtr="0" anchor="ctr" bIns="91425" lIns="91425" rIns="91425" wrap="square" tIns="91425">
+          <a:bodyPr wrap="square" lIns="91425" tIns="91425" rIns="91425" bIns="91425" anchor="ctr" anchorCtr="0">
             <a:noAutofit/>
           </a:bodyPr>
           <a:lstStyle/>
@@ -2828,6 +3054,7 @@
               <a:rPr lang="en"/>
               <a:t>‹#›</a:t>
             </a:fld>
+            <a:endParaRPr lang="en"/>
           </a:p>
         </p:txBody>
       </p:sp>
@@ -2840,11 +3067,11 @@
 </file>
 
 <file path=ppt/slideLayouts/slideLayout5.xml><?xml version="1.0" encoding="utf-8"?>
-<p:sldLayout xmlns:a="http://schemas.openxmlformats.org/drawingml/2006/main" xmlns:r="http://schemas.openxmlformats.org/officeDocument/2006/relationships" xmlns:mc="http://schemas.openxmlformats.org/markup-compatibility/2006" xmlns:mv="urn:schemas-microsoft-com:mac:vml" xmlns:p="http://schemas.openxmlformats.org/presentationml/2006/main" xmlns:c="http://schemas.openxmlformats.org/drawingml/2006/chart" xmlns:dgm="http://schemas.openxmlformats.org/drawingml/2006/diagram" xmlns:o="urn:schemas-microsoft-com:office:office" xmlns:v="urn:schemas-microsoft-com:vml" xmlns:pvml="urn:schemas-microsoft-com:office:powerpoint" xmlns:com="http://schemas.openxmlformats.org/drawingml/2006/compatibility" xmlns:p14="http://schemas.microsoft.com/office/powerpoint/2010/main" xmlns:p15="http://schemas.microsoft.com/office/powerpoint/2012/main" type="titleOnly">
+<p:sldLayout xmlns:a="http://schemas.openxmlformats.org/drawingml/2006/main" xmlns:r="http://schemas.openxmlformats.org/officeDocument/2006/relationships" xmlns:p="http://schemas.openxmlformats.org/presentationml/2006/main" type="titleOnly">
   <p:cSld name="Title only">
     <p:spTree>
       <p:nvGrpSpPr>
-        <p:cNvPr id="29" name="Shape 29"/>
+        <p:cNvPr id="1" name="Shape 29"/>
         <p:cNvGrpSpPr/>
         <p:nvPr/>
       </p:nvGrpSpPr>
@@ -2859,7 +3086,9 @@
       <p:sp>
         <p:nvSpPr>
           <p:cNvPr id="30" name="Shape 30"/>
-          <p:cNvSpPr txBox="1"/>
+          <p:cNvSpPr txBox="1">
+            <a:spLocks noGrp="1"/>
+          </p:cNvSpPr>
           <p:nvPr>
             <p:ph type="title"/>
           </p:nvPr>
@@ -2874,7 +3103,7 @@
           </a:prstGeom>
         </p:spPr>
         <p:txBody>
-          <a:bodyPr anchorCtr="0" anchor="t" bIns="91425" lIns="91425" rIns="91425" wrap="square" tIns="91425"/>
+          <a:bodyPr wrap="square" lIns="91425" tIns="91425" rIns="91425" bIns="91425" anchor="t" anchorCtr="0"/>
           <a:lstStyle>
             <a:lvl1pPr lvl="0">
               <a:spcBef>
@@ -2931,15 +3160,19 @@
               <a:defRPr/>
             </a:lvl9pPr>
           </a:lstStyle>
-          <a:p/>
+          <a:p>
+            <a:endParaRPr/>
+          </a:p>
         </p:txBody>
       </p:sp>
       <p:sp>
         <p:nvSpPr>
           <p:cNvPr id="31" name="Shape 31"/>
-          <p:cNvSpPr txBox="1"/>
+          <p:cNvSpPr txBox="1">
+            <a:spLocks noGrp="1"/>
+          </p:cNvSpPr>
           <p:nvPr>
-            <p:ph idx="12" type="sldNum"/>
+            <p:ph type="sldNum" idx="12"/>
           </p:nvPr>
         </p:nvSpPr>
         <p:spPr>
@@ -2952,7 +3185,7 @@
           </a:prstGeom>
         </p:spPr>
         <p:txBody>
-          <a:bodyPr anchorCtr="0" anchor="ctr" bIns="91425" lIns="91425" rIns="91425" wrap="square" tIns="91425">
+          <a:bodyPr wrap="square" lIns="91425" tIns="91425" rIns="91425" bIns="91425" anchor="ctr" anchorCtr="0">
             <a:noAutofit/>
           </a:bodyPr>
           <a:lstStyle/>
@@ -2967,6 +3200,7 @@
               <a:rPr lang="en"/>
               <a:t>‹#›</a:t>
             </a:fld>
+            <a:endParaRPr lang="en"/>
           </a:p>
         </p:txBody>
       </p:sp>
@@ -2979,11 +3213,11 @@
 </file>
 
 <file path=ppt/slideLayouts/slideLayout6.xml><?xml version="1.0" encoding="utf-8"?>
-<p:sldLayout xmlns:a="http://schemas.openxmlformats.org/drawingml/2006/main" xmlns:r="http://schemas.openxmlformats.org/officeDocument/2006/relationships" xmlns:mc="http://schemas.openxmlformats.org/markup-compatibility/2006" xmlns:mv="urn:schemas-microsoft-com:mac:vml" xmlns:p="http://schemas.openxmlformats.org/presentationml/2006/main" xmlns:c="http://schemas.openxmlformats.org/drawingml/2006/chart" xmlns:dgm="http://schemas.openxmlformats.org/drawingml/2006/diagram" xmlns:o="urn:schemas-microsoft-com:office:office" xmlns:v="urn:schemas-microsoft-com:vml" xmlns:pvml="urn:schemas-microsoft-com:office:powerpoint" xmlns:com="http://schemas.openxmlformats.org/drawingml/2006/compatibility" xmlns:p14="http://schemas.microsoft.com/office/powerpoint/2010/main" xmlns:p15="http://schemas.microsoft.com/office/powerpoint/2012/main">
+<p:sldLayout xmlns:a="http://schemas.openxmlformats.org/drawingml/2006/main" xmlns:r="http://schemas.openxmlformats.org/officeDocument/2006/relationships" xmlns:p="http://schemas.openxmlformats.org/presentationml/2006/main">
   <p:cSld name="One column text">
     <p:spTree>
       <p:nvGrpSpPr>
-        <p:cNvPr id="32" name="Shape 32"/>
+        <p:cNvPr id="1" name="Shape 32"/>
         <p:cNvGrpSpPr/>
         <p:nvPr/>
       </p:nvGrpSpPr>
@@ -2998,7 +3232,9 @@
       <p:sp>
         <p:nvSpPr>
           <p:cNvPr id="33" name="Shape 33"/>
-          <p:cNvSpPr txBox="1"/>
+          <p:cNvSpPr txBox="1">
+            <a:spLocks noGrp="1"/>
+          </p:cNvSpPr>
           <p:nvPr>
             <p:ph type="title"/>
           </p:nvPr>
@@ -3013,7 +3249,7 @@
           </a:prstGeom>
         </p:spPr>
         <p:txBody>
-          <a:bodyPr anchorCtr="0" anchor="b" bIns="91425" lIns="91425" rIns="91425" wrap="square" tIns="91425"/>
+          <a:bodyPr wrap="square" lIns="91425" tIns="91425" rIns="91425" bIns="91425" anchor="b" anchorCtr="0"/>
           <a:lstStyle>
             <a:lvl1pPr lvl="0">
               <a:spcBef>
@@ -3079,15 +3315,19 @@
               <a:defRPr sz="2400"/>
             </a:lvl9pPr>
           </a:lstStyle>
-          <a:p/>
+          <a:p>
+            <a:endParaRPr/>
+          </a:p>
         </p:txBody>
       </p:sp>
       <p:sp>
         <p:nvSpPr>
           <p:cNvPr id="34" name="Shape 34"/>
-          <p:cNvSpPr txBox="1"/>
+          <p:cNvSpPr txBox="1">
+            <a:spLocks noGrp="1"/>
+          </p:cNvSpPr>
           <p:nvPr>
-            <p:ph idx="1" type="body"/>
+            <p:ph type="body" idx="1"/>
           </p:nvPr>
         </p:nvSpPr>
         <p:spPr>
@@ -3100,7 +3340,7 @@
           </a:prstGeom>
         </p:spPr>
         <p:txBody>
-          <a:bodyPr anchorCtr="0" anchor="t" bIns="91425" lIns="91425" rIns="91425" wrap="square" tIns="91425"/>
+          <a:bodyPr wrap="square" lIns="91425" tIns="91425" rIns="91425" bIns="91425" anchor="t" anchorCtr="0"/>
           <a:lstStyle>
             <a:lvl1pPr lvl="0">
               <a:spcBef>
@@ -3166,15 +3406,19 @@
               <a:defRPr sz="1200"/>
             </a:lvl9pPr>
           </a:lstStyle>
-          <a:p/>
+          <a:p>
+            <a:endParaRPr/>
+          </a:p>
         </p:txBody>
       </p:sp>
       <p:sp>
         <p:nvSpPr>
           <p:cNvPr id="35" name="Shape 35"/>
-          <p:cNvSpPr txBox="1"/>
+          <p:cNvSpPr txBox="1">
+            <a:spLocks noGrp="1"/>
+          </p:cNvSpPr>
           <p:nvPr>
-            <p:ph idx="12" type="sldNum"/>
+            <p:ph type="sldNum" idx="12"/>
           </p:nvPr>
         </p:nvSpPr>
         <p:spPr>
@@ -3187,7 +3431,7 @@
           </a:prstGeom>
         </p:spPr>
         <p:txBody>
-          <a:bodyPr anchorCtr="0" anchor="ctr" bIns="91425" lIns="91425" rIns="91425" wrap="square" tIns="91425">
+          <a:bodyPr wrap="square" lIns="91425" tIns="91425" rIns="91425" bIns="91425" anchor="ctr" anchorCtr="0">
             <a:noAutofit/>
           </a:bodyPr>
           <a:lstStyle/>
@@ -3202,6 +3446,7 @@
               <a:rPr lang="en"/>
               <a:t>‹#›</a:t>
             </a:fld>
+            <a:endParaRPr lang="en"/>
           </a:p>
         </p:txBody>
       </p:sp>
@@ -3214,18 +3459,19 @@
 </file>
 
 <file path=ppt/slideLayouts/slideLayout7.xml><?xml version="1.0" encoding="utf-8"?>
-<p:sldLayout xmlns:a="http://schemas.openxmlformats.org/drawingml/2006/main" xmlns:r="http://schemas.openxmlformats.org/officeDocument/2006/relationships" xmlns:mc="http://schemas.openxmlformats.org/markup-compatibility/2006" xmlns:mv="urn:schemas-microsoft-com:mac:vml" xmlns:p="http://schemas.openxmlformats.org/presentationml/2006/main" xmlns:c="http://schemas.openxmlformats.org/drawingml/2006/chart" xmlns:dgm="http://schemas.openxmlformats.org/drawingml/2006/diagram" xmlns:o="urn:schemas-microsoft-com:office:office" xmlns:v="urn:schemas-microsoft-com:vml" xmlns:pvml="urn:schemas-microsoft-com:office:powerpoint" xmlns:com="http://schemas.openxmlformats.org/drawingml/2006/compatibility" xmlns:p14="http://schemas.microsoft.com/office/powerpoint/2010/main" xmlns:p15="http://schemas.microsoft.com/office/powerpoint/2012/main">
+<p:sldLayout xmlns:a="http://schemas.openxmlformats.org/drawingml/2006/main" xmlns:r="http://schemas.openxmlformats.org/officeDocument/2006/relationships" xmlns:p="http://schemas.openxmlformats.org/presentationml/2006/main">
   <p:cSld name="Main point">
     <p:bg>
       <p:bgPr>
         <a:solidFill>
           <a:schemeClr val="lt2"/>
         </a:solidFill>
+        <a:effectLst/>
       </p:bgPr>
     </p:bg>
     <p:spTree>
       <p:nvGrpSpPr>
-        <p:cNvPr id="36" name="Shape 36"/>
+        <p:cNvPr id="1" name="Shape 36"/>
         <p:cNvGrpSpPr/>
         <p:nvPr/>
       </p:nvGrpSpPr>
@@ -3240,7 +3486,9 @@
       <p:sp>
         <p:nvSpPr>
           <p:cNvPr id="37" name="Shape 37"/>
-          <p:cNvSpPr txBox="1"/>
+          <p:cNvSpPr txBox="1">
+            <a:spLocks noGrp="1"/>
+          </p:cNvSpPr>
           <p:nvPr>
             <p:ph type="title"/>
           </p:nvPr>
@@ -3255,7 +3503,7 @@
           </a:prstGeom>
         </p:spPr>
         <p:txBody>
-          <a:bodyPr anchorCtr="0" anchor="ctr" bIns="91425" lIns="91425" rIns="91425" wrap="square" tIns="91425"/>
+          <a:bodyPr wrap="square" lIns="91425" tIns="91425" rIns="91425" bIns="91425" anchor="ctr" anchorCtr="0"/>
           <a:lstStyle>
             <a:lvl1pPr lvl="0">
               <a:spcBef>
@@ -3384,15 +3632,19 @@
               </a:defRPr>
             </a:lvl9pPr>
           </a:lstStyle>
-          <a:p/>
+          <a:p>
+            <a:endParaRPr/>
+          </a:p>
         </p:txBody>
       </p:sp>
       <p:sp>
         <p:nvSpPr>
           <p:cNvPr id="38" name="Shape 38"/>
-          <p:cNvSpPr txBox="1"/>
+          <p:cNvSpPr txBox="1">
+            <a:spLocks noGrp="1"/>
+          </p:cNvSpPr>
           <p:nvPr>
-            <p:ph idx="12" type="sldNum"/>
+            <p:ph type="sldNum" idx="12"/>
           </p:nvPr>
         </p:nvSpPr>
         <p:spPr>
@@ -3405,7 +3657,7 @@
           </a:prstGeom>
         </p:spPr>
         <p:txBody>
-          <a:bodyPr anchorCtr="0" anchor="ctr" bIns="91425" lIns="91425" rIns="91425" wrap="square" tIns="91425">
+          <a:bodyPr wrap="square" lIns="91425" tIns="91425" rIns="91425" bIns="91425" anchor="ctr" anchorCtr="0">
             <a:noAutofit/>
           </a:bodyPr>
           <a:lstStyle/>
@@ -3424,6 +3676,11 @@
               </a:rPr>
               <a:t>‹#›</a:t>
             </a:fld>
+            <a:endParaRPr lang="en">
+              <a:solidFill>
+                <a:schemeClr val="lt1"/>
+              </a:solidFill>
+            </a:endParaRPr>
           </a:p>
         </p:txBody>
       </p:sp>
@@ -3436,11 +3693,11 @@
 </file>
 
 <file path=ppt/slideLayouts/slideLayout8.xml><?xml version="1.0" encoding="utf-8"?>
-<p:sldLayout xmlns:a="http://schemas.openxmlformats.org/drawingml/2006/main" xmlns:r="http://schemas.openxmlformats.org/officeDocument/2006/relationships" xmlns:mc="http://schemas.openxmlformats.org/markup-compatibility/2006" xmlns:mv="urn:schemas-microsoft-com:mac:vml" xmlns:p="http://schemas.openxmlformats.org/presentationml/2006/main" xmlns:c="http://schemas.openxmlformats.org/drawingml/2006/chart" xmlns:dgm="http://schemas.openxmlformats.org/drawingml/2006/diagram" xmlns:o="urn:schemas-microsoft-com:office:office" xmlns:v="urn:schemas-microsoft-com:vml" xmlns:pvml="urn:schemas-microsoft-com:office:powerpoint" xmlns:com="http://schemas.openxmlformats.org/drawingml/2006/compatibility" xmlns:p14="http://schemas.microsoft.com/office/powerpoint/2010/main" xmlns:p15="http://schemas.microsoft.com/office/powerpoint/2012/main">
+<p:sldLayout xmlns:a="http://schemas.openxmlformats.org/drawingml/2006/main" xmlns:r="http://schemas.openxmlformats.org/officeDocument/2006/relationships" xmlns:p="http://schemas.openxmlformats.org/presentationml/2006/main">
   <p:cSld name="Section title and description">
     <p:spTree>
       <p:nvGrpSpPr>
-        <p:cNvPr id="39" name="Shape 39"/>
+        <p:cNvPr id="1" name="Shape 39"/>
         <p:cNvGrpSpPr/>
         <p:nvPr/>
       </p:nvGrpSpPr>
@@ -3474,7 +3731,7 @@
           </a:ln>
         </p:spPr>
         <p:txBody>
-          <a:bodyPr anchorCtr="0" anchor="ctr" bIns="91425" lIns="91425" rIns="91425" wrap="square" tIns="91425">
+          <a:bodyPr wrap="square" lIns="91425" tIns="91425" rIns="91425" bIns="91425" anchor="ctr" anchorCtr="0">
             <a:noAutofit/>
           </a:bodyPr>
           <a:lstStyle/>
@@ -3485,9 +3742,6 @@
               </a:spcBef>
               <a:buNone/>
             </a:pPr>
-            <a:r>
-              <a:t/>
-            </a:r>
             <a:endParaRPr/>
           </a:p>
         </p:txBody>
@@ -3507,21 +3761,23 @@
             <a:avLst/>
           </a:prstGeom>
           <a:noFill/>
-          <a:ln cap="flat" cmpd="sng" w="19050">
+          <a:ln w="19050" cap="flat" cmpd="sng">
             <a:solidFill>
               <a:schemeClr val="lt1"/>
             </a:solidFill>
             <a:prstDash val="solid"/>
             <a:round/>
-            <a:headEnd len="med" w="med" type="none"/>
-            <a:tailEnd len="med" w="med" type="none"/>
+            <a:headEnd type="none" w="med" len="med"/>
+            <a:tailEnd type="none" w="med" len="med"/>
           </a:ln>
         </p:spPr>
       </p:cxnSp>
       <p:sp>
         <p:nvSpPr>
           <p:cNvPr id="42" name="Shape 42"/>
-          <p:cNvSpPr txBox="1"/>
+          <p:cNvSpPr txBox="1">
+            <a:spLocks noGrp="1"/>
+          </p:cNvSpPr>
           <p:nvPr>
             <p:ph type="title"/>
           </p:nvPr>
@@ -3536,7 +3792,7 @@
           </a:prstGeom>
         </p:spPr>
         <p:txBody>
-          <a:bodyPr anchorCtr="0" anchor="b" bIns="91425" lIns="91425" rIns="91425" wrap="square" tIns="91425"/>
+          <a:bodyPr wrap="square" lIns="91425" tIns="91425" rIns="91425" bIns="91425" anchor="b" anchorCtr="0"/>
           <a:lstStyle>
             <a:lvl1pPr lvl="0" algn="ctr">
               <a:spcBef>
@@ -3602,15 +3858,19 @@
               <a:defRPr sz="4200"/>
             </a:lvl9pPr>
           </a:lstStyle>
-          <a:p/>
+          <a:p>
+            <a:endParaRPr/>
+          </a:p>
         </p:txBody>
       </p:sp>
       <p:sp>
         <p:nvSpPr>
           <p:cNvPr id="43" name="Shape 43"/>
-          <p:cNvSpPr txBox="1"/>
+          <p:cNvSpPr txBox="1">
+            <a:spLocks noGrp="1"/>
+          </p:cNvSpPr>
           <p:nvPr>
-            <p:ph idx="1" type="subTitle"/>
+            <p:ph type="subTitle" idx="1"/>
           </p:nvPr>
         </p:nvSpPr>
         <p:spPr>
@@ -3623,7 +3883,7 @@
           </a:prstGeom>
         </p:spPr>
         <p:txBody>
-          <a:bodyPr anchorCtr="0" anchor="t" bIns="91425" lIns="91425" rIns="91425" wrap="square" tIns="91425"/>
+          <a:bodyPr wrap="square" lIns="91425" tIns="91425" rIns="91425" bIns="91425" anchor="t" anchorCtr="0"/>
           <a:lstStyle>
             <a:lvl1pPr lvl="0" algn="ctr">
               <a:lnSpc>
@@ -3815,15 +4075,19 @@
               </a:defRPr>
             </a:lvl9pPr>
           </a:lstStyle>
-          <a:p/>
+          <a:p>
+            <a:endParaRPr/>
+          </a:p>
         </p:txBody>
       </p:sp>
       <p:sp>
         <p:nvSpPr>
           <p:cNvPr id="44" name="Shape 44"/>
-          <p:cNvSpPr txBox="1"/>
+          <p:cNvSpPr txBox="1">
+            <a:spLocks noGrp="1"/>
+          </p:cNvSpPr>
           <p:nvPr>
-            <p:ph idx="2" type="body"/>
+            <p:ph type="body" idx="2"/>
           </p:nvPr>
         </p:nvSpPr>
         <p:spPr>
@@ -3836,7 +4100,7 @@
           </a:prstGeom>
         </p:spPr>
         <p:txBody>
-          <a:bodyPr anchorCtr="0" anchor="ctr" bIns="91425" lIns="91425" rIns="91425" wrap="square" tIns="91425"/>
+          <a:bodyPr wrap="square" lIns="91425" tIns="91425" rIns="91425" bIns="91425" anchor="ctr" anchorCtr="0"/>
           <a:lstStyle>
             <a:lvl1pPr lvl="0">
               <a:spcBef>
@@ -3956,15 +4220,19 @@
               </a:defRPr>
             </a:lvl9pPr>
           </a:lstStyle>
-          <a:p/>
+          <a:p>
+            <a:endParaRPr/>
+          </a:p>
         </p:txBody>
       </p:sp>
       <p:sp>
         <p:nvSpPr>
           <p:cNvPr id="45" name="Shape 45"/>
-          <p:cNvSpPr txBox="1"/>
+          <p:cNvSpPr txBox="1">
+            <a:spLocks noGrp="1"/>
+          </p:cNvSpPr>
           <p:nvPr>
-            <p:ph idx="12" type="sldNum"/>
+            <p:ph type="sldNum" idx="12"/>
           </p:nvPr>
         </p:nvSpPr>
         <p:spPr>
@@ -3977,7 +4245,7 @@
           </a:prstGeom>
         </p:spPr>
         <p:txBody>
-          <a:bodyPr anchorCtr="0" anchor="ctr" bIns="91425" lIns="91425" rIns="91425" wrap="square" tIns="91425">
+          <a:bodyPr wrap="square" lIns="91425" tIns="91425" rIns="91425" bIns="91425" anchor="ctr" anchorCtr="0">
             <a:noAutofit/>
           </a:bodyPr>
           <a:lstStyle/>
@@ -3996,6 +4264,11 @@
               </a:rPr>
               <a:t>‹#›</a:t>
             </a:fld>
+            <a:endParaRPr lang="en">
+              <a:solidFill>
+                <a:schemeClr val="lt1"/>
+              </a:solidFill>
+            </a:endParaRPr>
           </a:p>
         </p:txBody>
       </p:sp>
@@ -4008,11 +4281,11 @@
 </file>
 
 <file path=ppt/slideLayouts/slideLayout9.xml><?xml version="1.0" encoding="utf-8"?>
-<p:sldLayout xmlns:a="http://schemas.openxmlformats.org/drawingml/2006/main" xmlns:r="http://schemas.openxmlformats.org/officeDocument/2006/relationships" xmlns:mc="http://schemas.openxmlformats.org/markup-compatibility/2006" xmlns:mv="urn:schemas-microsoft-com:mac:vml" xmlns:p="http://schemas.openxmlformats.org/presentationml/2006/main" xmlns:c="http://schemas.openxmlformats.org/drawingml/2006/chart" xmlns:dgm="http://schemas.openxmlformats.org/drawingml/2006/diagram" xmlns:o="urn:schemas-microsoft-com:office:office" xmlns:v="urn:schemas-microsoft-com:vml" xmlns:pvml="urn:schemas-microsoft-com:office:powerpoint" xmlns:com="http://schemas.openxmlformats.org/drawingml/2006/compatibility" xmlns:p14="http://schemas.microsoft.com/office/powerpoint/2010/main" xmlns:p15="http://schemas.microsoft.com/office/powerpoint/2012/main">
+<p:sldLayout xmlns:a="http://schemas.openxmlformats.org/drawingml/2006/main" xmlns:r="http://schemas.openxmlformats.org/officeDocument/2006/relationships" xmlns:p="http://schemas.openxmlformats.org/presentationml/2006/main">
   <p:cSld name="Caption">
     <p:spTree>
       <p:nvGrpSpPr>
-        <p:cNvPr id="46" name="Shape 46"/>
+        <p:cNvPr id="1" name="Shape 46"/>
         <p:cNvGrpSpPr/>
         <p:nvPr/>
       </p:nvGrpSpPr>
@@ -4027,9 +4300,11 @@
       <p:sp>
         <p:nvSpPr>
           <p:cNvPr id="47" name="Shape 47"/>
-          <p:cNvSpPr txBox="1"/>
+          <p:cNvSpPr txBox="1">
+            <a:spLocks noGrp="1"/>
+          </p:cNvSpPr>
           <p:nvPr>
-            <p:ph idx="1" type="body"/>
+            <p:ph type="body" idx="1"/>
           </p:nvPr>
         </p:nvSpPr>
         <p:spPr>
@@ -4042,7 +4317,7 @@
           </a:prstGeom>
         </p:spPr>
         <p:txBody>
-          <a:bodyPr anchorCtr="0" anchor="ctr" bIns="91425" lIns="91425" rIns="91425" wrap="square" tIns="91425"/>
+          <a:bodyPr wrap="square" lIns="91425" tIns="91425" rIns="91425" bIns="91425" anchor="ctr" anchorCtr="0"/>
           <a:lstStyle>
             <a:lvl1pPr lvl="0">
               <a:lnSpc>
@@ -4071,15 +4346,19 @@
               </a:defRPr>
             </a:lvl1pPr>
           </a:lstStyle>
-          <a:p/>
+          <a:p>
+            <a:endParaRPr/>
+          </a:p>
         </p:txBody>
       </p:sp>
       <p:sp>
         <p:nvSpPr>
           <p:cNvPr id="48" name="Shape 48"/>
-          <p:cNvSpPr txBox="1"/>
+          <p:cNvSpPr txBox="1">
+            <a:spLocks noGrp="1"/>
+          </p:cNvSpPr>
           <p:nvPr>
-            <p:ph idx="12" type="sldNum"/>
+            <p:ph type="sldNum" idx="12"/>
           </p:nvPr>
         </p:nvSpPr>
         <p:spPr>
@@ -4092,7 +4371,7 @@
           </a:prstGeom>
         </p:spPr>
         <p:txBody>
-          <a:bodyPr anchorCtr="0" anchor="ctr" bIns="91425" lIns="91425" rIns="91425" wrap="square" tIns="91425">
+          <a:bodyPr wrap="square" lIns="91425" tIns="91425" rIns="91425" bIns="91425" anchor="ctr" anchorCtr="0">
             <a:noAutofit/>
           </a:bodyPr>
           <a:lstStyle/>
@@ -4107,6 +4386,7 @@
               <a:rPr lang="en"/>
               <a:t>‹#›</a:t>
             </a:fld>
+            <a:endParaRPr lang="en"/>
           </a:p>
         </p:txBody>
       </p:sp>
@@ -4119,18 +4399,19 @@
 </file>
 
 <file path=ppt/slideMasters/slideMaster1.xml><?xml version="1.0" encoding="utf-8"?>
-<p:sldMaster xmlns:a="http://schemas.openxmlformats.org/drawingml/2006/main" xmlns:r="http://schemas.openxmlformats.org/officeDocument/2006/relationships" xmlns:mc="http://schemas.openxmlformats.org/markup-compatibility/2006" xmlns:mv="urn:schemas-microsoft-com:mac:vml" xmlns:p="http://schemas.openxmlformats.org/presentationml/2006/main" xmlns:c="http://schemas.openxmlformats.org/drawingml/2006/chart" xmlns:dgm="http://schemas.openxmlformats.org/drawingml/2006/diagram" xmlns:o="urn:schemas-microsoft-com:office:office" xmlns:v="urn:schemas-microsoft-com:vml" xmlns:pvml="urn:schemas-microsoft-com:office:powerpoint" xmlns:com="http://schemas.openxmlformats.org/drawingml/2006/compatibility" xmlns:p14="http://schemas.microsoft.com/office/powerpoint/2010/main" xmlns:p15="http://schemas.microsoft.com/office/powerpoint/2012/main">
+<p:sldMaster xmlns:a="http://schemas.openxmlformats.org/drawingml/2006/main" xmlns:r="http://schemas.openxmlformats.org/officeDocument/2006/relationships" xmlns:p="http://schemas.openxmlformats.org/presentationml/2006/main">
   <p:cSld name="slate">
     <p:bg>
       <p:bgPr>
         <a:solidFill>
           <a:schemeClr val="lt1"/>
         </a:solidFill>
+        <a:effectLst/>
       </p:bgPr>
     </p:bg>
     <p:spTree>
       <p:nvGrpSpPr>
-        <p:cNvPr id="5" name="Shape 5"/>
+        <p:cNvPr id="1" name="Shape 5"/>
         <p:cNvGrpSpPr/>
         <p:nvPr/>
       </p:nvGrpSpPr>
@@ -4145,7 +4426,9 @@
       <p:sp>
         <p:nvSpPr>
           <p:cNvPr id="6" name="Shape 6"/>
-          <p:cNvSpPr txBox="1"/>
+          <p:cNvSpPr txBox="1">
+            <a:spLocks noGrp="1"/>
+          </p:cNvSpPr>
           <p:nvPr>
             <p:ph type="title"/>
           </p:nvPr>
@@ -4164,7 +4447,7 @@
           </a:ln>
         </p:spPr>
         <p:txBody>
-          <a:bodyPr anchorCtr="0" anchor="t" bIns="91425" lIns="91425" rIns="91425" wrap="square" tIns="91425"/>
+          <a:bodyPr wrap="square" lIns="91425" tIns="91425" rIns="91425" bIns="91425" anchor="t" anchorCtr="0"/>
           <a:lstStyle>
             <a:lvl1pPr lvl="0">
               <a:spcBef>
@@ -4347,15 +4630,19 @@
               </a:defRPr>
             </a:lvl9pPr>
           </a:lstStyle>
-          <a:p/>
+          <a:p>
+            <a:endParaRPr/>
+          </a:p>
         </p:txBody>
       </p:sp>
       <p:sp>
         <p:nvSpPr>
           <p:cNvPr id="7" name="Shape 7"/>
-          <p:cNvSpPr txBox="1"/>
+          <p:cNvSpPr txBox="1">
+            <a:spLocks noGrp="1"/>
+          </p:cNvSpPr>
           <p:nvPr>
-            <p:ph idx="1" type="body"/>
+            <p:ph type="body" idx="1"/>
           </p:nvPr>
         </p:nvSpPr>
         <p:spPr>
@@ -4372,7 +4659,7 @@
           </a:ln>
         </p:spPr>
         <p:txBody>
-          <a:bodyPr anchorCtr="0" anchor="t" bIns="91425" lIns="91425" rIns="91425" wrap="square" tIns="91425"/>
+          <a:bodyPr wrap="square" lIns="91425" tIns="91425" rIns="91425" bIns="91425" anchor="t" anchorCtr="0"/>
           <a:lstStyle>
             <a:lvl1pPr lvl="0">
               <a:lnSpc>
@@ -4601,15 +4888,19 @@
               </a:defRPr>
             </a:lvl9pPr>
           </a:lstStyle>
-          <a:p/>
+          <a:p>
+            <a:endParaRPr/>
+          </a:p>
         </p:txBody>
       </p:sp>
       <p:sp>
         <p:nvSpPr>
           <p:cNvPr id="8" name="Shape 8"/>
-          <p:cNvSpPr txBox="1"/>
+          <p:cNvSpPr txBox="1">
+            <a:spLocks noGrp="1"/>
+          </p:cNvSpPr>
           <p:nvPr>
-            <p:ph idx="12" type="sldNum"/>
+            <p:ph type="sldNum" idx="12"/>
           </p:nvPr>
         </p:nvSpPr>
         <p:spPr>
@@ -4626,7 +4917,7 @@
           </a:ln>
         </p:spPr>
         <p:txBody>
-          <a:bodyPr anchorCtr="0" anchor="ctr" bIns="91425" lIns="91425" rIns="91425" wrap="square" tIns="91425">
+          <a:bodyPr wrap="square" lIns="91425" tIns="91425" rIns="91425" bIns="91425" anchor="ctr" anchorCtr="0">
             <a:noAutofit/>
           </a:bodyPr>
           <a:lstStyle/>
@@ -4649,12 +4940,21 @@
               </a:rPr>
               <a:t>‹#›</a:t>
             </a:fld>
+            <a:endParaRPr lang="en" sz="1000">
+              <a:solidFill>
+                <a:schemeClr val="accent3"/>
+              </a:solidFill>
+              <a:latin typeface="Average"/>
+              <a:ea typeface="Average"/>
+              <a:cs typeface="Average"/>
+              <a:sym typeface="Average"/>
+            </a:endParaRPr>
           </a:p>
         </p:txBody>
       </p:sp>
     </p:spTree>
   </p:cSld>
-  <p:clrMap accent1="accent1" accent2="accent2" accent3="accent3" accent4="accent4" accent5="accent5" accent6="accent6" bg1="lt1" bg2="dk2" tx1="dk1" tx2="lt2" folHlink="folHlink" hlink="hlink"/>
+  <p:clrMap bg1="lt1" tx1="dk1" bg2="dk2" tx2="lt2" accent1="accent1" accent2="accent2" accent3="accent3" accent4="accent4" accent5="accent5" accent6="accent6" hlink="hlink" folHlink="folHlink"/>
   <p:sldLayoutIdLst>
     <p:sldLayoutId id="2147483648" r:id="rId1"/>
     <p:sldLayoutId id="2147483649" r:id="rId2"/>
@@ -4668,10 +4968,10 @@
     <p:sldLayoutId id="2147483657" r:id="rId10"/>
     <p:sldLayoutId id="2147483658" r:id="rId11"/>
   </p:sldLayoutIdLst>
-  <p:hf dt="0" ftr="0" hdr="0" sldNum="0"/>
+  <p:hf sldNum="0" hdr="0" ftr="0" dt="0"/>
   <p:txStyles>
     <p:titleStyle>
-      <a:defPPr lvl="0" marR="0" rtl="0" algn="l">
+      <a:defPPr marR="0" lvl="0" algn="l" rtl="0">
         <a:lnSpc>
           <a:spcPct val="100000"/>
         </a:lnSpc>
@@ -4682,7 +4982,7 @@
           <a:spcPts val="0"/>
         </a:spcAft>
       </a:defPPr>
-      <a:lvl1pPr lvl="0" marR="0" rtl="0" algn="l">
+      <a:lvl1pPr marR="0" lvl="0" algn="l" rtl="0">
         <a:lnSpc>
           <a:spcPct val="100000"/>
         </a:lnSpc>
@@ -4693,7 +4993,7 @@
           <a:spcPts val="0"/>
         </a:spcAft>
         <a:buNone/>
-        <a:defRPr b="0" i="0" sz="1400" u="none" cap="none" strike="noStrike">
+        <a:defRPr sz="1400" b="0" i="0" u="none" strike="noStrike" cap="none">
           <a:solidFill>
             <a:srgbClr val="000000"/>
           </a:solidFill>
@@ -4705,7 +5005,7 @@
       </a:lvl1pPr>
     </p:titleStyle>
     <p:bodyStyle>
-      <a:defPPr lvl="0" marR="0" rtl="0" algn="l">
+      <a:defPPr marR="0" lvl="0" algn="l" rtl="0">
         <a:lnSpc>
           <a:spcPct val="100000"/>
         </a:lnSpc>
@@ -4716,7 +5016,7 @@
           <a:spcPts val="0"/>
         </a:spcAft>
       </a:defPPr>
-      <a:lvl1pPr lvl="0" marR="0" rtl="0" algn="l">
+      <a:lvl1pPr marR="0" lvl="0" algn="l" rtl="0">
         <a:lnSpc>
           <a:spcPct val="100000"/>
         </a:lnSpc>
@@ -4727,7 +5027,7 @@
           <a:spcPts val="0"/>
         </a:spcAft>
         <a:buNone/>
-        <a:defRPr b="0" i="0" sz="1400" u="none" cap="none" strike="noStrike">
+        <a:defRPr sz="1400" b="0" i="0" u="none" strike="noStrike" cap="none">
           <a:solidFill>
             <a:srgbClr val="000000"/>
           </a:solidFill>
@@ -4737,7 +5037,7 @@
           <a:sym typeface="Arial"/>
         </a:defRPr>
       </a:lvl1pPr>
-      <a:lvl2pPr lvl="1" marR="0" rtl="0" algn="l">
+      <a:lvl2pPr marR="0" lvl="1" algn="l" rtl="0">
         <a:lnSpc>
           <a:spcPct val="100000"/>
         </a:lnSpc>
@@ -4748,7 +5048,7 @@
           <a:spcPts val="0"/>
         </a:spcAft>
         <a:buNone/>
-        <a:defRPr b="0" i="0" sz="1400" u="none" cap="none" strike="noStrike">
+        <a:defRPr sz="1400" b="0" i="0" u="none" strike="noStrike" cap="none">
           <a:solidFill>
             <a:srgbClr val="000000"/>
           </a:solidFill>
@@ -4758,7 +5058,7 @@
           <a:sym typeface="Arial"/>
         </a:defRPr>
       </a:lvl2pPr>
-      <a:lvl3pPr lvl="2" marR="0" rtl="0" algn="l">
+      <a:lvl3pPr marR="0" lvl="2" algn="l" rtl="0">
         <a:lnSpc>
           <a:spcPct val="100000"/>
         </a:lnSpc>
@@ -4769,7 +5069,7 @@
           <a:spcPts val="0"/>
         </a:spcAft>
         <a:buNone/>
-        <a:defRPr b="0" i="0" sz="1400" u="none" cap="none" strike="noStrike">
+        <a:defRPr sz="1400" b="0" i="0" u="none" strike="noStrike" cap="none">
           <a:solidFill>
             <a:srgbClr val="000000"/>
           </a:solidFill>
@@ -4779,7 +5079,7 @@
           <a:sym typeface="Arial"/>
         </a:defRPr>
       </a:lvl3pPr>
-      <a:lvl4pPr lvl="3" marR="0" rtl="0" algn="l">
+      <a:lvl4pPr marR="0" lvl="3" algn="l" rtl="0">
         <a:lnSpc>
           <a:spcPct val="100000"/>
         </a:lnSpc>
@@ -4790,7 +5090,7 @@
           <a:spcPts val="0"/>
         </a:spcAft>
         <a:buNone/>
-        <a:defRPr b="0" i="0" sz="1400" u="none" cap="none" strike="noStrike">
+        <a:defRPr sz="1400" b="0" i="0" u="none" strike="noStrike" cap="none">
           <a:solidFill>
             <a:srgbClr val="000000"/>
           </a:solidFill>
@@ -4800,7 +5100,7 @@
           <a:sym typeface="Arial"/>
         </a:defRPr>
       </a:lvl4pPr>
-      <a:lvl5pPr lvl="4" marR="0" rtl="0" algn="l">
+      <a:lvl5pPr marR="0" lvl="4" algn="l" rtl="0">
         <a:lnSpc>
           <a:spcPct val="100000"/>
         </a:lnSpc>
@@ -4811,7 +5111,7 @@
           <a:spcPts val="0"/>
         </a:spcAft>
         <a:buNone/>
-        <a:defRPr b="0" i="0" sz="1400" u="none" cap="none" strike="noStrike">
+        <a:defRPr sz="1400" b="0" i="0" u="none" strike="noStrike" cap="none">
           <a:solidFill>
             <a:srgbClr val="000000"/>
           </a:solidFill>
@@ -4821,7 +5121,7 @@
           <a:sym typeface="Arial"/>
         </a:defRPr>
       </a:lvl5pPr>
-      <a:lvl6pPr lvl="5" marR="0" rtl="0" algn="l">
+      <a:lvl6pPr marR="0" lvl="5" algn="l" rtl="0">
         <a:lnSpc>
           <a:spcPct val="100000"/>
         </a:lnSpc>
@@ -4832,7 +5132,7 @@
           <a:spcPts val="0"/>
         </a:spcAft>
         <a:buNone/>
-        <a:defRPr b="0" i="0" sz="1400" u="none" cap="none" strike="noStrike">
+        <a:defRPr sz="1400" b="0" i="0" u="none" strike="noStrike" cap="none">
           <a:solidFill>
             <a:srgbClr val="000000"/>
           </a:solidFill>
@@ -4842,7 +5142,7 @@
           <a:sym typeface="Arial"/>
         </a:defRPr>
       </a:lvl6pPr>
-      <a:lvl7pPr lvl="6" marR="0" rtl="0" algn="l">
+      <a:lvl7pPr marR="0" lvl="6" algn="l" rtl="0">
         <a:lnSpc>
           <a:spcPct val="100000"/>
         </a:lnSpc>
@@ -4853,7 +5153,7 @@
           <a:spcPts val="0"/>
         </a:spcAft>
         <a:buNone/>
-        <a:defRPr b="0" i="0" sz="1400" u="none" cap="none" strike="noStrike">
+        <a:defRPr sz="1400" b="0" i="0" u="none" strike="noStrike" cap="none">
           <a:solidFill>
             <a:srgbClr val="000000"/>
           </a:solidFill>
@@ -4863,7 +5163,7 @@
           <a:sym typeface="Arial"/>
         </a:defRPr>
       </a:lvl7pPr>
-      <a:lvl8pPr lvl="7" marR="0" rtl="0" algn="l">
+      <a:lvl8pPr marR="0" lvl="7" algn="l" rtl="0">
         <a:lnSpc>
           <a:spcPct val="100000"/>
         </a:lnSpc>
@@ -4874,7 +5174,7 @@
           <a:spcPts val="0"/>
         </a:spcAft>
         <a:buNone/>
-        <a:defRPr b="0" i="0" sz="1400" u="none" cap="none" strike="noStrike">
+        <a:defRPr sz="1400" b="0" i="0" u="none" strike="noStrike" cap="none">
           <a:solidFill>
             <a:srgbClr val="000000"/>
           </a:solidFill>
@@ -4884,7 +5184,7 @@
           <a:sym typeface="Arial"/>
         </a:defRPr>
       </a:lvl8pPr>
-      <a:lvl9pPr lvl="8" marR="0" rtl="0" algn="l">
+      <a:lvl9pPr marR="0" lvl="8" algn="l" rtl="0">
         <a:lnSpc>
           <a:spcPct val="100000"/>
         </a:lnSpc>
@@ -4895,7 +5195,7 @@
           <a:spcPts val="0"/>
         </a:spcAft>
         <a:buNone/>
-        <a:defRPr b="0" i="0" sz="1400" u="none" cap="none" strike="noStrike">
+        <a:defRPr sz="1400" b="0" i="0" u="none" strike="noStrike" cap="none">
           <a:solidFill>
             <a:srgbClr val="000000"/>
           </a:solidFill>
@@ -4907,7 +5207,7 @@
       </a:lvl9pPr>
     </p:bodyStyle>
     <p:otherStyle>
-      <a:defPPr lvl="0" marR="0" rtl="0" algn="l">
+      <a:defPPr marR="0" lvl="0" algn="l" rtl="0">
         <a:lnSpc>
           <a:spcPct val="100000"/>
         </a:lnSpc>
@@ -4918,7 +5218,7 @@
           <a:spcPts val="0"/>
         </a:spcAft>
       </a:defPPr>
-      <a:lvl1pPr lvl="0" marR="0" rtl="0" algn="l">
+      <a:lvl1pPr marR="0" lvl="0" algn="l" rtl="0">
         <a:lnSpc>
           <a:spcPct val="100000"/>
         </a:lnSpc>
@@ -4929,7 +5229,7 @@
           <a:spcPts val="0"/>
         </a:spcAft>
         <a:buNone/>
-        <a:defRPr b="0" i="0" sz="1400" u="none" cap="none" strike="noStrike">
+        <a:defRPr sz="1400" b="0" i="0" u="none" strike="noStrike" cap="none">
           <a:solidFill>
             <a:srgbClr val="000000"/>
           </a:solidFill>
@@ -4939,7 +5239,7 @@
           <a:sym typeface="Arial"/>
         </a:defRPr>
       </a:lvl1pPr>
-      <a:lvl2pPr lvl="1" marR="0" rtl="0" algn="l">
+      <a:lvl2pPr marR="0" lvl="1" algn="l" rtl="0">
         <a:lnSpc>
           <a:spcPct val="100000"/>
         </a:lnSpc>
@@ -4950,7 +5250,7 @@
           <a:spcPts val="0"/>
         </a:spcAft>
         <a:buNone/>
-        <a:defRPr b="0" i="0" sz="1400" u="none" cap="none" strike="noStrike">
+        <a:defRPr sz="1400" b="0" i="0" u="none" strike="noStrike" cap="none">
           <a:solidFill>
             <a:srgbClr val="000000"/>
           </a:solidFill>
@@ -4960,7 +5260,7 @@
           <a:sym typeface="Arial"/>
         </a:defRPr>
       </a:lvl2pPr>
-      <a:lvl3pPr lvl="2" marR="0" rtl="0" algn="l">
+      <a:lvl3pPr marR="0" lvl="2" algn="l" rtl="0">
         <a:lnSpc>
           <a:spcPct val="100000"/>
         </a:lnSpc>
@@ -4971,7 +5271,7 @@
           <a:spcPts val="0"/>
         </a:spcAft>
         <a:buNone/>
-        <a:defRPr b="0" i="0" sz="1400" u="none" cap="none" strike="noStrike">
+        <a:defRPr sz="1400" b="0" i="0" u="none" strike="noStrike" cap="none">
           <a:solidFill>
             <a:srgbClr val="000000"/>
           </a:solidFill>
@@ -4981,7 +5281,7 @@
           <a:sym typeface="Arial"/>
         </a:defRPr>
       </a:lvl3pPr>
-      <a:lvl4pPr lvl="3" marR="0" rtl="0" algn="l">
+      <a:lvl4pPr marR="0" lvl="3" algn="l" rtl="0">
         <a:lnSpc>
           <a:spcPct val="100000"/>
         </a:lnSpc>
@@ -4992,7 +5292,7 @@
           <a:spcPts val="0"/>
         </a:spcAft>
         <a:buNone/>
-        <a:defRPr b="0" i="0" sz="1400" u="none" cap="none" strike="noStrike">
+        <a:defRPr sz="1400" b="0" i="0" u="none" strike="noStrike" cap="none">
           <a:solidFill>
             <a:srgbClr val="000000"/>
           </a:solidFill>
@@ -5002,7 +5302,7 @@
           <a:sym typeface="Arial"/>
         </a:defRPr>
       </a:lvl4pPr>
-      <a:lvl5pPr lvl="4" marR="0" rtl="0" algn="l">
+      <a:lvl5pPr marR="0" lvl="4" algn="l" rtl="0">
         <a:lnSpc>
           <a:spcPct val="100000"/>
         </a:lnSpc>
@@ -5013,7 +5313,7 @@
           <a:spcPts val="0"/>
         </a:spcAft>
         <a:buNone/>
-        <a:defRPr b="0" i="0" sz="1400" u="none" cap="none" strike="noStrike">
+        <a:defRPr sz="1400" b="0" i="0" u="none" strike="noStrike" cap="none">
           <a:solidFill>
             <a:srgbClr val="000000"/>
           </a:solidFill>
@@ -5023,7 +5323,7 @@
           <a:sym typeface="Arial"/>
         </a:defRPr>
       </a:lvl5pPr>
-      <a:lvl6pPr lvl="5" marR="0" rtl="0" algn="l">
+      <a:lvl6pPr marR="0" lvl="5" algn="l" rtl="0">
         <a:lnSpc>
           <a:spcPct val="100000"/>
         </a:lnSpc>
@@ -5034,7 +5334,7 @@
           <a:spcPts val="0"/>
         </a:spcAft>
         <a:buNone/>
-        <a:defRPr b="0" i="0" sz="1400" u="none" cap="none" strike="noStrike">
+        <a:defRPr sz="1400" b="0" i="0" u="none" strike="noStrike" cap="none">
           <a:solidFill>
             <a:srgbClr val="000000"/>
           </a:solidFill>
@@ -5044,7 +5344,7 @@
           <a:sym typeface="Arial"/>
         </a:defRPr>
       </a:lvl6pPr>
-      <a:lvl7pPr lvl="6" marR="0" rtl="0" algn="l">
+      <a:lvl7pPr marR="0" lvl="6" algn="l" rtl="0">
         <a:lnSpc>
           <a:spcPct val="100000"/>
         </a:lnSpc>
@@ -5055,7 +5355,7 @@
           <a:spcPts val="0"/>
         </a:spcAft>
         <a:buNone/>
-        <a:defRPr b="0" i="0" sz="1400" u="none" cap="none" strike="noStrike">
+        <a:defRPr sz="1400" b="0" i="0" u="none" strike="noStrike" cap="none">
           <a:solidFill>
             <a:srgbClr val="000000"/>
           </a:solidFill>
@@ -5065,7 +5365,7 @@
           <a:sym typeface="Arial"/>
         </a:defRPr>
       </a:lvl7pPr>
-      <a:lvl8pPr lvl="7" marR="0" rtl="0" algn="l">
+      <a:lvl8pPr marR="0" lvl="7" algn="l" rtl="0">
         <a:lnSpc>
           <a:spcPct val="100000"/>
         </a:lnSpc>
@@ -5076,7 +5376,7 @@
           <a:spcPts val="0"/>
         </a:spcAft>
         <a:buNone/>
-        <a:defRPr b="0" i="0" sz="1400" u="none" cap="none" strike="noStrike">
+        <a:defRPr sz="1400" b="0" i="0" u="none" strike="noStrike" cap="none">
           <a:solidFill>
             <a:srgbClr val="000000"/>
           </a:solidFill>
@@ -5086,7 +5386,7 @@
           <a:sym typeface="Arial"/>
         </a:defRPr>
       </a:lvl8pPr>
-      <a:lvl9pPr lvl="8" marR="0" rtl="0" algn="l">
+      <a:lvl9pPr marR="0" lvl="8" algn="l" rtl="0">
         <a:lnSpc>
           <a:spcPct val="100000"/>
         </a:lnSpc>
@@ -5097,7 +5397,7 @@
           <a:spcPts val="0"/>
         </a:spcAft>
         <a:buNone/>
-        <a:defRPr b="0" i="0" sz="1400" u="none" cap="none" strike="noStrike">
+        <a:defRPr sz="1400" b="0" i="0" u="none" strike="noStrike" cap="none">
           <a:solidFill>
             <a:srgbClr val="000000"/>
           </a:solidFill>
@@ -5113,11 +5413,11 @@
 </file>
 
 <file path=ppt/slides/slide1.xml><?xml version="1.0" encoding="utf-8"?>
-<p:sld xmlns:a="http://schemas.openxmlformats.org/drawingml/2006/main" xmlns:r="http://schemas.openxmlformats.org/officeDocument/2006/relationships" xmlns:mc="http://schemas.openxmlformats.org/markup-compatibility/2006" xmlns:mv="urn:schemas-microsoft-com:mac:vml" xmlns:p="http://schemas.openxmlformats.org/presentationml/2006/main" xmlns:c="http://schemas.openxmlformats.org/drawingml/2006/chart" xmlns:dgm="http://schemas.openxmlformats.org/drawingml/2006/diagram" xmlns:o="urn:schemas-microsoft-com:office:office" xmlns:v="urn:schemas-microsoft-com:vml" xmlns:pvml="urn:schemas-microsoft-com:office:powerpoint" xmlns:com="http://schemas.openxmlformats.org/drawingml/2006/compatibility" xmlns:p14="http://schemas.microsoft.com/office/powerpoint/2010/main" xmlns:p15="http://schemas.microsoft.com/office/powerpoint/2012/main">
+<p:sld xmlns:a="http://schemas.openxmlformats.org/drawingml/2006/main" xmlns:r="http://schemas.openxmlformats.org/officeDocument/2006/relationships" xmlns:p="http://schemas.openxmlformats.org/presentationml/2006/main">
   <p:cSld>
     <p:spTree>
       <p:nvGrpSpPr>
-        <p:cNvPr id="58" name="Shape 58"/>
+        <p:cNvPr id="1" name="Shape 58"/>
         <p:cNvGrpSpPr/>
         <p:nvPr/>
       </p:nvGrpSpPr>
@@ -5132,7 +5432,9 @@
       <p:sp>
         <p:nvSpPr>
           <p:cNvPr id="59" name="Shape 59"/>
-          <p:cNvSpPr txBox="1"/>
+          <p:cNvSpPr txBox="1">
+            <a:spLocks noGrp="1"/>
+          </p:cNvSpPr>
           <p:nvPr>
             <p:ph type="ctrTitle"/>
           </p:nvPr>
@@ -5147,7 +5449,7 @@
           </a:prstGeom>
         </p:spPr>
         <p:txBody>
-          <a:bodyPr anchorCtr="0" anchor="b" bIns="91425" lIns="91425" rIns="91425" wrap="square" tIns="91425">
+          <a:bodyPr wrap="square" lIns="91425" tIns="91425" rIns="91425" bIns="91425" anchor="b" anchorCtr="0">
             <a:noAutofit/>
           </a:bodyPr>
           <a:lstStyle/>
@@ -5168,9 +5470,11 @@
       <p:sp>
         <p:nvSpPr>
           <p:cNvPr id="60" name="Shape 60"/>
-          <p:cNvSpPr txBox="1"/>
+          <p:cNvSpPr txBox="1">
+            <a:spLocks noGrp="1"/>
+          </p:cNvSpPr>
           <p:nvPr>
-            <p:ph idx="1" type="subTitle"/>
+            <p:ph type="subTitle" idx="1"/>
           </p:nvPr>
         </p:nvSpPr>
         <p:spPr>
@@ -5183,7 +5487,7 @@
           </a:prstGeom>
         </p:spPr>
         <p:txBody>
-          <a:bodyPr anchorCtr="0" anchor="t" bIns="91425" lIns="91425" rIns="91425" wrap="square" tIns="91425">
+          <a:bodyPr wrap="square" lIns="91425" tIns="91425" rIns="91425" bIns="91425" anchor="t" anchorCtr="0">
             <a:noAutofit/>
           </a:bodyPr>
           <a:lstStyle/>
@@ -5210,11 +5514,11 @@
 </file>
 
 <file path=ppt/slides/slide10.xml><?xml version="1.0" encoding="utf-8"?>
-<p:sld xmlns:a="http://schemas.openxmlformats.org/drawingml/2006/main" xmlns:r="http://schemas.openxmlformats.org/officeDocument/2006/relationships" xmlns:mc="http://schemas.openxmlformats.org/markup-compatibility/2006" xmlns:mv="urn:schemas-microsoft-com:mac:vml" xmlns:p="http://schemas.openxmlformats.org/presentationml/2006/main" xmlns:c="http://schemas.openxmlformats.org/drawingml/2006/chart" xmlns:dgm="http://schemas.openxmlformats.org/drawingml/2006/diagram" xmlns:o="urn:schemas-microsoft-com:office:office" xmlns:v="urn:schemas-microsoft-com:vml" xmlns:pvml="urn:schemas-microsoft-com:office:powerpoint" xmlns:com="http://schemas.openxmlformats.org/drawingml/2006/compatibility" xmlns:p14="http://schemas.microsoft.com/office/powerpoint/2010/main" xmlns:p15="http://schemas.microsoft.com/office/powerpoint/2012/main">
+<p:sld xmlns:a="http://schemas.openxmlformats.org/drawingml/2006/main" xmlns:r="http://schemas.openxmlformats.org/officeDocument/2006/relationships" xmlns:p="http://schemas.openxmlformats.org/presentationml/2006/main">
   <p:cSld>
     <p:spTree>
       <p:nvGrpSpPr>
-        <p:cNvPr id="109" name="Shape 109"/>
+        <p:cNvPr id="1" name="Shape 109"/>
         <p:cNvGrpSpPr/>
         <p:nvPr/>
       </p:nvGrpSpPr>
@@ -5229,7 +5533,9 @@
       <p:sp>
         <p:nvSpPr>
           <p:cNvPr id="110" name="Shape 110"/>
-          <p:cNvSpPr txBox="1"/>
+          <p:cNvSpPr txBox="1">
+            <a:spLocks noGrp="1"/>
+          </p:cNvSpPr>
           <p:nvPr>
             <p:ph type="title"/>
           </p:nvPr>
@@ -5244,7 +5550,7 @@
           </a:prstGeom>
         </p:spPr>
         <p:txBody>
-          <a:bodyPr anchorCtr="0" anchor="ctr" bIns="91425" lIns="91425" rIns="91425" wrap="square" tIns="91425">
+          <a:bodyPr wrap="square" lIns="91425" tIns="91425" rIns="91425" bIns="91425" anchor="ctr" anchorCtr="0">
             <a:noAutofit/>
           </a:bodyPr>
           <a:lstStyle/>
@@ -5271,11 +5577,11 @@
 </file>
 
 <file path=ppt/slides/slide11.xml><?xml version="1.0" encoding="utf-8"?>
-<p:sld xmlns:a="http://schemas.openxmlformats.org/drawingml/2006/main" xmlns:r="http://schemas.openxmlformats.org/officeDocument/2006/relationships" xmlns:mc="http://schemas.openxmlformats.org/markup-compatibility/2006" xmlns:mv="urn:schemas-microsoft-com:mac:vml" xmlns:p="http://schemas.openxmlformats.org/presentationml/2006/main" xmlns:c="http://schemas.openxmlformats.org/drawingml/2006/chart" xmlns:dgm="http://schemas.openxmlformats.org/drawingml/2006/diagram" xmlns:o="urn:schemas-microsoft-com:office:office" xmlns:v="urn:schemas-microsoft-com:vml" xmlns:pvml="urn:schemas-microsoft-com:office:powerpoint" xmlns:com="http://schemas.openxmlformats.org/drawingml/2006/compatibility" xmlns:p14="http://schemas.microsoft.com/office/powerpoint/2010/main" xmlns:p15="http://schemas.microsoft.com/office/powerpoint/2012/main">
+<p:sld xmlns:a="http://schemas.openxmlformats.org/drawingml/2006/main" xmlns:r="http://schemas.openxmlformats.org/officeDocument/2006/relationships" xmlns:p="http://schemas.openxmlformats.org/presentationml/2006/main">
   <p:cSld>
     <p:spTree>
       <p:nvGrpSpPr>
-        <p:cNvPr id="114" name="Shape 114"/>
+        <p:cNvPr id="1" name="Shape 114"/>
         <p:cNvGrpSpPr/>
         <p:nvPr/>
       </p:nvGrpSpPr>
@@ -5290,7 +5596,9 @@
       <p:sp>
         <p:nvSpPr>
           <p:cNvPr id="115" name="Shape 115"/>
-          <p:cNvSpPr txBox="1"/>
+          <p:cNvSpPr txBox="1">
+            <a:spLocks noGrp="1"/>
+          </p:cNvSpPr>
           <p:nvPr>
             <p:ph type="title"/>
           </p:nvPr>
@@ -5305,7 +5613,7 @@
           </a:prstGeom>
         </p:spPr>
         <p:txBody>
-          <a:bodyPr anchorCtr="0" anchor="ctr" bIns="91425" lIns="91425" rIns="91425" wrap="square" tIns="91425">
+          <a:bodyPr wrap="square" lIns="91425" tIns="91425" rIns="91425" bIns="91425" anchor="ctr" anchorCtr="0">
             <a:noAutofit/>
           </a:bodyPr>
           <a:lstStyle/>
@@ -5332,11 +5640,11 @@
 </file>
 
 <file path=ppt/slides/slide2.xml><?xml version="1.0" encoding="utf-8"?>
-<p:sld xmlns:a="http://schemas.openxmlformats.org/drawingml/2006/main" xmlns:r="http://schemas.openxmlformats.org/officeDocument/2006/relationships" xmlns:mc="http://schemas.openxmlformats.org/markup-compatibility/2006" xmlns:mv="urn:schemas-microsoft-com:mac:vml" xmlns:p="http://schemas.openxmlformats.org/presentationml/2006/main" xmlns:c="http://schemas.openxmlformats.org/drawingml/2006/chart" xmlns:dgm="http://schemas.openxmlformats.org/drawingml/2006/diagram" xmlns:o="urn:schemas-microsoft-com:office:office" xmlns:v="urn:schemas-microsoft-com:vml" xmlns:pvml="urn:schemas-microsoft-com:office:powerpoint" xmlns:com="http://schemas.openxmlformats.org/drawingml/2006/compatibility" xmlns:p14="http://schemas.microsoft.com/office/powerpoint/2010/main" xmlns:p15="http://schemas.microsoft.com/office/powerpoint/2012/main">
+<p:sld xmlns:a="http://schemas.openxmlformats.org/drawingml/2006/main" xmlns:r="http://schemas.openxmlformats.org/officeDocument/2006/relationships" xmlns:p="http://schemas.openxmlformats.org/presentationml/2006/main">
   <p:cSld>
     <p:spTree>
       <p:nvGrpSpPr>
-        <p:cNvPr id="64" name="Shape 64"/>
+        <p:cNvPr id="1" name="Shape 64"/>
         <p:cNvGrpSpPr/>
         <p:nvPr/>
       </p:nvGrpSpPr>
@@ -5351,7 +5659,9 @@
       <p:sp>
         <p:nvSpPr>
           <p:cNvPr id="65" name="Shape 65"/>
-          <p:cNvSpPr txBox="1"/>
+          <p:cNvSpPr txBox="1">
+            <a:spLocks noGrp="1"/>
+          </p:cNvSpPr>
           <p:nvPr>
             <p:ph type="title"/>
           </p:nvPr>
@@ -5366,7 +5676,7 @@
           </a:prstGeom>
         </p:spPr>
         <p:txBody>
-          <a:bodyPr anchorCtr="0" anchor="t" bIns="91425" lIns="91425" rIns="91425" wrap="square" tIns="91425">
+          <a:bodyPr wrap="square" lIns="91425" tIns="91425" rIns="91425" bIns="91425" anchor="t" anchorCtr="0">
             <a:noAutofit/>
           </a:bodyPr>
           <a:lstStyle/>
@@ -5394,7 +5704,7 @@
           <a:blip r:embed="rId3">
             <a:alphaModFix/>
           </a:blip>
-          <a:srcRect b="24671" l="8878" r="10261" t="10574"/>
+          <a:srcRect l="8878" t="10574" r="10261" b="24671"/>
           <a:stretch/>
         </p:blipFill>
         <p:spPr>
@@ -5420,11 +5730,11 @@
 </file>
 
 <file path=ppt/slides/slide3.xml><?xml version="1.0" encoding="utf-8"?>
-<p:sld xmlns:a="http://schemas.openxmlformats.org/drawingml/2006/main" xmlns:r="http://schemas.openxmlformats.org/officeDocument/2006/relationships" xmlns:mc="http://schemas.openxmlformats.org/markup-compatibility/2006" xmlns:mv="urn:schemas-microsoft-com:mac:vml" xmlns:p="http://schemas.openxmlformats.org/presentationml/2006/main" xmlns:c="http://schemas.openxmlformats.org/drawingml/2006/chart" xmlns:dgm="http://schemas.openxmlformats.org/drawingml/2006/diagram" xmlns:o="urn:schemas-microsoft-com:office:office" xmlns:v="urn:schemas-microsoft-com:vml" xmlns:pvml="urn:schemas-microsoft-com:office:powerpoint" xmlns:com="http://schemas.openxmlformats.org/drawingml/2006/compatibility" xmlns:p14="http://schemas.microsoft.com/office/powerpoint/2010/main" xmlns:p15="http://schemas.microsoft.com/office/powerpoint/2012/main">
+<p:sld xmlns:a="http://schemas.openxmlformats.org/drawingml/2006/main" xmlns:r="http://schemas.openxmlformats.org/officeDocument/2006/relationships" xmlns:p="http://schemas.openxmlformats.org/presentationml/2006/main">
   <p:cSld>
     <p:spTree>
       <p:nvGrpSpPr>
-        <p:cNvPr id="70" name="Shape 70"/>
+        <p:cNvPr id="1" name="Shape 70"/>
         <p:cNvGrpSpPr/>
         <p:nvPr/>
       </p:nvGrpSpPr>
@@ -5439,7 +5749,9 @@
       <p:sp>
         <p:nvSpPr>
           <p:cNvPr id="71" name="Shape 71"/>
-          <p:cNvSpPr txBox="1"/>
+          <p:cNvSpPr txBox="1">
+            <a:spLocks noGrp="1"/>
+          </p:cNvSpPr>
           <p:nvPr>
             <p:ph type="title"/>
           </p:nvPr>
@@ -5454,7 +5766,7 @@
           </a:prstGeom>
         </p:spPr>
         <p:txBody>
-          <a:bodyPr anchorCtr="0" anchor="ctr" bIns="91425" lIns="91425" rIns="91425" wrap="square" tIns="91425">
+          <a:bodyPr wrap="square" lIns="91425" tIns="91425" rIns="91425" bIns="91425" anchor="ctr" anchorCtr="0">
             <a:noAutofit/>
           </a:bodyPr>
           <a:lstStyle/>
@@ -5481,11 +5793,11 @@
 </file>
 
 <file path=ppt/slides/slide4.xml><?xml version="1.0" encoding="utf-8"?>
-<p:sld xmlns:a="http://schemas.openxmlformats.org/drawingml/2006/main" xmlns:r="http://schemas.openxmlformats.org/officeDocument/2006/relationships" xmlns:mc="http://schemas.openxmlformats.org/markup-compatibility/2006" xmlns:mv="urn:schemas-microsoft-com:mac:vml" xmlns:p="http://schemas.openxmlformats.org/presentationml/2006/main" xmlns:c="http://schemas.openxmlformats.org/drawingml/2006/chart" xmlns:dgm="http://schemas.openxmlformats.org/drawingml/2006/diagram" xmlns:o="urn:schemas-microsoft-com:office:office" xmlns:v="urn:schemas-microsoft-com:vml" xmlns:pvml="urn:schemas-microsoft-com:office:powerpoint" xmlns:com="http://schemas.openxmlformats.org/drawingml/2006/compatibility" xmlns:p14="http://schemas.microsoft.com/office/powerpoint/2010/main" xmlns:p15="http://schemas.microsoft.com/office/powerpoint/2012/main">
+<p:sld xmlns:a="http://schemas.openxmlformats.org/drawingml/2006/main" xmlns:r="http://schemas.openxmlformats.org/officeDocument/2006/relationships" xmlns:p="http://schemas.openxmlformats.org/presentationml/2006/main">
   <p:cSld>
     <p:spTree>
       <p:nvGrpSpPr>
-        <p:cNvPr id="75" name="Shape 75"/>
+        <p:cNvPr id="1" name="Shape 75"/>
         <p:cNvGrpSpPr/>
         <p:nvPr/>
       </p:nvGrpSpPr>
@@ -5500,7 +5812,9 @@
       <p:sp>
         <p:nvSpPr>
           <p:cNvPr id="76" name="Shape 76"/>
-          <p:cNvSpPr txBox="1"/>
+          <p:cNvSpPr txBox="1">
+            <a:spLocks noGrp="1"/>
+          </p:cNvSpPr>
           <p:nvPr>
             <p:ph type="title"/>
           </p:nvPr>
@@ -5515,7 +5829,7 @@
           </a:prstGeom>
         </p:spPr>
         <p:txBody>
-          <a:bodyPr anchorCtr="0" anchor="ctr" bIns="91425" lIns="91425" rIns="91425" wrap="square" tIns="91425">
+          <a:bodyPr wrap="square" lIns="91425" tIns="91425" rIns="91425" bIns="91425" anchor="ctr" anchorCtr="0">
             <a:noAutofit/>
           </a:bodyPr>
           <a:lstStyle/>
@@ -5543,7 +5857,7 @@
           <a:blip r:embed="rId3">
             <a:alphaModFix/>
           </a:blip>
-          <a:srcRect b="48459" l="23174" r="1410" t="8148"/>
+          <a:srcRect l="23174" t="8148" r="1410" b="48459"/>
           <a:stretch/>
         </p:blipFill>
         <p:spPr>
@@ -5569,11 +5883,11 @@
 </file>
 
 <file path=ppt/slides/slide5.xml><?xml version="1.0" encoding="utf-8"?>
-<p:sld xmlns:a="http://schemas.openxmlformats.org/drawingml/2006/main" xmlns:r="http://schemas.openxmlformats.org/officeDocument/2006/relationships" xmlns:mc="http://schemas.openxmlformats.org/markup-compatibility/2006" xmlns:mv="urn:schemas-microsoft-com:mac:vml" xmlns:p="http://schemas.openxmlformats.org/presentationml/2006/main" xmlns:c="http://schemas.openxmlformats.org/drawingml/2006/chart" xmlns:dgm="http://schemas.openxmlformats.org/drawingml/2006/diagram" xmlns:o="urn:schemas-microsoft-com:office:office" xmlns:v="urn:schemas-microsoft-com:vml" xmlns:pvml="urn:schemas-microsoft-com:office:powerpoint" xmlns:com="http://schemas.openxmlformats.org/drawingml/2006/compatibility" xmlns:p14="http://schemas.microsoft.com/office/powerpoint/2010/main" xmlns:p15="http://schemas.microsoft.com/office/powerpoint/2012/main">
+<p:sld xmlns:a="http://schemas.openxmlformats.org/drawingml/2006/main" xmlns:r="http://schemas.openxmlformats.org/officeDocument/2006/relationships" xmlns:p="http://schemas.openxmlformats.org/presentationml/2006/main">
   <p:cSld>
     <p:spTree>
       <p:nvGrpSpPr>
-        <p:cNvPr id="81" name="Shape 81"/>
+        <p:cNvPr id="1" name="Shape 81"/>
         <p:cNvGrpSpPr/>
         <p:nvPr/>
       </p:nvGrpSpPr>
@@ -5588,7 +5902,9 @@
       <p:sp>
         <p:nvSpPr>
           <p:cNvPr id="82" name="Shape 82"/>
-          <p:cNvSpPr txBox="1"/>
+          <p:cNvSpPr txBox="1">
+            <a:spLocks noGrp="1"/>
+          </p:cNvSpPr>
           <p:nvPr>
             <p:ph type="title"/>
           </p:nvPr>
@@ -5603,7 +5919,7 @@
           </a:prstGeom>
         </p:spPr>
         <p:txBody>
-          <a:bodyPr anchorCtr="0" anchor="ctr" bIns="91425" lIns="91425" rIns="91425" wrap="square" tIns="91425">
+          <a:bodyPr wrap="square" lIns="91425" tIns="91425" rIns="91425" bIns="91425" anchor="ctr" anchorCtr="0">
             <a:noAutofit/>
           </a:bodyPr>
           <a:lstStyle/>
@@ -5631,7 +5947,7 @@
           <a:blip r:embed="rId3">
             <a:alphaModFix/>
           </a:blip>
-          <a:srcRect b="5950" l="12451" r="9240" t="8805"/>
+          <a:srcRect l="12451" t="8805" r="9240" b="5950"/>
           <a:stretch/>
         </p:blipFill>
         <p:spPr>
@@ -5657,11 +5973,11 @@
 </file>
 
 <file path=ppt/slides/slide6.xml><?xml version="1.0" encoding="utf-8"?>
-<p:sld xmlns:a="http://schemas.openxmlformats.org/drawingml/2006/main" xmlns:r="http://schemas.openxmlformats.org/officeDocument/2006/relationships" xmlns:mc="http://schemas.openxmlformats.org/markup-compatibility/2006" xmlns:mv="urn:schemas-microsoft-com:mac:vml" xmlns:p="http://schemas.openxmlformats.org/presentationml/2006/main" xmlns:c="http://schemas.openxmlformats.org/drawingml/2006/chart" xmlns:dgm="http://schemas.openxmlformats.org/drawingml/2006/diagram" xmlns:o="urn:schemas-microsoft-com:office:office" xmlns:v="urn:schemas-microsoft-com:vml" xmlns:pvml="urn:schemas-microsoft-com:office:powerpoint" xmlns:com="http://schemas.openxmlformats.org/drawingml/2006/compatibility" xmlns:p14="http://schemas.microsoft.com/office/powerpoint/2010/main" xmlns:p15="http://schemas.microsoft.com/office/powerpoint/2012/main">
+<p:sld xmlns:a="http://schemas.openxmlformats.org/drawingml/2006/main" xmlns:r="http://schemas.openxmlformats.org/officeDocument/2006/relationships" xmlns:p="http://schemas.openxmlformats.org/presentationml/2006/main">
   <p:cSld>
     <p:spTree>
       <p:nvGrpSpPr>
-        <p:cNvPr id="87" name="Shape 87"/>
+        <p:cNvPr id="1" name="Shape 87"/>
         <p:cNvGrpSpPr/>
         <p:nvPr/>
       </p:nvGrpSpPr>
@@ -5676,7 +5992,9 @@
       <p:sp>
         <p:nvSpPr>
           <p:cNvPr id="88" name="Shape 88"/>
-          <p:cNvSpPr txBox="1"/>
+          <p:cNvSpPr txBox="1">
+            <a:spLocks noGrp="1"/>
+          </p:cNvSpPr>
           <p:nvPr>
             <p:ph type="title"/>
           </p:nvPr>
@@ -5691,7 +6009,7 @@
           </a:prstGeom>
         </p:spPr>
         <p:txBody>
-          <a:bodyPr anchorCtr="0" anchor="ctr" bIns="91425" lIns="91425" rIns="91425" wrap="square" tIns="91425">
+          <a:bodyPr wrap="square" lIns="91425" tIns="91425" rIns="91425" bIns="91425" anchor="ctr" anchorCtr="0">
             <a:noAutofit/>
           </a:bodyPr>
           <a:lstStyle/>
@@ -5719,7 +6037,7 @@
           <a:blip r:embed="rId3">
             <a:alphaModFix/>
           </a:blip>
-          <a:srcRect b="15855" l="15351" r="5315" t="23350"/>
+          <a:srcRect l="15351" t="23350" r="5315" b="15855"/>
           <a:stretch/>
         </p:blipFill>
         <p:spPr>
@@ -5745,11 +6063,11 @@
 </file>
 
 <file path=ppt/slides/slide7.xml><?xml version="1.0" encoding="utf-8"?>
-<p:sld xmlns:a="http://schemas.openxmlformats.org/drawingml/2006/main" xmlns:r="http://schemas.openxmlformats.org/officeDocument/2006/relationships" xmlns:mc="http://schemas.openxmlformats.org/markup-compatibility/2006" xmlns:mv="urn:schemas-microsoft-com:mac:vml" xmlns:p="http://schemas.openxmlformats.org/presentationml/2006/main" xmlns:c="http://schemas.openxmlformats.org/drawingml/2006/chart" xmlns:dgm="http://schemas.openxmlformats.org/drawingml/2006/diagram" xmlns:o="urn:schemas-microsoft-com:office:office" xmlns:v="urn:schemas-microsoft-com:vml" xmlns:pvml="urn:schemas-microsoft-com:office:powerpoint" xmlns:com="http://schemas.openxmlformats.org/drawingml/2006/compatibility" xmlns:p14="http://schemas.microsoft.com/office/powerpoint/2010/main" xmlns:p15="http://schemas.microsoft.com/office/powerpoint/2012/main">
+<p:sld xmlns:a="http://schemas.openxmlformats.org/drawingml/2006/main" xmlns:r="http://schemas.openxmlformats.org/officeDocument/2006/relationships" xmlns:p="http://schemas.openxmlformats.org/presentationml/2006/main">
   <p:cSld>
     <p:spTree>
       <p:nvGrpSpPr>
-        <p:cNvPr id="93" name="Shape 93"/>
+        <p:cNvPr id="1" name="Shape 93"/>
         <p:cNvGrpSpPr/>
         <p:nvPr/>
       </p:nvGrpSpPr>
@@ -5764,7 +6082,9 @@
       <p:sp>
         <p:nvSpPr>
           <p:cNvPr id="94" name="Shape 94"/>
-          <p:cNvSpPr txBox="1"/>
+          <p:cNvSpPr txBox="1">
+            <a:spLocks noGrp="1"/>
+          </p:cNvSpPr>
           <p:nvPr>
             <p:ph type="title"/>
           </p:nvPr>
@@ -5779,7 +6099,7 @@
           </a:prstGeom>
         </p:spPr>
         <p:txBody>
-          <a:bodyPr anchorCtr="0" anchor="ctr" bIns="91425" lIns="91425" rIns="91425" wrap="square" tIns="91425">
+          <a:bodyPr wrap="square" lIns="91425" tIns="91425" rIns="91425" bIns="91425" anchor="ctr" anchorCtr="0">
             <a:noAutofit/>
           </a:bodyPr>
           <a:lstStyle/>
@@ -5806,11 +6126,11 @@
 </file>
 
 <file path=ppt/slides/slide8.xml><?xml version="1.0" encoding="utf-8"?>
-<p:sld xmlns:a="http://schemas.openxmlformats.org/drawingml/2006/main" xmlns:r="http://schemas.openxmlformats.org/officeDocument/2006/relationships" xmlns:mc="http://schemas.openxmlformats.org/markup-compatibility/2006" xmlns:mv="urn:schemas-microsoft-com:mac:vml" xmlns:p="http://schemas.openxmlformats.org/presentationml/2006/main" xmlns:c="http://schemas.openxmlformats.org/drawingml/2006/chart" xmlns:dgm="http://schemas.openxmlformats.org/drawingml/2006/diagram" xmlns:o="urn:schemas-microsoft-com:office:office" xmlns:v="urn:schemas-microsoft-com:vml" xmlns:pvml="urn:schemas-microsoft-com:office:powerpoint" xmlns:com="http://schemas.openxmlformats.org/drawingml/2006/compatibility" xmlns:p14="http://schemas.microsoft.com/office/powerpoint/2010/main" xmlns:p15="http://schemas.microsoft.com/office/powerpoint/2012/main">
+<p:sld xmlns:a="http://schemas.openxmlformats.org/drawingml/2006/main" xmlns:r="http://schemas.openxmlformats.org/officeDocument/2006/relationships" xmlns:p="http://schemas.openxmlformats.org/presentationml/2006/main">
   <p:cSld>
     <p:spTree>
       <p:nvGrpSpPr>
-        <p:cNvPr id="98" name="Shape 98"/>
+        <p:cNvPr id="1" name="Shape 98"/>
         <p:cNvGrpSpPr/>
         <p:nvPr/>
       </p:nvGrpSpPr>
@@ -5887,11 +6207,11 @@
 </file>
 
 <file path=ppt/slides/slide9.xml><?xml version="1.0" encoding="utf-8"?>
-<p:sld xmlns:a="http://schemas.openxmlformats.org/drawingml/2006/main" xmlns:r="http://schemas.openxmlformats.org/officeDocument/2006/relationships" xmlns:mc="http://schemas.openxmlformats.org/markup-compatibility/2006" xmlns:mv="urn:schemas-microsoft-com:mac:vml" xmlns:p="http://schemas.openxmlformats.org/presentationml/2006/main" xmlns:c="http://schemas.openxmlformats.org/drawingml/2006/chart" xmlns:dgm="http://schemas.openxmlformats.org/drawingml/2006/diagram" xmlns:o="urn:schemas-microsoft-com:office:office" xmlns:v="urn:schemas-microsoft-com:vml" xmlns:pvml="urn:schemas-microsoft-com:office:powerpoint" xmlns:com="http://schemas.openxmlformats.org/drawingml/2006/compatibility" xmlns:p14="http://schemas.microsoft.com/office/powerpoint/2010/main" xmlns:p15="http://schemas.microsoft.com/office/powerpoint/2012/main">
+<p:sld xmlns:a="http://schemas.openxmlformats.org/drawingml/2006/main" xmlns:r="http://schemas.openxmlformats.org/officeDocument/2006/relationships" xmlns:p="http://schemas.openxmlformats.org/presentationml/2006/main">
   <p:cSld>
     <p:spTree>
       <p:nvGrpSpPr>
-        <p:cNvPr id="104" name="Shape 104"/>
+        <p:cNvPr id="1" name="Shape 104"/>
         <p:cNvGrpSpPr/>
         <p:nvPr/>
       </p:nvGrpSpPr>
@@ -5905,30 +6225,32 @@
       </p:grpSpPr>
       <p:pic>
         <p:nvPicPr>
-          <p:cNvPr id="105" name="Shape 105"/>
-          <p:cNvPicPr preferRelativeResize="0"/>
+          <p:cNvPr id="3" name="Picture 2">
+            <a:extLst>
+              <a:ext uri="{FF2B5EF4-FFF2-40B4-BE49-F238E27FC236}">
+                <a16:creationId xmlns:a16="http://schemas.microsoft.com/office/drawing/2014/main" id="{E225B80B-998D-44E8-963B-A32243C52371}"/>
+              </a:ext>
+            </a:extLst>
+          </p:cNvPr>
+          <p:cNvPicPr>
+            <a:picLocks noChangeAspect="1"/>
+          </p:cNvPicPr>
           <p:nvPr/>
         </p:nvPicPr>
         <p:blipFill>
-          <a:blip r:embed="rId3">
-            <a:alphaModFix/>
-          </a:blip>
+          <a:blip r:embed="rId3"/>
           <a:stretch>
             <a:fillRect/>
           </a:stretch>
         </p:blipFill>
         <p:spPr>
           <a:xfrm>
-            <a:off x="1490413" y="152400"/>
-            <a:ext cx="6163163" cy="4838701"/>
+            <a:off x="1237784" y="152062"/>
+            <a:ext cx="6668431" cy="4839375"/>
           </a:xfrm>
           <a:prstGeom prst="rect">
             <a:avLst/>
           </a:prstGeom>
-          <a:noFill/>
-          <a:ln>
-            <a:noFill/>
-          </a:ln>
         </p:spPr>
       </p:pic>
     </p:spTree>
@@ -5940,7 +6262,288 @@
 </file>
 
 <file path=ppt/theme/theme1.xml><?xml version="1.0" encoding="utf-8"?>
-<a:theme xmlns:a="http://schemas.openxmlformats.org/drawingml/2006/main" xmlns:r="http://schemas.openxmlformats.org/officeDocument/2006/relationships" name="Custom Theme">
+<a:theme xmlns:a="http://schemas.openxmlformats.org/drawingml/2006/main" name="Slate">
+  <a:themeElements>
+    <a:clrScheme name="Slate">
+      <a:dk1>
+        <a:srgbClr val="FFFFFF"/>
+      </a:dk1>
+      <a:lt1>
+        <a:srgbClr val="37474F"/>
+      </a:lt1>
+      <a:dk2>
+        <a:srgbClr val="9E9E9E"/>
+      </a:dk2>
+      <a:lt2>
+        <a:srgbClr val="E0E0E0"/>
+      </a:lt2>
+      <a:accent1>
+        <a:srgbClr val="616161"/>
+      </a:accent1>
+      <a:accent2>
+        <a:srgbClr val="78909C"/>
+      </a:accent2>
+      <a:accent3>
+        <a:srgbClr val="CACACA"/>
+      </a:accent3>
+      <a:accent4>
+        <a:srgbClr val="64FFDA"/>
+      </a:accent4>
+      <a:accent5>
+        <a:srgbClr val="FFD966"/>
+      </a:accent5>
+      <a:accent6>
+        <a:srgbClr val="F5F5F5"/>
+      </a:accent6>
+      <a:hlink>
+        <a:srgbClr val="FFD966"/>
+      </a:hlink>
+      <a:folHlink>
+        <a:srgbClr val="FFD966"/>
+      </a:folHlink>
+    </a:clrScheme>
+    <a:fontScheme name="Office">
+      <a:majorFont>
+        <a:latin typeface="Arial"/>
+        <a:ea typeface=""/>
+        <a:cs typeface=""/>
+        <a:font script="Jpan" typeface="ＭＳ Ｐゴシック"/>
+        <a:font script="Hang" typeface="맑은 고딕"/>
+        <a:font script="Hans" typeface="宋体"/>
+        <a:font script="Hant" typeface="新細明體"/>
+        <a:font script="Arab" typeface="Times New Roman"/>
+        <a:font script="Hebr" typeface="Times New Roman"/>
+        <a:font script="Thai" typeface="Angsana New"/>
+        <a:font script="Ethi" typeface="Nyala"/>
+        <a:font script="Beng" typeface="Vrinda"/>
+        <a:font script="Gujr" typeface="Shruti"/>
+        <a:font script="Khmr" typeface="MoolBoran"/>
+        <a:font script="Knda" typeface="Tunga"/>
+        <a:font script="Guru" typeface="Raavi"/>
+        <a:font script="Cans" typeface="Euphemia"/>
+        <a:font script="Cher" typeface="Plantagenet Cherokee"/>
+        <a:font script="Yiii" typeface="Microsoft Yi Baiti"/>
+        <a:font script="Tibt" typeface="Microsoft Himalaya"/>
+        <a:font script="Thaa" typeface="MV Boli"/>
+        <a:font script="Deva" typeface="Mangal"/>
+        <a:font script="Telu" typeface="Gautami"/>
+        <a:font script="Taml" typeface="Latha"/>
+        <a:font script="Syrc" typeface="Estrangelo Edessa"/>
+        <a:font script="Orya" typeface="Kalinga"/>
+        <a:font script="Mlym" typeface="Kartika"/>
+        <a:font script="Laoo" typeface="DokChampa"/>
+        <a:font script="Sinh" typeface="Iskoola Pota"/>
+        <a:font script="Mong" typeface="Mongolian Baiti"/>
+        <a:font script="Viet" typeface="Times New Roman"/>
+        <a:font script="Uigh" typeface="Microsoft Uighur"/>
+        <a:font script="Geor" typeface="Sylfaen"/>
+      </a:majorFont>
+      <a:minorFont>
+        <a:latin typeface="Arial"/>
+        <a:ea typeface=""/>
+        <a:cs typeface=""/>
+        <a:font script="Jpan" typeface="ＭＳ Ｐゴシック"/>
+        <a:font script="Hang" typeface="맑은 고딕"/>
+        <a:font script="Hans" typeface="宋体"/>
+        <a:font script="Hant" typeface="新細明體"/>
+        <a:font script="Arab" typeface="Arial"/>
+        <a:font script="Hebr" typeface="Arial"/>
+        <a:font script="Thai" typeface="Cordia New"/>
+        <a:font script="Ethi" typeface="Nyala"/>
+        <a:font script="Beng" typeface="Vrinda"/>
+        <a:font script="Gujr" typeface="Shruti"/>
+        <a:font script="Khmr" typeface="DaunPenh"/>
+        <a:font script="Knda" typeface="Tunga"/>
+        <a:font script="Guru" typeface="Raavi"/>
+        <a:font script="Cans" typeface="Euphemia"/>
+        <a:font script="Cher" typeface="Plantagenet Cherokee"/>
+        <a:font script="Yiii" typeface="Microsoft Yi Baiti"/>
+        <a:font script="Tibt" typeface="Microsoft Himalaya"/>
+        <a:font script="Thaa" typeface="MV Boli"/>
+        <a:font script="Deva" typeface="Mangal"/>
+        <a:font script="Telu" typeface="Gautami"/>
+        <a:font script="Taml" typeface="Latha"/>
+        <a:font script="Syrc" typeface="Estrangelo Edessa"/>
+        <a:font script="Orya" typeface="Kalinga"/>
+        <a:font script="Mlym" typeface="Kartika"/>
+        <a:font script="Laoo" typeface="DokChampa"/>
+        <a:font script="Sinh" typeface="Iskoola Pota"/>
+        <a:font script="Mong" typeface="Mongolian Baiti"/>
+        <a:font script="Viet" typeface="Arial"/>
+        <a:font script="Uigh" typeface="Microsoft Uighur"/>
+        <a:font script="Geor" typeface="Sylfaen"/>
+      </a:minorFont>
+    </a:fontScheme>
+    <a:fmtScheme name="Office">
+      <a:fillStyleLst>
+        <a:solidFill>
+          <a:schemeClr val="phClr"/>
+        </a:solidFill>
+        <a:gradFill rotWithShape="1">
+          <a:gsLst>
+            <a:gs pos="0">
+              <a:schemeClr val="phClr">
+                <a:tint val="50000"/>
+                <a:satMod val="300000"/>
+              </a:schemeClr>
+            </a:gs>
+            <a:gs pos="35000">
+              <a:schemeClr val="phClr">
+                <a:tint val="37000"/>
+                <a:satMod val="300000"/>
+              </a:schemeClr>
+            </a:gs>
+            <a:gs pos="100000">
+              <a:schemeClr val="phClr">
+                <a:tint val="15000"/>
+                <a:satMod val="350000"/>
+              </a:schemeClr>
+            </a:gs>
+          </a:gsLst>
+          <a:lin ang="16200000" scaled="1"/>
+        </a:gradFill>
+        <a:gradFill rotWithShape="1">
+          <a:gsLst>
+            <a:gs pos="0">
+              <a:schemeClr val="phClr">
+                <a:tint val="100000"/>
+                <a:shade val="100000"/>
+                <a:satMod val="130000"/>
+              </a:schemeClr>
+            </a:gs>
+            <a:gs pos="100000">
+              <a:schemeClr val="phClr">
+                <a:tint val="50000"/>
+                <a:shade val="100000"/>
+                <a:satMod val="350000"/>
+              </a:schemeClr>
+            </a:gs>
+          </a:gsLst>
+          <a:lin ang="16200000" scaled="0"/>
+        </a:gradFill>
+      </a:fillStyleLst>
+      <a:lnStyleLst>
+        <a:ln w="9525" cap="flat" cmpd="sng" algn="ctr">
+          <a:solidFill>
+            <a:schemeClr val="phClr">
+              <a:shade val="95000"/>
+              <a:satMod val="105000"/>
+            </a:schemeClr>
+          </a:solidFill>
+          <a:prstDash val="solid"/>
+        </a:ln>
+        <a:ln w="25400" cap="flat" cmpd="sng" algn="ctr">
+          <a:solidFill>
+            <a:schemeClr val="phClr"/>
+          </a:solidFill>
+          <a:prstDash val="solid"/>
+        </a:ln>
+        <a:ln w="38100" cap="flat" cmpd="sng" algn="ctr">
+          <a:solidFill>
+            <a:schemeClr val="phClr"/>
+          </a:solidFill>
+          <a:prstDash val="solid"/>
+        </a:ln>
+      </a:lnStyleLst>
+      <a:effectStyleLst>
+        <a:effectStyle>
+          <a:effectLst>
+            <a:outerShdw blurRad="40000" dist="20000" dir="5400000" rotWithShape="0">
+              <a:srgbClr val="000000">
+                <a:alpha val="38000"/>
+              </a:srgbClr>
+            </a:outerShdw>
+          </a:effectLst>
+        </a:effectStyle>
+        <a:effectStyle>
+          <a:effectLst>
+            <a:outerShdw blurRad="40000" dist="23000" dir="5400000" rotWithShape="0">
+              <a:srgbClr val="000000">
+                <a:alpha val="35000"/>
+              </a:srgbClr>
+            </a:outerShdw>
+          </a:effectLst>
+        </a:effectStyle>
+        <a:effectStyle>
+          <a:effectLst>
+            <a:outerShdw blurRad="40000" dist="23000" dir="5400000" rotWithShape="0">
+              <a:srgbClr val="000000">
+                <a:alpha val="35000"/>
+              </a:srgbClr>
+            </a:outerShdw>
+          </a:effectLst>
+          <a:scene3d>
+            <a:camera prst="orthographicFront">
+              <a:rot lat="0" lon="0" rev="0"/>
+            </a:camera>
+            <a:lightRig rig="threePt" dir="t">
+              <a:rot lat="0" lon="0" rev="1200000"/>
+            </a:lightRig>
+          </a:scene3d>
+          <a:sp3d>
+            <a:bevelT w="63500" h="25400"/>
+          </a:sp3d>
+        </a:effectStyle>
+      </a:effectStyleLst>
+      <a:bgFillStyleLst>
+        <a:solidFill>
+          <a:schemeClr val="phClr"/>
+        </a:solidFill>
+        <a:gradFill rotWithShape="1">
+          <a:gsLst>
+            <a:gs pos="0">
+              <a:schemeClr val="phClr">
+                <a:tint val="40000"/>
+                <a:satMod val="350000"/>
+              </a:schemeClr>
+            </a:gs>
+            <a:gs pos="40000">
+              <a:schemeClr val="phClr">
+                <a:tint val="45000"/>
+                <a:shade val="99000"/>
+                <a:satMod val="350000"/>
+              </a:schemeClr>
+            </a:gs>
+            <a:gs pos="100000">
+              <a:schemeClr val="phClr">
+                <a:shade val="20000"/>
+                <a:satMod val="255000"/>
+              </a:schemeClr>
+            </a:gs>
+          </a:gsLst>
+          <a:path path="circle">
+            <a:fillToRect l="50000" t="-80000" r="50000" b="180000"/>
+          </a:path>
+        </a:gradFill>
+        <a:gradFill rotWithShape="1">
+          <a:gsLst>
+            <a:gs pos="0">
+              <a:schemeClr val="phClr">
+                <a:tint val="80000"/>
+                <a:satMod val="300000"/>
+              </a:schemeClr>
+            </a:gs>
+            <a:gs pos="100000">
+              <a:schemeClr val="phClr">
+                <a:shade val="30000"/>
+                <a:satMod val="200000"/>
+              </a:schemeClr>
+            </a:gs>
+          </a:gsLst>
+          <a:path path="circle">
+            <a:fillToRect l="50000" t="50000" r="50000" b="50000"/>
+          </a:path>
+        </a:gradFill>
+      </a:bgFillStyleLst>
+    </a:fmtScheme>
+  </a:themeElements>
+  <a:objectDefaults/>
+  <a:extraClrSchemeLst/>
+</a:theme>
+</file>
+
+<file path=ppt/theme/theme2.xml><?xml version="1.0" encoding="utf-8"?>
+<a:theme xmlns:a="http://schemas.openxmlformats.org/drawingml/2006/main" name="Custom Theme">
   <a:themeElements>
     <a:clrScheme name="Default">
       <a:dk1>
@@ -6215,284 +6818,7 @@
       </a:bgFillStyleLst>
     </a:fmtScheme>
   </a:themeElements>
-</a:theme>
-</file>
-
-<file path=ppt/theme/theme2.xml><?xml version="1.0" encoding="utf-8"?>
-<a:theme xmlns:a="http://schemas.openxmlformats.org/drawingml/2006/main" xmlns:r="http://schemas.openxmlformats.org/officeDocument/2006/relationships" name="Slate">
-  <a:themeElements>
-    <a:clrScheme name="Slate">
-      <a:dk1>
-        <a:srgbClr val="FFFFFF"/>
-      </a:dk1>
-      <a:lt1>
-        <a:srgbClr val="37474F"/>
-      </a:lt1>
-      <a:dk2>
-        <a:srgbClr val="9E9E9E"/>
-      </a:dk2>
-      <a:lt2>
-        <a:srgbClr val="E0E0E0"/>
-      </a:lt2>
-      <a:accent1>
-        <a:srgbClr val="616161"/>
-      </a:accent1>
-      <a:accent2>
-        <a:srgbClr val="78909C"/>
-      </a:accent2>
-      <a:accent3>
-        <a:srgbClr val="CACACA"/>
-      </a:accent3>
-      <a:accent4>
-        <a:srgbClr val="64FFDA"/>
-      </a:accent4>
-      <a:accent5>
-        <a:srgbClr val="FFD966"/>
-      </a:accent5>
-      <a:accent6>
-        <a:srgbClr val="F5F5F5"/>
-      </a:accent6>
-      <a:hlink>
-        <a:srgbClr val="FFD966"/>
-      </a:hlink>
-      <a:folHlink>
-        <a:srgbClr val="FFD966"/>
-      </a:folHlink>
-    </a:clrScheme>
-    <a:fontScheme name="Office">
-      <a:majorFont>
-        <a:latin typeface="Arial"/>
-        <a:ea typeface=""/>
-        <a:cs typeface=""/>
-        <a:font script="Jpan" typeface="ＭＳ Ｐゴシック"/>
-        <a:font script="Hang" typeface="맑은 고딕"/>
-        <a:font script="Hans" typeface="宋体"/>
-        <a:font script="Hant" typeface="新細明體"/>
-        <a:font script="Arab" typeface="Times New Roman"/>
-        <a:font script="Hebr" typeface="Times New Roman"/>
-        <a:font script="Thai" typeface="Angsana New"/>
-        <a:font script="Ethi" typeface="Nyala"/>
-        <a:font script="Beng" typeface="Vrinda"/>
-        <a:font script="Gujr" typeface="Shruti"/>
-        <a:font script="Khmr" typeface="MoolBoran"/>
-        <a:font script="Knda" typeface="Tunga"/>
-        <a:font script="Guru" typeface="Raavi"/>
-        <a:font script="Cans" typeface="Euphemia"/>
-        <a:font script="Cher" typeface="Plantagenet Cherokee"/>
-        <a:font script="Yiii" typeface="Microsoft Yi Baiti"/>
-        <a:font script="Tibt" typeface="Microsoft Himalaya"/>
-        <a:font script="Thaa" typeface="MV Boli"/>
-        <a:font script="Deva" typeface="Mangal"/>
-        <a:font script="Telu" typeface="Gautami"/>
-        <a:font script="Taml" typeface="Latha"/>
-        <a:font script="Syrc" typeface="Estrangelo Edessa"/>
-        <a:font script="Orya" typeface="Kalinga"/>
-        <a:font script="Mlym" typeface="Kartika"/>
-        <a:font script="Laoo" typeface="DokChampa"/>
-        <a:font script="Sinh" typeface="Iskoola Pota"/>
-        <a:font script="Mong" typeface="Mongolian Baiti"/>
-        <a:font script="Viet" typeface="Times New Roman"/>
-        <a:font script="Uigh" typeface="Microsoft Uighur"/>
-        <a:font script="Geor" typeface="Sylfaen"/>
-      </a:majorFont>
-      <a:minorFont>
-        <a:latin typeface="Arial"/>
-        <a:ea typeface=""/>
-        <a:cs typeface=""/>
-        <a:font script="Jpan" typeface="ＭＳ Ｐゴシック"/>
-        <a:font script="Hang" typeface="맑은 고딕"/>
-        <a:font script="Hans" typeface="宋体"/>
-        <a:font script="Hant" typeface="新細明體"/>
-        <a:font script="Arab" typeface="Arial"/>
-        <a:font script="Hebr" typeface="Arial"/>
-        <a:font script="Thai" typeface="Cordia New"/>
-        <a:font script="Ethi" typeface="Nyala"/>
-        <a:font script="Beng" typeface="Vrinda"/>
-        <a:font script="Gujr" typeface="Shruti"/>
-        <a:font script="Khmr" typeface="DaunPenh"/>
-        <a:font script="Knda" typeface="Tunga"/>
-        <a:font script="Guru" typeface="Raavi"/>
-        <a:font script="Cans" typeface="Euphemia"/>
-        <a:font script="Cher" typeface="Plantagenet Cherokee"/>
-        <a:font script="Yiii" typeface="Microsoft Yi Baiti"/>
-        <a:font script="Tibt" typeface="Microsoft Himalaya"/>
-        <a:font script="Thaa" typeface="MV Boli"/>
-        <a:font script="Deva" typeface="Mangal"/>
-        <a:font script="Telu" typeface="Gautami"/>
-        <a:font script="Taml" typeface="Latha"/>
-        <a:font script="Syrc" typeface="Estrangelo Edessa"/>
-        <a:font script="Orya" typeface="Kalinga"/>
-        <a:font script="Mlym" typeface="Kartika"/>
-        <a:font script="Laoo" typeface="DokChampa"/>
-        <a:font script="Sinh" typeface="Iskoola Pota"/>
-        <a:font script="Mong" typeface="Mongolian Baiti"/>
-        <a:font script="Viet" typeface="Arial"/>
-        <a:font script="Uigh" typeface="Microsoft Uighur"/>
-        <a:font script="Geor" typeface="Sylfaen"/>
-      </a:minorFont>
-    </a:fontScheme>
-    <a:fmtScheme name="Office">
-      <a:fillStyleLst>
-        <a:solidFill>
-          <a:schemeClr val="phClr"/>
-        </a:solidFill>
-        <a:gradFill rotWithShape="1">
-          <a:gsLst>
-            <a:gs pos="0">
-              <a:schemeClr val="phClr">
-                <a:tint val="50000"/>
-                <a:satMod val="300000"/>
-              </a:schemeClr>
-            </a:gs>
-            <a:gs pos="35000">
-              <a:schemeClr val="phClr">
-                <a:tint val="37000"/>
-                <a:satMod val="300000"/>
-              </a:schemeClr>
-            </a:gs>
-            <a:gs pos="100000">
-              <a:schemeClr val="phClr">
-                <a:tint val="15000"/>
-                <a:satMod val="350000"/>
-              </a:schemeClr>
-            </a:gs>
-          </a:gsLst>
-          <a:lin ang="16200000" scaled="1"/>
-        </a:gradFill>
-        <a:gradFill rotWithShape="1">
-          <a:gsLst>
-            <a:gs pos="0">
-              <a:schemeClr val="phClr">
-                <a:tint val="100000"/>
-                <a:shade val="100000"/>
-                <a:satMod val="130000"/>
-              </a:schemeClr>
-            </a:gs>
-            <a:gs pos="100000">
-              <a:schemeClr val="phClr">
-                <a:tint val="50000"/>
-                <a:shade val="100000"/>
-                <a:satMod val="350000"/>
-              </a:schemeClr>
-            </a:gs>
-          </a:gsLst>
-          <a:lin ang="16200000" scaled="0"/>
-        </a:gradFill>
-      </a:fillStyleLst>
-      <a:lnStyleLst>
-        <a:ln w="9525" cap="flat" cmpd="sng" algn="ctr">
-          <a:solidFill>
-            <a:schemeClr val="phClr">
-              <a:shade val="95000"/>
-              <a:satMod val="105000"/>
-            </a:schemeClr>
-          </a:solidFill>
-          <a:prstDash val="solid"/>
-        </a:ln>
-        <a:ln w="25400" cap="flat" cmpd="sng" algn="ctr">
-          <a:solidFill>
-            <a:schemeClr val="phClr"/>
-          </a:solidFill>
-          <a:prstDash val="solid"/>
-        </a:ln>
-        <a:ln w="38100" cap="flat" cmpd="sng" algn="ctr">
-          <a:solidFill>
-            <a:schemeClr val="phClr"/>
-          </a:solidFill>
-          <a:prstDash val="solid"/>
-        </a:ln>
-      </a:lnStyleLst>
-      <a:effectStyleLst>
-        <a:effectStyle>
-          <a:effectLst>
-            <a:outerShdw blurRad="40000" dist="20000" dir="5400000" rotWithShape="0">
-              <a:srgbClr val="000000">
-                <a:alpha val="38000"/>
-              </a:srgbClr>
-            </a:outerShdw>
-          </a:effectLst>
-        </a:effectStyle>
-        <a:effectStyle>
-          <a:effectLst>
-            <a:outerShdw blurRad="40000" dist="23000" dir="5400000" rotWithShape="0">
-              <a:srgbClr val="000000">
-                <a:alpha val="35000"/>
-              </a:srgbClr>
-            </a:outerShdw>
-          </a:effectLst>
-        </a:effectStyle>
-        <a:effectStyle>
-          <a:effectLst>
-            <a:outerShdw blurRad="40000" dist="23000" dir="5400000" rotWithShape="0">
-              <a:srgbClr val="000000">
-                <a:alpha val="35000"/>
-              </a:srgbClr>
-            </a:outerShdw>
-          </a:effectLst>
-          <a:scene3d>
-            <a:camera prst="orthographicFront">
-              <a:rot lat="0" lon="0" rev="0"/>
-            </a:camera>
-            <a:lightRig rig="threePt" dir="t">
-              <a:rot lat="0" lon="0" rev="1200000"/>
-            </a:lightRig>
-          </a:scene3d>
-          <a:sp3d>
-            <a:bevelT w="63500" h="25400"/>
-          </a:sp3d>
-        </a:effectStyle>
-      </a:effectStyleLst>
-      <a:bgFillStyleLst>
-        <a:solidFill>
-          <a:schemeClr val="phClr"/>
-        </a:solidFill>
-        <a:gradFill rotWithShape="1">
-          <a:gsLst>
-            <a:gs pos="0">
-              <a:schemeClr val="phClr">
-                <a:tint val="40000"/>
-                <a:satMod val="350000"/>
-              </a:schemeClr>
-            </a:gs>
-            <a:gs pos="40000">
-              <a:schemeClr val="phClr">
-                <a:tint val="45000"/>
-                <a:shade val="99000"/>
-                <a:satMod val="350000"/>
-              </a:schemeClr>
-            </a:gs>
-            <a:gs pos="100000">
-              <a:schemeClr val="phClr">
-                <a:shade val="20000"/>
-                <a:satMod val="255000"/>
-              </a:schemeClr>
-            </a:gs>
-          </a:gsLst>
-          <a:path path="circle">
-            <a:fillToRect l="50000" t="-80000" r="50000" b="180000"/>
-          </a:path>
-        </a:gradFill>
-        <a:gradFill rotWithShape="1">
-          <a:gsLst>
-            <a:gs pos="0">
-              <a:schemeClr val="phClr">
-                <a:tint val="80000"/>
-                <a:satMod val="300000"/>
-              </a:schemeClr>
-            </a:gs>
-            <a:gs pos="100000">
-              <a:schemeClr val="phClr">
-                <a:shade val="30000"/>
-                <a:satMod val="200000"/>
-              </a:schemeClr>
-            </a:gs>
-          </a:gsLst>
-          <a:path path="circle">
-            <a:fillToRect l="50000" t="50000" r="50000" b="50000"/>
-          </a:path>
-        </a:gradFill>
-      </a:bgFillStyleLst>
-    </a:fmtScheme>
-  </a:themeElements>
+  <a:objectDefaults/>
+  <a:extraClrSchemeLst/>
 </a:theme>
 </file>
--- a/Presentation 3/Ultralite Coding Presentation 3.pptx
+++ b/Presentation 3/Ultralite Coding Presentation 3.pptx
@@ -5,32 +5,33 @@
     <p:sldMasterId id="2147483659" r:id="rId1"/>
   </p:sldMasterIdLst>
   <p:notesMasterIdLst>
-    <p:notesMasterId r:id="rId13"/>
+    <p:notesMasterId r:id="rId14"/>
   </p:notesMasterIdLst>
   <p:sldIdLst>
     <p:sldId id="256" r:id="rId2"/>
     <p:sldId id="257" r:id="rId3"/>
-    <p:sldId id="258" r:id="rId4"/>
-    <p:sldId id="259" r:id="rId5"/>
-    <p:sldId id="260" r:id="rId6"/>
-    <p:sldId id="261" r:id="rId7"/>
-    <p:sldId id="262" r:id="rId8"/>
-    <p:sldId id="263" r:id="rId9"/>
-    <p:sldId id="264" r:id="rId10"/>
-    <p:sldId id="265" r:id="rId11"/>
-    <p:sldId id="266" r:id="rId12"/>
+    <p:sldId id="267" r:id="rId4"/>
+    <p:sldId id="258" r:id="rId5"/>
+    <p:sldId id="259" r:id="rId6"/>
+    <p:sldId id="260" r:id="rId7"/>
+    <p:sldId id="261" r:id="rId8"/>
+    <p:sldId id="262" r:id="rId9"/>
+    <p:sldId id="263" r:id="rId10"/>
+    <p:sldId id="264" r:id="rId11"/>
+    <p:sldId id="265" r:id="rId12"/>
+    <p:sldId id="266" r:id="rId13"/>
   </p:sldIdLst>
   <p:sldSz cx="9144000" cy="5143500" type="screen16x9"/>
   <p:notesSz cx="6858000" cy="9144000"/>
   <p:embeddedFontLst>
     <p:embeddedFont>
       <p:font typeface="Oswald"/>
-      <p:regular r:id="rId14"/>
-      <p:bold r:id="rId15"/>
+      <p:regular r:id="rId15"/>
+      <p:bold r:id="rId16"/>
     </p:embeddedFont>
     <p:embeddedFont>
       <p:font typeface="Average" panose="020B0604020202020204" charset="0"/>
-      <p:regular r:id="rId16"/>
+      <p:regular r:id="rId17"/>
     </p:embeddedFont>
   </p:embeddedFontLst>
   <p:defaultTextStyle>
@@ -235,6 +236,11 @@
       </a:defRPr>
     </a:lvl9pPr>
   </p:defaultTextStyle>
+  <p:extLst>
+    <p:ext uri="{EFAFB233-063F-42B5-8137-9DF3F51BA10A}">
+      <p15:sldGuideLst xmlns:p15="http://schemas.microsoft.com/office/powerpoint/2012/main"/>
+    </p:ext>
+  </p:extLst>
 </p:presentation>
 </file>
 
@@ -537,8 +543,8 @@
         </p:nvSpPr>
         <p:spPr>
           <a:xfrm>
-            <a:off x="381188" y="685800"/>
-            <a:ext cx="6096300" cy="3429000"/>
+            <a:off x="381000" y="685800"/>
+            <a:ext cx="6096000" cy="3429000"/>
           </a:xfrm>
           <a:custGeom>
             <a:avLst/>
@@ -638,7 +644,7 @@
         </p:nvSpPr>
         <p:spPr>
           <a:xfrm>
-            <a:off x="381300" y="685800"/>
+            <a:off x="381000" y="685800"/>
             <a:ext cx="6096000" cy="3429000"/>
           </a:xfrm>
           <a:custGeom>
@@ -739,7 +745,7 @@
         </p:nvSpPr>
         <p:spPr>
           <a:xfrm>
-            <a:off x="381300" y="685800"/>
+            <a:off x="381000" y="685800"/>
             <a:ext cx="6096000" cy="3429000"/>
           </a:xfrm>
           <a:custGeom>
@@ -840,8 +846,8 @@
         </p:nvSpPr>
         <p:spPr>
           <a:xfrm>
-            <a:off x="381188" y="685800"/>
-            <a:ext cx="6096300" cy="3429000"/>
+            <a:off x="381000" y="685800"/>
+            <a:ext cx="6096000" cy="3429000"/>
           </a:xfrm>
           <a:custGeom>
             <a:avLst/>
@@ -941,8 +947,8 @@
         </p:nvSpPr>
         <p:spPr>
           <a:xfrm>
-            <a:off x="381188" y="685800"/>
-            <a:ext cx="6096300" cy="3429000"/>
+            <a:off x="381000" y="685800"/>
+            <a:ext cx="6096000" cy="3429000"/>
           </a:xfrm>
           <a:custGeom>
             <a:avLst/>
@@ -1042,7 +1048,7 @@
         </p:nvSpPr>
         <p:spPr>
           <a:xfrm>
-            <a:off x="381300" y="685800"/>
+            <a:off x="381000" y="685800"/>
             <a:ext cx="6096000" cy="3429000"/>
           </a:xfrm>
           <a:custGeom>
@@ -1143,7 +1149,7 @@
         </p:nvSpPr>
         <p:spPr>
           <a:xfrm>
-            <a:off x="381300" y="685800"/>
+            <a:off x="381000" y="685800"/>
             <a:ext cx="6096000" cy="3429000"/>
           </a:xfrm>
           <a:custGeom>
@@ -1244,7 +1250,7 @@
         </p:nvSpPr>
         <p:spPr>
           <a:xfrm>
-            <a:off x="381300" y="685800"/>
+            <a:off x="381000" y="685800"/>
             <a:ext cx="6096000" cy="3429000"/>
           </a:xfrm>
           <a:custGeom>
@@ -1345,7 +1351,7 @@
         </p:nvSpPr>
         <p:spPr>
           <a:xfrm>
-            <a:off x="381300" y="685800"/>
+            <a:off x="381000" y="685800"/>
             <a:ext cx="6096000" cy="3429000"/>
           </a:xfrm>
           <a:custGeom>
@@ -1446,7 +1452,7 @@
         </p:nvSpPr>
         <p:spPr>
           <a:xfrm>
-            <a:off x="381300" y="685800"/>
+            <a:off x="381000" y="685800"/>
             <a:ext cx="6096000" cy="3429000"/>
           </a:xfrm>
           <a:custGeom>
@@ -5510,10 +5516,72 @@
   <p:clrMapOvr>
     <a:masterClrMapping/>
   </p:clrMapOvr>
+  <p:timing>
+    <p:tnLst>
+      <p:par>
+        <p:cTn id="1" dur="indefinite" restart="never" nodeType="tmRoot"/>
+      </p:par>
+    </p:tnLst>
+  </p:timing>
 </p:sld>
 </file>
 
 <file path=ppt/slides/slide10.xml><?xml version="1.0" encoding="utf-8"?>
+<p:sld xmlns:a="http://schemas.openxmlformats.org/drawingml/2006/main" xmlns:r="http://schemas.openxmlformats.org/officeDocument/2006/relationships" xmlns:p="http://schemas.openxmlformats.org/presentationml/2006/main">
+  <p:cSld>
+    <p:spTree>
+      <p:nvGrpSpPr>
+        <p:cNvPr id="1" name="Shape 104"/>
+        <p:cNvGrpSpPr/>
+        <p:nvPr/>
+      </p:nvGrpSpPr>
+      <p:grpSpPr>
+        <a:xfrm>
+          <a:off x="0" y="0"/>
+          <a:ext cx="0" cy="0"/>
+          <a:chOff x="0" y="0"/>
+          <a:chExt cx="0" cy="0"/>
+        </a:xfrm>
+      </p:grpSpPr>
+      <p:pic>
+        <p:nvPicPr>
+          <p:cNvPr id="3" name="Picture 2">
+            <a:extLst>
+              <a:ext uri="{FF2B5EF4-FFF2-40B4-BE49-F238E27FC236}">
+                <a16:creationId xmlns:a16="http://schemas.microsoft.com/office/drawing/2014/main" id="{E225B80B-998D-44E8-963B-A32243C52371}"/>
+              </a:ext>
+            </a:extLst>
+          </p:cNvPr>
+          <p:cNvPicPr>
+            <a:picLocks noChangeAspect="1"/>
+          </p:cNvPicPr>
+          <p:nvPr/>
+        </p:nvPicPr>
+        <p:blipFill>
+          <a:blip r:embed="rId3"/>
+          <a:stretch>
+            <a:fillRect/>
+          </a:stretch>
+        </p:blipFill>
+        <p:spPr>
+          <a:xfrm>
+            <a:off x="1237784" y="152062"/>
+            <a:ext cx="6668431" cy="4839375"/>
+          </a:xfrm>
+          <a:prstGeom prst="rect">
+            <a:avLst/>
+          </a:prstGeom>
+        </p:spPr>
+      </p:pic>
+    </p:spTree>
+  </p:cSld>
+  <p:clrMapOvr>
+    <a:masterClrMapping/>
+  </p:clrMapOvr>
+</p:sld>
+</file>
+
+<file path=ppt/slides/slide11.xml><?xml version="1.0" encoding="utf-8"?>
 <p:sld xmlns:a="http://schemas.openxmlformats.org/drawingml/2006/main" xmlns:r="http://schemas.openxmlformats.org/officeDocument/2006/relationships" xmlns:p="http://schemas.openxmlformats.org/presentationml/2006/main">
   <p:cSld>
     <p:spTree>
@@ -5576,7 +5644,7 @@
 </p:sld>
 </file>
 
-<file path=ppt/slides/slide11.xml><?xml version="1.0" encoding="utf-8"?>
+<file path=ppt/slides/slide12.xml><?xml version="1.0" encoding="utf-8"?>
 <p:sld xmlns:a="http://schemas.openxmlformats.org/drawingml/2006/main" xmlns:r="http://schemas.openxmlformats.org/officeDocument/2006/relationships" xmlns:p="http://schemas.openxmlformats.org/presentationml/2006/main">
   <p:cSld>
     <p:spTree>
@@ -5726,10 +5794,135 @@
   <p:clrMapOvr>
     <a:masterClrMapping/>
   </p:clrMapOvr>
+  <p:timing>
+    <p:tnLst>
+      <p:par>
+        <p:cTn id="1" dur="indefinite" restart="never" nodeType="tmRoot"/>
+      </p:par>
+    </p:tnLst>
+  </p:timing>
 </p:sld>
 </file>
 
 <file path=ppt/slides/slide3.xml><?xml version="1.0" encoding="utf-8"?>
+<p:sld xmlns:a="http://schemas.openxmlformats.org/drawingml/2006/main" xmlns:r="http://schemas.openxmlformats.org/officeDocument/2006/relationships" xmlns:p="http://schemas.openxmlformats.org/presentationml/2006/main">
+  <p:cSld>
+    <p:spTree>
+      <p:nvGrpSpPr>
+        <p:cNvPr id="1" name=""/>
+        <p:cNvGrpSpPr/>
+        <p:nvPr/>
+      </p:nvGrpSpPr>
+      <p:grpSpPr>
+        <a:xfrm>
+          <a:off x="0" y="0"/>
+          <a:ext cx="0" cy="0"/>
+          <a:chOff x="0" y="0"/>
+          <a:chExt cx="0" cy="0"/>
+        </a:xfrm>
+      </p:grpSpPr>
+      <p:sp>
+        <p:nvSpPr>
+          <p:cNvPr id="2" name="Title 1"/>
+          <p:cNvSpPr>
+            <a:spLocks noGrp="1"/>
+          </p:cNvSpPr>
+          <p:nvPr>
+            <p:ph type="title"/>
+          </p:nvPr>
+        </p:nvSpPr>
+        <p:spPr/>
+        <p:txBody>
+          <a:bodyPr/>
+          <a:lstStyle/>
+          <a:p>
+            <a:pPr algn="ctr"/>
+            <a:r>
+              <a:rPr lang="en-US" dirty="0" smtClean="0"/>
+              <a:t>Traceability Link Matrix</a:t>
+            </a:r>
+            <a:endParaRPr lang="en-US" dirty="0"/>
+          </a:p>
+        </p:txBody>
+      </p:sp>
+      <p:graphicFrame>
+        <p:nvGraphicFramePr>
+          <p:cNvPr id="6" name="Object 5"/>
+          <p:cNvGraphicFramePr>
+            <a:graphicFrameLocks noChangeAspect="1"/>
+          </p:cNvGraphicFramePr>
+          <p:nvPr>
+            <p:extLst>
+              <p:ext uri="{D42A27DB-BD31-4B8C-83A1-F6EECF244321}">
+                <p14:modId xmlns:p14="http://schemas.microsoft.com/office/powerpoint/2010/main" val="3560927396"/>
+              </p:ext>
+            </p:extLst>
+          </p:nvPr>
+        </p:nvGraphicFramePr>
+        <p:xfrm>
+          <a:off x="109539" y="1543050"/>
+          <a:ext cx="8953500" cy="1914525"/>
+        </p:xfrm>
+        <a:graphic>
+          <a:graphicData uri="http://schemas.openxmlformats.org/presentationml/2006/ole">
+            <mc:AlternateContent xmlns:mc="http://schemas.openxmlformats.org/markup-compatibility/2006">
+              <mc:Choice xmlns:v="urn:schemas-microsoft-com:vml" Requires="v">
+                <p:oleObj spid="_x0000_s1025" name="Worksheet" r:id="rId3" imgW="9915343" imgH="1914525" progId="Excel.Sheet.12">
+                  <p:embed/>
+                </p:oleObj>
+              </mc:Choice>
+              <mc:Fallback>
+                <p:oleObj name="Worksheet" r:id="rId3" imgW="9915343" imgH="1914525" progId="Excel.Sheet.12">
+                  <p:embed/>
+                  <p:pic>
+                    <p:nvPicPr>
+                      <p:cNvPr id="0" name=""/>
+                      <p:cNvPicPr/>
+                      <p:nvPr/>
+                    </p:nvPicPr>
+                    <p:blipFill>
+                      <a:blip r:embed="rId4"/>
+                      <a:stretch>
+                        <a:fillRect/>
+                      </a:stretch>
+                    </p:blipFill>
+                    <p:spPr>
+                      <a:xfrm>
+                        <a:off x="109539" y="1543050"/>
+                        <a:ext cx="8953500" cy="1914525"/>
+                      </a:xfrm>
+                      <a:prstGeom prst="rect">
+                        <a:avLst/>
+                      </a:prstGeom>
+                    </p:spPr>
+                  </p:pic>
+                </p:oleObj>
+              </mc:Fallback>
+            </mc:AlternateContent>
+          </a:graphicData>
+        </a:graphic>
+      </p:graphicFrame>
+    </p:spTree>
+    <p:extLst>
+      <p:ext uri="{BB962C8B-B14F-4D97-AF65-F5344CB8AC3E}">
+        <p14:creationId xmlns:p14="http://schemas.microsoft.com/office/powerpoint/2010/main" val="2884959931"/>
+      </p:ext>
+    </p:extLst>
+  </p:cSld>
+  <p:clrMapOvr>
+    <a:masterClrMapping/>
+  </p:clrMapOvr>
+  <p:timing>
+    <p:tnLst>
+      <p:par>
+        <p:cTn id="1" dur="indefinite" restart="never" nodeType="tmRoot"/>
+      </p:par>
+    </p:tnLst>
+  </p:timing>
+</p:sld>
+</file>
+
+<file path=ppt/slides/slide4.xml><?xml version="1.0" encoding="utf-8"?>
 <p:sld xmlns:a="http://schemas.openxmlformats.org/drawingml/2006/main" xmlns:r="http://schemas.openxmlformats.org/officeDocument/2006/relationships" xmlns:p="http://schemas.openxmlformats.org/presentationml/2006/main">
   <p:cSld>
     <p:spTree>
@@ -5789,10 +5982,17 @@
   <p:clrMapOvr>
     <a:masterClrMapping/>
   </p:clrMapOvr>
+  <p:timing>
+    <p:tnLst>
+      <p:par>
+        <p:cTn id="1" dur="indefinite" restart="never" nodeType="tmRoot"/>
+      </p:par>
+    </p:tnLst>
+  </p:timing>
 </p:sld>
 </file>
 
-<file path=ppt/slides/slide4.xml><?xml version="1.0" encoding="utf-8"?>
+<file path=ppt/slides/slide5.xml><?xml version="1.0" encoding="utf-8"?>
 <p:sld xmlns:a="http://schemas.openxmlformats.org/drawingml/2006/main" xmlns:r="http://schemas.openxmlformats.org/officeDocument/2006/relationships" xmlns:p="http://schemas.openxmlformats.org/presentationml/2006/main">
   <p:cSld>
     <p:spTree>
@@ -5879,10 +6079,17 @@
   <p:clrMapOvr>
     <a:masterClrMapping/>
   </p:clrMapOvr>
+  <p:timing>
+    <p:tnLst>
+      <p:par>
+        <p:cTn id="1" dur="indefinite" restart="never" nodeType="tmRoot"/>
+      </p:par>
+    </p:tnLst>
+  </p:timing>
 </p:sld>
 </file>
 
-<file path=ppt/slides/slide5.xml><?xml version="1.0" encoding="utf-8"?>
+<file path=ppt/slides/slide6.xml><?xml version="1.0" encoding="utf-8"?>
 <p:sld xmlns:a="http://schemas.openxmlformats.org/drawingml/2006/main" xmlns:r="http://schemas.openxmlformats.org/officeDocument/2006/relationships" xmlns:p="http://schemas.openxmlformats.org/presentationml/2006/main">
   <p:cSld>
     <p:spTree>
@@ -5969,10 +6176,17 @@
   <p:clrMapOvr>
     <a:masterClrMapping/>
   </p:clrMapOvr>
+  <p:timing>
+    <p:tnLst>
+      <p:par>
+        <p:cTn id="1" dur="indefinite" restart="never" nodeType="tmRoot"/>
+      </p:par>
+    </p:tnLst>
+  </p:timing>
 </p:sld>
 </file>
 
-<file path=ppt/slides/slide6.xml><?xml version="1.0" encoding="utf-8"?>
+<file path=ppt/slides/slide7.xml><?xml version="1.0" encoding="utf-8"?>
 <p:sld xmlns:a="http://schemas.openxmlformats.org/drawingml/2006/main" xmlns:r="http://schemas.openxmlformats.org/officeDocument/2006/relationships" xmlns:p="http://schemas.openxmlformats.org/presentationml/2006/main">
   <p:cSld>
     <p:spTree>
@@ -6059,10 +6273,17 @@
   <p:clrMapOvr>
     <a:masterClrMapping/>
   </p:clrMapOvr>
+  <p:timing>
+    <p:tnLst>
+      <p:par>
+        <p:cTn id="1" dur="indefinite" restart="never" nodeType="tmRoot"/>
+      </p:par>
+    </p:tnLst>
+  </p:timing>
 </p:sld>
 </file>
 
-<file path=ppt/slides/slide7.xml><?xml version="1.0" encoding="utf-8"?>
+<file path=ppt/slides/slide8.xml><?xml version="1.0" encoding="utf-8"?>
 <p:sld xmlns:a="http://schemas.openxmlformats.org/drawingml/2006/main" xmlns:r="http://schemas.openxmlformats.org/officeDocument/2006/relationships" xmlns:p="http://schemas.openxmlformats.org/presentationml/2006/main">
   <p:cSld>
     <p:spTree>
@@ -6125,7 +6346,7 @@
 </p:sld>
 </file>
 
-<file path=ppt/slides/slide8.xml><?xml version="1.0" encoding="utf-8"?>
+<file path=ppt/slides/slide9.xml><?xml version="1.0" encoding="utf-8"?>
 <p:sld xmlns:a="http://schemas.openxmlformats.org/drawingml/2006/main" xmlns:r="http://schemas.openxmlformats.org/officeDocument/2006/relationships" xmlns:p="http://schemas.openxmlformats.org/presentationml/2006/main">
   <p:cSld>
     <p:spTree>
@@ -6196,61 +6417,6 @@
           <a:ln>
             <a:noFill/>
           </a:ln>
-        </p:spPr>
-      </p:pic>
-    </p:spTree>
-  </p:cSld>
-  <p:clrMapOvr>
-    <a:masterClrMapping/>
-  </p:clrMapOvr>
-</p:sld>
-</file>
-
-<file path=ppt/slides/slide9.xml><?xml version="1.0" encoding="utf-8"?>
-<p:sld xmlns:a="http://schemas.openxmlformats.org/drawingml/2006/main" xmlns:r="http://schemas.openxmlformats.org/officeDocument/2006/relationships" xmlns:p="http://schemas.openxmlformats.org/presentationml/2006/main">
-  <p:cSld>
-    <p:spTree>
-      <p:nvGrpSpPr>
-        <p:cNvPr id="1" name="Shape 104"/>
-        <p:cNvGrpSpPr/>
-        <p:nvPr/>
-      </p:nvGrpSpPr>
-      <p:grpSpPr>
-        <a:xfrm>
-          <a:off x="0" y="0"/>
-          <a:ext cx="0" cy="0"/>
-          <a:chOff x="0" y="0"/>
-          <a:chExt cx="0" cy="0"/>
-        </a:xfrm>
-      </p:grpSpPr>
-      <p:pic>
-        <p:nvPicPr>
-          <p:cNvPr id="3" name="Picture 2">
-            <a:extLst>
-              <a:ext uri="{FF2B5EF4-FFF2-40B4-BE49-F238E27FC236}">
-                <a16:creationId xmlns:a16="http://schemas.microsoft.com/office/drawing/2014/main" id="{E225B80B-998D-44E8-963B-A32243C52371}"/>
-              </a:ext>
-            </a:extLst>
-          </p:cNvPr>
-          <p:cNvPicPr>
-            <a:picLocks noChangeAspect="1"/>
-          </p:cNvPicPr>
-          <p:nvPr/>
-        </p:nvPicPr>
-        <p:blipFill>
-          <a:blip r:embed="rId3"/>
-          <a:stretch>
-            <a:fillRect/>
-          </a:stretch>
-        </p:blipFill>
-        <p:spPr>
-          <a:xfrm>
-            <a:off x="1237784" y="152062"/>
-            <a:ext cx="6668431" cy="4839375"/>
-          </a:xfrm>
-          <a:prstGeom prst="rect">
-            <a:avLst/>
-          </a:prstGeom>
         </p:spPr>
       </p:pic>
     </p:spTree>
